--- a/JS - meet.js - warsztaty - Szczecin - 2015-11-14.pptx
+++ b/JS - meet.js - warsztaty - Szczecin - 2015-11-14.pptx
@@ -5,28 +5,34 @@
     <p:sldMasterId id="2147483654" r:id="rId1"/>
   </p:sldMasterIdLst>
   <p:notesMasterIdLst>
-    <p:notesMasterId r:id="rId21"/>
+    <p:notesMasterId r:id="rId27"/>
   </p:notesMasterIdLst>
   <p:sldIdLst>
     <p:sldId id="256" r:id="rId2"/>
     <p:sldId id="257" r:id="rId3"/>
-    <p:sldId id="278" r:id="rId4"/>
-    <p:sldId id="258" r:id="rId5"/>
-    <p:sldId id="279" r:id="rId6"/>
-    <p:sldId id="280" r:id="rId7"/>
-    <p:sldId id="281" r:id="rId8"/>
-    <p:sldId id="282" r:id="rId9"/>
-    <p:sldId id="283" r:id="rId10"/>
-    <p:sldId id="284" r:id="rId11"/>
-    <p:sldId id="285" r:id="rId12"/>
-    <p:sldId id="286" r:id="rId13"/>
-    <p:sldId id="287" r:id="rId14"/>
-    <p:sldId id="288" r:id="rId15"/>
-    <p:sldId id="289" r:id="rId16"/>
-    <p:sldId id="290" r:id="rId17"/>
-    <p:sldId id="291" r:id="rId18"/>
-    <p:sldId id="277" r:id="rId19"/>
-    <p:sldId id="293" r:id="rId20"/>
+    <p:sldId id="294" r:id="rId4"/>
+    <p:sldId id="278" r:id="rId5"/>
+    <p:sldId id="258" r:id="rId6"/>
+    <p:sldId id="279" r:id="rId7"/>
+    <p:sldId id="280" r:id="rId8"/>
+    <p:sldId id="281" r:id="rId9"/>
+    <p:sldId id="282" r:id="rId10"/>
+    <p:sldId id="283" r:id="rId11"/>
+    <p:sldId id="284" r:id="rId12"/>
+    <p:sldId id="285" r:id="rId13"/>
+    <p:sldId id="296" r:id="rId14"/>
+    <p:sldId id="297" r:id="rId15"/>
+    <p:sldId id="286" r:id="rId16"/>
+    <p:sldId id="287" r:id="rId17"/>
+    <p:sldId id="298" r:id="rId18"/>
+    <p:sldId id="288" r:id="rId19"/>
+    <p:sldId id="289" r:id="rId20"/>
+    <p:sldId id="290" r:id="rId21"/>
+    <p:sldId id="291" r:id="rId22"/>
+    <p:sldId id="277" r:id="rId23"/>
+    <p:sldId id="299" r:id="rId24"/>
+    <p:sldId id="295" r:id="rId25"/>
+    <p:sldId id="293" r:id="rId26"/>
   </p:sldIdLst>
   <p:sldSz cx="9144000" cy="5143500" type="screen16x9"/>
   <p:notesSz cx="6858000" cy="9144000"/>
@@ -1510,7 +1516,7 @@
   <p:cSld>
     <p:spTree>
       <p:nvGrpSpPr>
-        <p:cNvPr id="1" name="Shape 171"/>
+        <p:cNvPr id="1" name="Shape 43"/>
         <p:cNvGrpSpPr/>
         <p:nvPr/>
       </p:nvGrpSpPr>
@@ -1524,7 +1530,7 @@
       </p:grpSpPr>
       <p:sp>
         <p:nvSpPr>
-          <p:cNvPr id="172" name="Shape 172"/>
+          <p:cNvPr id="44" name="Shape 44"/>
           <p:cNvSpPr>
             <a:spLocks noGrp="1" noRot="1" noChangeAspect="1"/>
           </p:cNvSpPr>
@@ -1575,7 +1581,7 @@
       </p:sp>
       <p:sp>
         <p:nvSpPr>
-          <p:cNvPr id="173" name="Shape 173"/>
+          <p:cNvPr id="45" name="Shape 45"/>
           <p:cNvSpPr txBox="1">
             <a:spLocks noGrp="1"/>
           </p:cNvSpPr>
@@ -1621,7 +1627,7 @@
   <p:cSld>
     <p:spTree>
       <p:nvGrpSpPr>
-        <p:cNvPr id="1" name="Shape 171"/>
+        <p:cNvPr id="1" name="Shape 43"/>
         <p:cNvGrpSpPr/>
         <p:nvPr/>
       </p:nvGrpSpPr>
@@ -1635,7 +1641,7 @@
       </p:grpSpPr>
       <p:sp>
         <p:nvSpPr>
-          <p:cNvPr id="172" name="Shape 172"/>
+          <p:cNvPr id="44" name="Shape 44"/>
           <p:cNvSpPr>
             <a:spLocks noGrp="1" noRot="1" noChangeAspect="1"/>
           </p:cNvSpPr>
@@ -1686,7 +1692,7 @@
       </p:sp>
       <p:sp>
         <p:nvSpPr>
-          <p:cNvPr id="173" name="Shape 173"/>
+          <p:cNvPr id="45" name="Shape 45"/>
           <p:cNvSpPr txBox="1">
             <a:spLocks noGrp="1"/>
           </p:cNvSpPr>
@@ -1838,7 +1844,7 @@
 </p:notes>
 </file>
 
-<file path=ppt/notesSlides/notesSlide3.xml><?xml version="1.0" encoding="utf-8"?>
+<file path=ppt/notesSlides/notesSlide20.xml><?xml version="1.0" encoding="utf-8"?>
 <p:notes xmlns:a="http://schemas.openxmlformats.org/drawingml/2006/main" xmlns:r="http://schemas.openxmlformats.org/officeDocument/2006/relationships" xmlns:p="http://schemas.openxmlformats.org/presentationml/2006/main" showMasterSp="0" showMasterPhAnim="0">
   <p:cSld>
     <p:spTree>
@@ -1909,6 +1915,672 @@
       <p:sp>
         <p:nvSpPr>
           <p:cNvPr id="45" name="Shape 45"/>
+          <p:cNvSpPr txBox="1">
+            <a:spLocks noGrp="1"/>
+          </p:cNvSpPr>
+          <p:nvPr>
+            <p:ph type="body" idx="1"/>
+          </p:nvPr>
+        </p:nvSpPr>
+        <p:spPr>
+          <a:xfrm>
+            <a:off x="685800" y="4343400"/>
+            <a:ext cx="5486399" cy="4114800"/>
+          </a:xfrm>
+          <a:prstGeom prst="rect">
+            <a:avLst/>
+          </a:prstGeom>
+        </p:spPr>
+        <p:txBody>
+          <a:bodyPr lIns="91425" tIns="91425" rIns="91425" bIns="91425" anchor="t" anchorCtr="0">
+            <a:noAutofit/>
+          </a:bodyPr>
+          <a:lstStyle/>
+          <a:p>
+            <a:pPr>
+              <a:spcBef>
+                <a:spcPts val="0"/>
+              </a:spcBef>
+              <a:buNone/>
+            </a:pPr>
+            <a:endParaRPr/>
+          </a:p>
+        </p:txBody>
+      </p:sp>
+    </p:spTree>
+  </p:cSld>
+  <p:clrMapOvr>
+    <a:masterClrMapping/>
+  </p:clrMapOvr>
+</p:notes>
+</file>
+
+<file path=ppt/notesSlides/notesSlide21.xml><?xml version="1.0" encoding="utf-8"?>
+<p:notes xmlns:a="http://schemas.openxmlformats.org/drawingml/2006/main" xmlns:r="http://schemas.openxmlformats.org/officeDocument/2006/relationships" xmlns:p="http://schemas.openxmlformats.org/presentationml/2006/main" showMasterSp="0" showMasterPhAnim="0">
+  <p:cSld>
+    <p:spTree>
+      <p:nvGrpSpPr>
+        <p:cNvPr id="1" name="Shape 43"/>
+        <p:cNvGrpSpPr/>
+        <p:nvPr/>
+      </p:nvGrpSpPr>
+      <p:grpSpPr>
+        <a:xfrm>
+          <a:off x="0" y="0"/>
+          <a:ext cx="0" cy="0"/>
+          <a:chOff x="0" y="0"/>
+          <a:chExt cx="0" cy="0"/>
+        </a:xfrm>
+      </p:grpSpPr>
+      <p:sp>
+        <p:nvSpPr>
+          <p:cNvPr id="44" name="Shape 44"/>
+          <p:cNvSpPr>
+            <a:spLocks noGrp="1" noRot="1" noChangeAspect="1"/>
+          </p:cNvSpPr>
+          <p:nvPr>
+            <p:ph type="sldImg" idx="2"/>
+          </p:nvPr>
+        </p:nvSpPr>
+        <p:spPr>
+          <a:xfrm>
+            <a:off x="381000" y="685800"/>
+            <a:ext cx="6096000" cy="3429000"/>
+          </a:xfrm>
+          <a:custGeom>
+            <a:avLst/>
+            <a:gdLst/>
+            <a:ahLst/>
+            <a:cxnLst/>
+            <a:rect l="0" t="0" r="0" b="0"/>
+            <a:pathLst>
+              <a:path w="120000" h="120000" extrusionOk="0">
+                <a:moveTo>
+                  <a:pt x="0" y="0"/>
+                </a:moveTo>
+                <a:lnTo>
+                  <a:pt x="120000" y="0"/>
+                </a:lnTo>
+                <a:lnTo>
+                  <a:pt x="120000" y="120000"/>
+                </a:lnTo>
+                <a:lnTo>
+                  <a:pt x="0" y="120000"/>
+                </a:lnTo>
+                <a:close/>
+              </a:path>
+            </a:pathLst>
+          </a:custGeom>
+          <a:noFill/>
+          <a:ln w="9525" cap="flat" cmpd="sng">
+            <a:solidFill>
+              <a:srgbClr val="000000"/>
+            </a:solidFill>
+            <a:prstDash val="solid"/>
+            <a:round/>
+            <a:headEnd type="none" w="med" len="med"/>
+            <a:tailEnd type="none" w="med" len="med"/>
+          </a:ln>
+        </p:spPr>
+      </p:sp>
+      <p:sp>
+        <p:nvSpPr>
+          <p:cNvPr id="45" name="Shape 45"/>
+          <p:cNvSpPr txBox="1">
+            <a:spLocks noGrp="1"/>
+          </p:cNvSpPr>
+          <p:nvPr>
+            <p:ph type="body" idx="1"/>
+          </p:nvPr>
+        </p:nvSpPr>
+        <p:spPr>
+          <a:xfrm>
+            <a:off x="685800" y="4343400"/>
+            <a:ext cx="5486399" cy="4114800"/>
+          </a:xfrm>
+          <a:prstGeom prst="rect">
+            <a:avLst/>
+          </a:prstGeom>
+        </p:spPr>
+        <p:txBody>
+          <a:bodyPr lIns="91425" tIns="91425" rIns="91425" bIns="91425" anchor="t" anchorCtr="0">
+            <a:noAutofit/>
+          </a:bodyPr>
+          <a:lstStyle/>
+          <a:p>
+            <a:pPr>
+              <a:spcBef>
+                <a:spcPts val="0"/>
+              </a:spcBef>
+              <a:buNone/>
+            </a:pPr>
+            <a:endParaRPr/>
+          </a:p>
+        </p:txBody>
+      </p:sp>
+    </p:spTree>
+  </p:cSld>
+  <p:clrMapOvr>
+    <a:masterClrMapping/>
+  </p:clrMapOvr>
+</p:notes>
+</file>
+
+<file path=ppt/notesSlides/notesSlide22.xml><?xml version="1.0" encoding="utf-8"?>
+<p:notes xmlns:a="http://schemas.openxmlformats.org/drawingml/2006/main" xmlns:r="http://schemas.openxmlformats.org/officeDocument/2006/relationships" xmlns:p="http://schemas.openxmlformats.org/presentationml/2006/main" showMasterSp="0" showMasterPhAnim="0">
+  <p:cSld>
+    <p:spTree>
+      <p:nvGrpSpPr>
+        <p:cNvPr id="1" name="Shape 171"/>
+        <p:cNvGrpSpPr/>
+        <p:nvPr/>
+      </p:nvGrpSpPr>
+      <p:grpSpPr>
+        <a:xfrm>
+          <a:off x="0" y="0"/>
+          <a:ext cx="0" cy="0"/>
+          <a:chOff x="0" y="0"/>
+          <a:chExt cx="0" cy="0"/>
+        </a:xfrm>
+      </p:grpSpPr>
+      <p:sp>
+        <p:nvSpPr>
+          <p:cNvPr id="172" name="Shape 172"/>
+          <p:cNvSpPr>
+            <a:spLocks noGrp="1" noRot="1" noChangeAspect="1"/>
+          </p:cNvSpPr>
+          <p:nvPr>
+            <p:ph type="sldImg" idx="2"/>
+          </p:nvPr>
+        </p:nvSpPr>
+        <p:spPr>
+          <a:xfrm>
+            <a:off x="381000" y="685800"/>
+            <a:ext cx="6096000" cy="3429000"/>
+          </a:xfrm>
+          <a:custGeom>
+            <a:avLst/>
+            <a:gdLst/>
+            <a:ahLst/>
+            <a:cxnLst/>
+            <a:rect l="0" t="0" r="0" b="0"/>
+            <a:pathLst>
+              <a:path w="120000" h="120000" extrusionOk="0">
+                <a:moveTo>
+                  <a:pt x="0" y="0"/>
+                </a:moveTo>
+                <a:lnTo>
+                  <a:pt x="120000" y="0"/>
+                </a:lnTo>
+                <a:lnTo>
+                  <a:pt x="120000" y="120000"/>
+                </a:lnTo>
+                <a:lnTo>
+                  <a:pt x="0" y="120000"/>
+                </a:lnTo>
+                <a:close/>
+              </a:path>
+            </a:pathLst>
+          </a:custGeom>
+          <a:noFill/>
+          <a:ln w="9525" cap="flat" cmpd="sng">
+            <a:solidFill>
+              <a:srgbClr val="000000"/>
+            </a:solidFill>
+            <a:prstDash val="solid"/>
+            <a:round/>
+            <a:headEnd type="none" w="med" len="med"/>
+            <a:tailEnd type="none" w="med" len="med"/>
+          </a:ln>
+        </p:spPr>
+      </p:sp>
+      <p:sp>
+        <p:nvSpPr>
+          <p:cNvPr id="173" name="Shape 173"/>
+          <p:cNvSpPr txBox="1">
+            <a:spLocks noGrp="1"/>
+          </p:cNvSpPr>
+          <p:nvPr>
+            <p:ph type="body" idx="1"/>
+          </p:nvPr>
+        </p:nvSpPr>
+        <p:spPr>
+          <a:xfrm>
+            <a:off x="685800" y="4343400"/>
+            <a:ext cx="5486399" cy="4114800"/>
+          </a:xfrm>
+          <a:prstGeom prst="rect">
+            <a:avLst/>
+          </a:prstGeom>
+        </p:spPr>
+        <p:txBody>
+          <a:bodyPr lIns="91425" tIns="91425" rIns="91425" bIns="91425" anchor="t" anchorCtr="0">
+            <a:noAutofit/>
+          </a:bodyPr>
+          <a:lstStyle/>
+          <a:p>
+            <a:pPr>
+              <a:spcBef>
+                <a:spcPts val="0"/>
+              </a:spcBef>
+              <a:buNone/>
+            </a:pPr>
+            <a:endParaRPr/>
+          </a:p>
+        </p:txBody>
+      </p:sp>
+    </p:spTree>
+  </p:cSld>
+  <p:clrMapOvr>
+    <a:masterClrMapping/>
+  </p:clrMapOvr>
+</p:notes>
+</file>
+
+<file path=ppt/notesSlides/notesSlide23.xml><?xml version="1.0" encoding="utf-8"?>
+<p:notes xmlns:a="http://schemas.openxmlformats.org/drawingml/2006/main" xmlns:r="http://schemas.openxmlformats.org/officeDocument/2006/relationships" xmlns:p="http://schemas.openxmlformats.org/presentationml/2006/main" showMasterSp="0" showMasterPhAnim="0">
+  <p:cSld>
+    <p:spTree>
+      <p:nvGrpSpPr>
+        <p:cNvPr id="1" name="Shape 43"/>
+        <p:cNvGrpSpPr/>
+        <p:nvPr/>
+      </p:nvGrpSpPr>
+      <p:grpSpPr>
+        <a:xfrm>
+          <a:off x="0" y="0"/>
+          <a:ext cx="0" cy="0"/>
+          <a:chOff x="0" y="0"/>
+          <a:chExt cx="0" cy="0"/>
+        </a:xfrm>
+      </p:grpSpPr>
+      <p:sp>
+        <p:nvSpPr>
+          <p:cNvPr id="44" name="Shape 44"/>
+          <p:cNvSpPr>
+            <a:spLocks noGrp="1" noRot="1" noChangeAspect="1"/>
+          </p:cNvSpPr>
+          <p:nvPr>
+            <p:ph type="sldImg" idx="2"/>
+          </p:nvPr>
+        </p:nvSpPr>
+        <p:spPr>
+          <a:xfrm>
+            <a:off x="381000" y="685800"/>
+            <a:ext cx="6096000" cy="3429000"/>
+          </a:xfrm>
+          <a:custGeom>
+            <a:avLst/>
+            <a:gdLst/>
+            <a:ahLst/>
+            <a:cxnLst/>
+            <a:rect l="0" t="0" r="0" b="0"/>
+            <a:pathLst>
+              <a:path w="120000" h="120000" extrusionOk="0">
+                <a:moveTo>
+                  <a:pt x="0" y="0"/>
+                </a:moveTo>
+                <a:lnTo>
+                  <a:pt x="120000" y="0"/>
+                </a:lnTo>
+                <a:lnTo>
+                  <a:pt x="120000" y="120000"/>
+                </a:lnTo>
+                <a:lnTo>
+                  <a:pt x="0" y="120000"/>
+                </a:lnTo>
+                <a:close/>
+              </a:path>
+            </a:pathLst>
+          </a:custGeom>
+          <a:noFill/>
+          <a:ln w="9525" cap="flat" cmpd="sng">
+            <a:solidFill>
+              <a:srgbClr val="000000"/>
+            </a:solidFill>
+            <a:prstDash val="solid"/>
+            <a:round/>
+            <a:headEnd type="none" w="med" len="med"/>
+            <a:tailEnd type="none" w="med" len="med"/>
+          </a:ln>
+        </p:spPr>
+      </p:sp>
+      <p:sp>
+        <p:nvSpPr>
+          <p:cNvPr id="45" name="Shape 45"/>
+          <p:cNvSpPr txBox="1">
+            <a:spLocks noGrp="1"/>
+          </p:cNvSpPr>
+          <p:nvPr>
+            <p:ph type="body" idx="1"/>
+          </p:nvPr>
+        </p:nvSpPr>
+        <p:spPr>
+          <a:xfrm>
+            <a:off x="685800" y="4343400"/>
+            <a:ext cx="5486399" cy="4114800"/>
+          </a:xfrm>
+          <a:prstGeom prst="rect">
+            <a:avLst/>
+          </a:prstGeom>
+        </p:spPr>
+        <p:txBody>
+          <a:bodyPr lIns="91425" tIns="91425" rIns="91425" bIns="91425" anchor="t" anchorCtr="0">
+            <a:noAutofit/>
+          </a:bodyPr>
+          <a:lstStyle/>
+          <a:p>
+            <a:pPr>
+              <a:spcBef>
+                <a:spcPts val="0"/>
+              </a:spcBef>
+              <a:buNone/>
+            </a:pPr>
+            <a:endParaRPr/>
+          </a:p>
+        </p:txBody>
+      </p:sp>
+    </p:spTree>
+  </p:cSld>
+  <p:clrMapOvr>
+    <a:masterClrMapping/>
+  </p:clrMapOvr>
+</p:notes>
+</file>
+
+<file path=ppt/notesSlides/notesSlide24.xml><?xml version="1.0" encoding="utf-8"?>
+<p:notes xmlns:a="http://schemas.openxmlformats.org/drawingml/2006/main" xmlns:r="http://schemas.openxmlformats.org/officeDocument/2006/relationships" xmlns:p="http://schemas.openxmlformats.org/presentationml/2006/main" showMasterSp="0" showMasterPhAnim="0">
+  <p:cSld>
+    <p:spTree>
+      <p:nvGrpSpPr>
+        <p:cNvPr id="1" name="Shape 171"/>
+        <p:cNvGrpSpPr/>
+        <p:nvPr/>
+      </p:nvGrpSpPr>
+      <p:grpSpPr>
+        <a:xfrm>
+          <a:off x="0" y="0"/>
+          <a:ext cx="0" cy="0"/>
+          <a:chOff x="0" y="0"/>
+          <a:chExt cx="0" cy="0"/>
+        </a:xfrm>
+      </p:grpSpPr>
+      <p:sp>
+        <p:nvSpPr>
+          <p:cNvPr id="172" name="Shape 172"/>
+          <p:cNvSpPr>
+            <a:spLocks noGrp="1" noRot="1" noChangeAspect="1"/>
+          </p:cNvSpPr>
+          <p:nvPr>
+            <p:ph type="sldImg" idx="2"/>
+          </p:nvPr>
+        </p:nvSpPr>
+        <p:spPr>
+          <a:xfrm>
+            <a:off x="381000" y="685800"/>
+            <a:ext cx="6096000" cy="3429000"/>
+          </a:xfrm>
+          <a:custGeom>
+            <a:avLst/>
+            <a:gdLst/>
+            <a:ahLst/>
+            <a:cxnLst/>
+            <a:rect l="0" t="0" r="0" b="0"/>
+            <a:pathLst>
+              <a:path w="120000" h="120000" extrusionOk="0">
+                <a:moveTo>
+                  <a:pt x="0" y="0"/>
+                </a:moveTo>
+                <a:lnTo>
+                  <a:pt x="120000" y="0"/>
+                </a:lnTo>
+                <a:lnTo>
+                  <a:pt x="120000" y="120000"/>
+                </a:lnTo>
+                <a:lnTo>
+                  <a:pt x="0" y="120000"/>
+                </a:lnTo>
+                <a:close/>
+              </a:path>
+            </a:pathLst>
+          </a:custGeom>
+          <a:noFill/>
+          <a:ln w="9525" cap="flat" cmpd="sng">
+            <a:solidFill>
+              <a:srgbClr val="000000"/>
+            </a:solidFill>
+            <a:prstDash val="solid"/>
+            <a:round/>
+            <a:headEnd type="none" w="med" len="med"/>
+            <a:tailEnd type="none" w="med" len="med"/>
+          </a:ln>
+        </p:spPr>
+      </p:sp>
+      <p:sp>
+        <p:nvSpPr>
+          <p:cNvPr id="173" name="Shape 173"/>
+          <p:cNvSpPr txBox="1">
+            <a:spLocks noGrp="1"/>
+          </p:cNvSpPr>
+          <p:nvPr>
+            <p:ph type="body" idx="1"/>
+          </p:nvPr>
+        </p:nvSpPr>
+        <p:spPr>
+          <a:xfrm>
+            <a:off x="685800" y="4343400"/>
+            <a:ext cx="5486399" cy="4114800"/>
+          </a:xfrm>
+          <a:prstGeom prst="rect">
+            <a:avLst/>
+          </a:prstGeom>
+        </p:spPr>
+        <p:txBody>
+          <a:bodyPr lIns="91425" tIns="91425" rIns="91425" bIns="91425" anchor="t" anchorCtr="0">
+            <a:noAutofit/>
+          </a:bodyPr>
+          <a:lstStyle/>
+          <a:p>
+            <a:pPr>
+              <a:spcBef>
+                <a:spcPts val="0"/>
+              </a:spcBef>
+              <a:buNone/>
+            </a:pPr>
+            <a:endParaRPr/>
+          </a:p>
+        </p:txBody>
+      </p:sp>
+    </p:spTree>
+  </p:cSld>
+  <p:clrMapOvr>
+    <a:masterClrMapping/>
+  </p:clrMapOvr>
+</p:notes>
+</file>
+
+<file path=ppt/notesSlides/notesSlide25.xml><?xml version="1.0" encoding="utf-8"?>
+<p:notes xmlns:a="http://schemas.openxmlformats.org/drawingml/2006/main" xmlns:r="http://schemas.openxmlformats.org/officeDocument/2006/relationships" xmlns:p="http://schemas.openxmlformats.org/presentationml/2006/main" showMasterSp="0" showMasterPhAnim="0">
+  <p:cSld>
+    <p:spTree>
+      <p:nvGrpSpPr>
+        <p:cNvPr id="1" name="Shape 171"/>
+        <p:cNvGrpSpPr/>
+        <p:nvPr/>
+      </p:nvGrpSpPr>
+      <p:grpSpPr>
+        <a:xfrm>
+          <a:off x="0" y="0"/>
+          <a:ext cx="0" cy="0"/>
+          <a:chOff x="0" y="0"/>
+          <a:chExt cx="0" cy="0"/>
+        </a:xfrm>
+      </p:grpSpPr>
+      <p:sp>
+        <p:nvSpPr>
+          <p:cNvPr id="172" name="Shape 172"/>
+          <p:cNvSpPr>
+            <a:spLocks noGrp="1" noRot="1" noChangeAspect="1"/>
+          </p:cNvSpPr>
+          <p:nvPr>
+            <p:ph type="sldImg" idx="2"/>
+          </p:nvPr>
+        </p:nvSpPr>
+        <p:spPr>
+          <a:xfrm>
+            <a:off x="381000" y="685800"/>
+            <a:ext cx="6096000" cy="3429000"/>
+          </a:xfrm>
+          <a:custGeom>
+            <a:avLst/>
+            <a:gdLst/>
+            <a:ahLst/>
+            <a:cxnLst/>
+            <a:rect l="0" t="0" r="0" b="0"/>
+            <a:pathLst>
+              <a:path w="120000" h="120000" extrusionOk="0">
+                <a:moveTo>
+                  <a:pt x="0" y="0"/>
+                </a:moveTo>
+                <a:lnTo>
+                  <a:pt x="120000" y="0"/>
+                </a:lnTo>
+                <a:lnTo>
+                  <a:pt x="120000" y="120000"/>
+                </a:lnTo>
+                <a:lnTo>
+                  <a:pt x="0" y="120000"/>
+                </a:lnTo>
+                <a:close/>
+              </a:path>
+            </a:pathLst>
+          </a:custGeom>
+          <a:noFill/>
+          <a:ln w="9525" cap="flat" cmpd="sng">
+            <a:solidFill>
+              <a:srgbClr val="000000"/>
+            </a:solidFill>
+            <a:prstDash val="solid"/>
+            <a:round/>
+            <a:headEnd type="none" w="med" len="med"/>
+            <a:tailEnd type="none" w="med" len="med"/>
+          </a:ln>
+        </p:spPr>
+      </p:sp>
+      <p:sp>
+        <p:nvSpPr>
+          <p:cNvPr id="173" name="Shape 173"/>
+          <p:cNvSpPr txBox="1">
+            <a:spLocks noGrp="1"/>
+          </p:cNvSpPr>
+          <p:nvPr>
+            <p:ph type="body" idx="1"/>
+          </p:nvPr>
+        </p:nvSpPr>
+        <p:spPr>
+          <a:xfrm>
+            <a:off x="685800" y="4343400"/>
+            <a:ext cx="5486399" cy="4114800"/>
+          </a:xfrm>
+          <a:prstGeom prst="rect">
+            <a:avLst/>
+          </a:prstGeom>
+        </p:spPr>
+        <p:txBody>
+          <a:bodyPr lIns="91425" tIns="91425" rIns="91425" bIns="91425" anchor="t" anchorCtr="0">
+            <a:noAutofit/>
+          </a:bodyPr>
+          <a:lstStyle/>
+          <a:p>
+            <a:pPr>
+              <a:spcBef>
+                <a:spcPts val="0"/>
+              </a:spcBef>
+              <a:buNone/>
+            </a:pPr>
+            <a:endParaRPr/>
+          </a:p>
+        </p:txBody>
+      </p:sp>
+    </p:spTree>
+  </p:cSld>
+  <p:clrMapOvr>
+    <a:masterClrMapping/>
+  </p:clrMapOvr>
+</p:notes>
+</file>
+
+<file path=ppt/notesSlides/notesSlide3.xml><?xml version="1.0" encoding="utf-8"?>
+<p:notes xmlns:a="http://schemas.openxmlformats.org/drawingml/2006/main" xmlns:r="http://schemas.openxmlformats.org/officeDocument/2006/relationships" xmlns:p="http://schemas.openxmlformats.org/presentationml/2006/main" showMasterSp="0" showMasterPhAnim="0">
+  <p:cSld>
+    <p:spTree>
+      <p:nvGrpSpPr>
+        <p:cNvPr id="1" name="Shape 37"/>
+        <p:cNvGrpSpPr/>
+        <p:nvPr/>
+      </p:nvGrpSpPr>
+      <p:grpSpPr>
+        <a:xfrm>
+          <a:off x="0" y="0"/>
+          <a:ext cx="0" cy="0"/>
+          <a:chOff x="0" y="0"/>
+          <a:chExt cx="0" cy="0"/>
+        </a:xfrm>
+      </p:grpSpPr>
+      <p:sp>
+        <p:nvSpPr>
+          <p:cNvPr id="38" name="Shape 38"/>
+          <p:cNvSpPr>
+            <a:spLocks noGrp="1" noRot="1" noChangeAspect="1"/>
+          </p:cNvSpPr>
+          <p:nvPr>
+            <p:ph type="sldImg" idx="2"/>
+          </p:nvPr>
+        </p:nvSpPr>
+        <p:spPr>
+          <a:xfrm>
+            <a:off x="381000" y="685800"/>
+            <a:ext cx="6096000" cy="3429000"/>
+          </a:xfrm>
+          <a:custGeom>
+            <a:avLst/>
+            <a:gdLst/>
+            <a:ahLst/>
+            <a:cxnLst/>
+            <a:rect l="0" t="0" r="0" b="0"/>
+            <a:pathLst>
+              <a:path w="120000" h="120000" extrusionOk="0">
+                <a:moveTo>
+                  <a:pt x="0" y="0"/>
+                </a:moveTo>
+                <a:lnTo>
+                  <a:pt x="120000" y="0"/>
+                </a:lnTo>
+                <a:lnTo>
+                  <a:pt x="120000" y="120000"/>
+                </a:lnTo>
+                <a:lnTo>
+                  <a:pt x="0" y="120000"/>
+                </a:lnTo>
+                <a:close/>
+              </a:path>
+            </a:pathLst>
+          </a:custGeom>
+          <a:noFill/>
+          <a:ln w="9525" cap="flat" cmpd="sng">
+            <a:solidFill>
+              <a:srgbClr val="000000"/>
+            </a:solidFill>
+            <a:prstDash val="solid"/>
+            <a:round/>
+            <a:headEnd type="none" w="med" len="med"/>
+            <a:tailEnd type="none" w="med" len="med"/>
+          </a:ln>
+        </p:spPr>
+      </p:sp>
+      <p:sp>
+        <p:nvSpPr>
+          <p:cNvPr id="39" name="Shape 39"/>
           <p:cNvSpPr txBox="1">
             <a:spLocks noGrp="1"/>
           </p:cNvSpPr>
@@ -4458,6 +5130,13 @@
   <p:transition spd="slow">
     <p:cut/>
   </p:transition>
+  <p:timing>
+    <p:tnLst>
+      <p:par>
+        <p:cTn id="1" dur="indefinite" restart="never" nodeType="tmRoot"/>
+      </p:par>
+    </p:tnLst>
+  </p:timing>
 </p:sld>
 </file>
 
@@ -4506,55 +5185,72 @@
           <a:bodyPr anchor="ctr"/>
           <a:lstStyle/>
           <a:p>
-            <a:pPr>
-              <a:lnSpc>
-                <a:spcPct val="150000"/>
-              </a:lnSpc>
-            </a:pPr>
             <a:r>
               <a:rPr lang="en-US" sz="2800" dirty="0">
                 <a:solidFill>
                   <a:schemeClr val="bg1"/>
                 </a:solidFill>
               </a:rPr>
-              <a:t>$("div").text(); </a:t>
-            </a:r>
-            <a:r>
-              <a:rPr lang="en-US" sz="1600" dirty="0" smtClean="0">
-                <a:solidFill>
-                  <a:schemeClr val="accent3">
-                    <a:lumMod val="50000"/>
-                  </a:schemeClr>
-                </a:solidFill>
-              </a:rPr>
-              <a:t>(</a:t>
-            </a:r>
-            <a:r>
-              <a:rPr lang="pl-PL" sz="1600" dirty="0" smtClean="0">
-                <a:solidFill>
-                  <a:schemeClr val="accent3">
-                    <a:lumMod val="50000"/>
-                  </a:schemeClr>
-                </a:solidFill>
-              </a:rPr>
-              <a:t>wszystkie elementy</a:t>
-            </a:r>
-            <a:r>
-              <a:rPr lang="en-US" sz="1600" dirty="0" smtClean="0">
-                <a:solidFill>
-                  <a:schemeClr val="accent3">
-                    <a:lumMod val="50000"/>
-                  </a:schemeClr>
-                </a:solidFill>
-              </a:rPr>
-              <a:t>)</a:t>
-            </a:r>
-            <a:r>
+              <a:t>$("div").after();</a:t>
+            </a:r>
+            <a:br>
               <a:rPr lang="en-US" sz="2800" dirty="0">
                 <a:solidFill>
                   <a:schemeClr val="bg1"/>
                 </a:solidFill>
               </a:rPr>
+            </a:br>
+            <a:r>
+              <a:rPr lang="en-US" sz="2800" dirty="0">
+                <a:solidFill>
+                  <a:schemeClr val="bg1"/>
+                </a:solidFill>
+              </a:rPr>
+              <a:t>$("div").before();</a:t>
+            </a:r>
+            <a:br>
+              <a:rPr lang="en-US" sz="2800" dirty="0">
+                <a:solidFill>
+                  <a:schemeClr val="bg1"/>
+                </a:solidFill>
+              </a:rPr>
+            </a:br>
+            <a:r>
+              <a:rPr lang="en-US" sz="2800" dirty="0">
+                <a:solidFill>
+                  <a:schemeClr val="bg1"/>
+                </a:solidFill>
+              </a:rPr>
+              <a:t>$("div").append();</a:t>
+            </a:r>
+            <a:br>
+              <a:rPr lang="en-US" sz="2800" dirty="0">
+                <a:solidFill>
+                  <a:schemeClr val="bg1"/>
+                </a:solidFill>
+              </a:rPr>
+            </a:br>
+            <a:r>
+              <a:rPr lang="en-US" sz="2800" dirty="0">
+                <a:solidFill>
+                  <a:schemeClr val="bg1"/>
+                </a:solidFill>
+              </a:rPr>
+              <a:t>$("div").prepend();</a:t>
+            </a:r>
+            <a:br>
+              <a:rPr lang="en-US" sz="2800" dirty="0">
+                <a:solidFill>
+                  <a:schemeClr val="bg1"/>
+                </a:solidFill>
+              </a:rPr>
+            </a:br>
+            <a:r>
+              <a:rPr lang="en-US" sz="2800" dirty="0">
+                <a:solidFill>
+                  <a:schemeClr val="bg1"/>
+                </a:solidFill>
+              </a:rPr>
               <a:t/>
             </a:r>
             <a:br>
@@ -4570,21 +5266,37 @@
                   <a:schemeClr val="bg1"/>
                 </a:solidFill>
               </a:rPr>
-              <a:t>$("div").text("New text");</a:t>
-            </a:r>
-            <a:br>
+              <a:t>$("&lt;div&gt;").</a:t>
+            </a:r>
+            <a:r>
+              <a:rPr lang="en-US" sz="2800" dirty="0" err="1">
+                <a:solidFill>
+                  <a:schemeClr val="bg1"/>
+                </a:solidFill>
+              </a:rPr>
+              <a:t>appendTo</a:t>
+            </a:r>
+            <a:r>
               <a:rPr lang="en-US" sz="2800" dirty="0">
                 <a:solidFill>
                   <a:schemeClr val="bg1"/>
                 </a:solidFill>
               </a:rPr>
-            </a:br>
-            <a:r>
+              <a:t>()</a:t>
+            </a:r>
+            <a:br>
               <a:rPr lang="en-US" sz="2800" dirty="0">
                 <a:solidFill>
                   <a:schemeClr val="bg1"/>
                 </a:solidFill>
               </a:rPr>
+            </a:br>
+            <a:r>
+              <a:rPr lang="en-US" sz="2800" dirty="0">
+                <a:solidFill>
+                  <a:schemeClr val="bg1"/>
+                </a:solidFill>
+              </a:rPr>
               <a:t/>
             </a:r>
             <a:br>
@@ -4600,68 +5312,8 @@
                   <a:schemeClr val="bg1"/>
                 </a:solidFill>
               </a:rPr>
-              <a:t>$("div").html(); </a:t>
-            </a:r>
-            <a:r>
-              <a:rPr lang="en-US" sz="1600" dirty="0" smtClean="0">
-                <a:solidFill>
-                  <a:schemeClr val="accent3">
-                    <a:lumMod val="50000"/>
-                  </a:schemeClr>
-                </a:solidFill>
-              </a:rPr>
-              <a:t>(</a:t>
-            </a:r>
-            <a:r>
-              <a:rPr lang="pl-PL" sz="1600" dirty="0" smtClean="0">
-                <a:solidFill>
-                  <a:schemeClr val="accent3">
-                    <a:lumMod val="50000"/>
-                  </a:schemeClr>
-                </a:solidFill>
-              </a:rPr>
-              <a:t>pierwszy element</a:t>
-            </a:r>
-            <a:r>
-              <a:rPr lang="en-US" sz="1600" dirty="0" smtClean="0">
-                <a:solidFill>
-                  <a:schemeClr val="accent3">
-                    <a:lumMod val="50000"/>
-                  </a:schemeClr>
-                </a:solidFill>
-              </a:rPr>
-              <a:t>)</a:t>
-            </a:r>
-            <a:r>
-              <a:rPr lang="en-US" sz="2800" dirty="0">
-                <a:solidFill>
-                  <a:schemeClr val="bg1"/>
-                </a:solidFill>
-              </a:rPr>
-              <a:t/>
-            </a:r>
-            <a:br>
-              <a:rPr lang="en-US" sz="2800" dirty="0">
-                <a:solidFill>
-                  <a:schemeClr val="bg1"/>
-                </a:solidFill>
-              </a:rPr>
-            </a:br>
-            <a:r>
-              <a:rPr lang="en-US" sz="2800" dirty="0">
-                <a:solidFill>
-                  <a:schemeClr val="bg1"/>
-                </a:solidFill>
-              </a:rPr>
-              <a:t>$("div").html("&lt;p&gt;");</a:t>
-            </a:r>
-            <a:br>
-              <a:rPr lang="en-US" sz="2800" dirty="0">
-                <a:solidFill>
-                  <a:schemeClr val="bg1"/>
-                </a:solidFill>
-              </a:rPr>
-            </a:br>
+              <a:t>$("div").remove();</a:t>
+            </a:r>
             <a:endParaRPr lang="pl-PL" sz="2800" dirty="0">
               <a:solidFill>
                 <a:schemeClr val="bg1"/>
@@ -4673,7 +5325,7 @@
     </p:spTree>
     <p:extLst>
       <p:ext uri="{BB962C8B-B14F-4D97-AF65-F5344CB8AC3E}">
-        <p14:creationId xmlns:p14="http://schemas.microsoft.com/office/powerpoint/2010/main" val="4097870090"/>
+        <p14:creationId xmlns:p14="http://schemas.microsoft.com/office/powerpoint/2010/main" val="3178401811"/>
       </p:ext>
     </p:extLst>
   </p:cSld>
@@ -4683,6 +5335,13 @@
   <p:transition spd="slow">
     <p:cut/>
   </p:transition>
+  <p:timing>
+    <p:tnLst>
+      <p:par>
+        <p:cTn id="1" dur="indefinite" restart="never" nodeType="tmRoot"/>
+      </p:par>
+    </p:tnLst>
+  </p:timing>
 </p:sld>
 </file>
 
@@ -4742,23 +5401,7 @@
                   <a:schemeClr val="bg1"/>
                 </a:solidFill>
               </a:rPr>
-              <a:t>$("input").</a:t>
-            </a:r>
-            <a:r>
-              <a:rPr lang="en-US" sz="2800" dirty="0" err="1">
-                <a:solidFill>
-                  <a:schemeClr val="bg1"/>
-                </a:solidFill>
-              </a:rPr>
-              <a:t>val</a:t>
-            </a:r>
-            <a:r>
-              <a:rPr lang="en-US" sz="2800" dirty="0">
-                <a:solidFill>
-                  <a:schemeClr val="bg1"/>
-                </a:solidFill>
-              </a:rPr>
-              <a:t>(); </a:t>
+              <a:t>$("div").text(); </a:t>
             </a:r>
             <a:r>
               <a:rPr lang="en-US" sz="1600" dirty="0" smtClean="0">
@@ -4778,7 +5421,7 @@
                   </a:schemeClr>
                 </a:solidFill>
               </a:rPr>
-              <a:t>pierwszy element,</a:t>
+              <a:t>wszystkie elementy</a:t>
             </a:r>
             <a:r>
               <a:rPr lang="en-US" sz="1600" dirty="0" smtClean="0">
@@ -4788,30 +5431,83 @@
                   </a:schemeClr>
                 </a:solidFill>
               </a:rPr>
-              <a:t> </a:t>
-            </a:r>
-            <a:r>
-              <a:rPr lang="en-US" sz="1600" dirty="0">
+              <a:t>)</a:t>
+            </a:r>
+            <a:r>
+              <a:rPr lang="en-US" sz="2800" dirty="0">
+                <a:solidFill>
+                  <a:schemeClr val="bg1"/>
+                </a:solidFill>
+              </a:rPr>
+              <a:t/>
+            </a:r>
+            <a:br>
+              <a:rPr lang="en-US" sz="2800" dirty="0">
+                <a:solidFill>
+                  <a:schemeClr val="bg1"/>
+                </a:solidFill>
+              </a:rPr>
+            </a:br>
+            <a:r>
+              <a:rPr lang="en-US" sz="2800" dirty="0">
+                <a:solidFill>
+                  <a:schemeClr val="bg1"/>
+                </a:solidFill>
+              </a:rPr>
+              <a:t>$("div").text("New text");</a:t>
+            </a:r>
+            <a:br>
+              <a:rPr lang="en-US" sz="2800" dirty="0">
+                <a:solidFill>
+                  <a:schemeClr val="bg1"/>
+                </a:solidFill>
+              </a:rPr>
+            </a:br>
+            <a:r>
+              <a:rPr lang="en-US" sz="2800" dirty="0">
+                <a:solidFill>
+                  <a:schemeClr val="bg1"/>
+                </a:solidFill>
+              </a:rPr>
+              <a:t/>
+            </a:r>
+            <a:br>
+              <a:rPr lang="en-US" sz="2800" dirty="0">
+                <a:solidFill>
+                  <a:schemeClr val="bg1"/>
+                </a:solidFill>
+              </a:rPr>
+            </a:br>
+            <a:r>
+              <a:rPr lang="en-US" sz="2800" dirty="0">
+                <a:solidFill>
+                  <a:schemeClr val="bg1"/>
+                </a:solidFill>
+              </a:rPr>
+              <a:t>$("div").html(); </a:t>
+            </a:r>
+            <a:r>
+              <a:rPr lang="en-US" sz="1600" dirty="0" smtClean="0">
                 <a:solidFill>
                   <a:schemeClr val="accent3">
                     <a:lumMod val="50000"/>
                   </a:schemeClr>
                 </a:solidFill>
               </a:rPr>
-              <a:t>input, select, </a:t>
-            </a:r>
-            <a:r>
-              <a:rPr lang="en-US" sz="1600" dirty="0" err="1">
+              <a:t>(</a:t>
+            </a:r>
+            <a:r>
+              <a:rPr lang="pl-PL" sz="1600" dirty="0" smtClean="0">
                 <a:solidFill>
                   <a:schemeClr val="accent3">
                     <a:lumMod val="50000"/>
                   </a:schemeClr>
                 </a:solidFill>
               </a:rPr>
-              <a:t>textarea</a:t>
-            </a:r>
-            <a:r>
-              <a:rPr lang="en-US" sz="1600" dirty="0">
+              <a:t>pierwszy element</a:t>
+            </a:r>
+            <a:r>
+              <a:rPr lang="en-US" sz="1600" dirty="0" smtClean="0">
                 <a:solidFill>
                   <a:schemeClr val="accent3">
                     <a:lumMod val="50000"/>
@@ -4841,54 +5537,15 @@
                   <a:schemeClr val="bg1"/>
                 </a:solidFill>
               </a:rPr>
-              <a:t>$("div").</a:t>
-            </a:r>
-            <a:r>
-              <a:rPr lang="en-US" sz="2800" dirty="0" err="1">
-                <a:solidFill>
-                  <a:schemeClr val="bg1"/>
-                </a:solidFill>
-              </a:rPr>
-              <a:t>val</a:t>
-            </a:r>
-            <a:r>
+              <a:t>$("div").html("&lt;p&gt;");</a:t>
+            </a:r>
+            <a:br>
               <a:rPr lang="en-US" sz="2800" dirty="0">
                 <a:solidFill>
                   <a:schemeClr val="bg1"/>
                 </a:solidFill>
               </a:rPr>
-              <a:t>("New value");</a:t>
-            </a:r>
-            <a:br>
-              <a:rPr lang="en-US" sz="2800" dirty="0">
-                <a:solidFill>
-                  <a:schemeClr val="bg1"/>
-                </a:solidFill>
-              </a:rPr>
-            </a:br>
-            <a:r>
-              <a:rPr lang="en-US" sz="2800" dirty="0">
-                <a:solidFill>
-                  <a:schemeClr val="bg1"/>
-                </a:solidFill>
-              </a:rPr>
-              <a:t/>
-            </a:r>
-            <a:br>
-              <a:rPr lang="en-US" sz="2800" dirty="0">
-                <a:solidFill>
-                  <a:schemeClr val="bg1"/>
-                </a:solidFill>
-              </a:rPr>
-            </a:br>
-            <a:r>
-              <a:rPr lang="en-US" sz="2800" dirty="0">
-                <a:solidFill>
-                  <a:schemeClr val="bg1"/>
-                </a:solidFill>
-              </a:rPr>
-              <a:t>$("div").empty();</a:t>
-            </a:r>
+            </a:br>
             <a:endParaRPr lang="pl-PL" sz="2800" dirty="0">
               <a:solidFill>
                 <a:schemeClr val="bg1"/>
@@ -4900,7 +5557,7 @@
     </p:spTree>
     <p:extLst>
       <p:ext uri="{BB962C8B-B14F-4D97-AF65-F5344CB8AC3E}">
-        <p14:creationId xmlns:p14="http://schemas.microsoft.com/office/powerpoint/2010/main" val="1167535466"/>
+        <p14:creationId xmlns:p14="http://schemas.microsoft.com/office/powerpoint/2010/main" val="4097870090"/>
       </p:ext>
     </p:extLst>
   </p:cSld>
@@ -4910,6 +5567,13 @@
   <p:transition spd="slow">
     <p:cut/>
   </p:transition>
+  <p:timing>
+    <p:tnLst>
+      <p:par>
+        <p:cTn id="1" dur="indefinite" restart="never" nodeType="tmRoot"/>
+      </p:par>
+    </p:tnLst>
+  </p:timing>
 </p:sld>
 </file>
 
@@ -4958,55 +5622,97 @@
           <a:bodyPr anchor="ctr"/>
           <a:lstStyle/>
           <a:p>
-            <a:r>
-              <a:rPr lang="pl-PL" sz="2800" dirty="0">
-                <a:solidFill>
-                  <a:schemeClr val="bg1"/>
-                </a:solidFill>
-              </a:rPr>
-              <a:t>$("a").on("</a:t>
-            </a:r>
-            <a:r>
-              <a:rPr lang="pl-PL" sz="2800" dirty="0" err="1">
-                <a:solidFill>
-                  <a:schemeClr val="bg1"/>
-                </a:solidFill>
-              </a:rPr>
-              <a:t>click</a:t>
-            </a:r>
-            <a:r>
-              <a:rPr lang="pl-PL" sz="2800" dirty="0">
-                <a:solidFill>
-                  <a:schemeClr val="bg1"/>
-                </a:solidFill>
-              </a:rPr>
-              <a:t>", </a:t>
-            </a:r>
-            <a:r>
-              <a:rPr lang="pl-PL" sz="2800" dirty="0" err="1">
-                <a:solidFill>
-                  <a:schemeClr val="bg1"/>
-                </a:solidFill>
-              </a:rPr>
-              <a:t>function</a:t>
-            </a:r>
-            <a:r>
-              <a:rPr lang="pl-PL" sz="2800" dirty="0">
-                <a:solidFill>
-                  <a:schemeClr val="bg1"/>
-                </a:solidFill>
-              </a:rPr>
-              <a:t> () {});</a:t>
-            </a:r>
-            <a:br>
-              <a:rPr lang="pl-PL" sz="2800" dirty="0">
-                <a:solidFill>
-                  <a:schemeClr val="bg1"/>
-                </a:solidFill>
-              </a:rPr>
-            </a:br>
-            <a:r>
-              <a:rPr lang="pl-PL" sz="2800" dirty="0">
+            <a:pPr>
+              <a:lnSpc>
+                <a:spcPct val="150000"/>
+              </a:lnSpc>
+            </a:pPr>
+            <a:r>
+              <a:rPr lang="en-US" sz="2800" dirty="0">
+                <a:solidFill>
+                  <a:schemeClr val="bg1"/>
+                </a:solidFill>
+              </a:rPr>
+              <a:t>$("input").</a:t>
+            </a:r>
+            <a:r>
+              <a:rPr lang="en-US" sz="2800" dirty="0" err="1">
+                <a:solidFill>
+                  <a:schemeClr val="bg1"/>
+                </a:solidFill>
+              </a:rPr>
+              <a:t>val</a:t>
+            </a:r>
+            <a:r>
+              <a:rPr lang="en-US" sz="2800" dirty="0">
+                <a:solidFill>
+                  <a:schemeClr val="bg1"/>
+                </a:solidFill>
+              </a:rPr>
+              <a:t>(); </a:t>
+            </a:r>
+            <a:r>
+              <a:rPr lang="en-US" sz="1600" dirty="0" smtClean="0">
+                <a:solidFill>
+                  <a:schemeClr val="accent3">
+                    <a:lumMod val="50000"/>
+                  </a:schemeClr>
+                </a:solidFill>
+              </a:rPr>
+              <a:t>(</a:t>
+            </a:r>
+            <a:r>
+              <a:rPr lang="pl-PL" sz="1600" dirty="0" smtClean="0">
+                <a:solidFill>
+                  <a:schemeClr val="accent3">
+                    <a:lumMod val="50000"/>
+                  </a:schemeClr>
+                </a:solidFill>
+              </a:rPr>
+              <a:t>pierwszy element,</a:t>
+            </a:r>
+            <a:r>
+              <a:rPr lang="en-US" sz="1600" dirty="0" smtClean="0">
+                <a:solidFill>
+                  <a:schemeClr val="accent3">
+                    <a:lumMod val="50000"/>
+                  </a:schemeClr>
+                </a:solidFill>
+              </a:rPr>
+              <a:t> </a:t>
+            </a:r>
+            <a:r>
+              <a:rPr lang="en-US" sz="1600" dirty="0">
+                <a:solidFill>
+                  <a:schemeClr val="accent3">
+                    <a:lumMod val="50000"/>
+                  </a:schemeClr>
+                </a:solidFill>
+              </a:rPr>
+              <a:t>input, select, </a:t>
+            </a:r>
+            <a:r>
+              <a:rPr lang="en-US" sz="1600" dirty="0" err="1">
+                <a:solidFill>
+                  <a:schemeClr val="accent3">
+                    <a:lumMod val="50000"/>
+                  </a:schemeClr>
+                </a:solidFill>
+              </a:rPr>
+              <a:t>textarea</a:t>
+            </a:r>
+            <a:r>
+              <a:rPr lang="en-US" sz="1600" dirty="0">
+                <a:solidFill>
+                  <a:schemeClr val="accent3">
+                    <a:lumMod val="50000"/>
+                  </a:schemeClr>
+                </a:solidFill>
+              </a:rPr>
+              <a:t>)</a:t>
+            </a:r>
+            <a:r>
+              <a:rPr lang="en-US" sz="2800" dirty="0">
                 <a:solidFill>
                   <a:schemeClr val="bg1"/>
                 </a:solidFill>
@@ -5014,524 +5720,45 @@
               <a:t/>
             </a:r>
             <a:br>
-              <a:rPr lang="pl-PL" sz="2800" dirty="0">
-                <a:solidFill>
-                  <a:schemeClr val="bg1"/>
-                </a:solidFill>
-              </a:rPr>
-            </a:br>
-            <a:r>
-              <a:rPr lang="pl-PL" sz="1400" dirty="0">
-                <a:solidFill>
-                  <a:schemeClr val="bg1"/>
-                </a:solidFill>
-              </a:rPr>
-              <a:t>$("a").</a:t>
-            </a:r>
-            <a:r>
-              <a:rPr lang="pl-PL" sz="1400" dirty="0" err="1">
-                <a:solidFill>
-                  <a:schemeClr val="bg1"/>
-                </a:solidFill>
-              </a:rPr>
-              <a:t>click</a:t>
-            </a:r>
-            <a:r>
-              <a:rPr lang="pl-PL" sz="1400" dirty="0">
-                <a:solidFill>
-                  <a:schemeClr val="bg1"/>
-                </a:solidFill>
-              </a:rPr>
-              <a:t>(</a:t>
-            </a:r>
-            <a:r>
-              <a:rPr lang="pl-PL" sz="1400" dirty="0" err="1">
-                <a:solidFill>
-                  <a:schemeClr val="bg1"/>
-                </a:solidFill>
-              </a:rPr>
-              <a:t>fn</a:t>
-            </a:r>
-            <a:r>
-              <a:rPr lang="pl-PL" sz="1400" dirty="0">
-                <a:solidFill>
-                  <a:schemeClr val="bg1"/>
-                </a:solidFill>
-              </a:rPr>
-              <a:t>);</a:t>
-            </a:r>
-            <a:br>
-              <a:rPr lang="pl-PL" sz="1400" dirty="0">
-                <a:solidFill>
-                  <a:schemeClr val="bg1"/>
-                </a:solidFill>
-              </a:rPr>
-            </a:br>
-            <a:r>
-              <a:rPr lang="pl-PL" sz="1400" dirty="0">
-                <a:solidFill>
-                  <a:schemeClr val="bg1"/>
-                </a:solidFill>
-              </a:rPr>
-              <a:t>$("a").</a:t>
-            </a:r>
-            <a:r>
-              <a:rPr lang="pl-PL" sz="1400" dirty="0" err="1">
-                <a:solidFill>
-                  <a:schemeClr val="bg1"/>
-                </a:solidFill>
-              </a:rPr>
-              <a:t>change</a:t>
-            </a:r>
-            <a:r>
-              <a:rPr lang="pl-PL" sz="1400" dirty="0">
-                <a:solidFill>
-                  <a:schemeClr val="bg1"/>
-                </a:solidFill>
-              </a:rPr>
-              <a:t>(</a:t>
-            </a:r>
-            <a:r>
-              <a:rPr lang="pl-PL" sz="1400" dirty="0" err="1">
-                <a:solidFill>
-                  <a:schemeClr val="bg1"/>
-                </a:solidFill>
-              </a:rPr>
-              <a:t>fn</a:t>
-            </a:r>
-            <a:r>
-              <a:rPr lang="pl-PL" sz="1400" dirty="0">
-                <a:solidFill>
-                  <a:schemeClr val="bg1"/>
-                </a:solidFill>
-              </a:rPr>
-              <a:t>);</a:t>
-            </a:r>
-            <a:br>
-              <a:rPr lang="pl-PL" sz="1400" dirty="0">
-                <a:solidFill>
-                  <a:schemeClr val="bg1"/>
-                </a:solidFill>
-              </a:rPr>
-            </a:br>
-            <a:r>
-              <a:rPr lang="pl-PL" sz="1400" dirty="0">
-                <a:solidFill>
-                  <a:schemeClr val="bg1"/>
-                </a:solidFill>
-              </a:rPr>
-              <a:t>$("a").</a:t>
-            </a:r>
-            <a:r>
-              <a:rPr lang="pl-PL" sz="1400" dirty="0" err="1">
-                <a:solidFill>
-                  <a:schemeClr val="bg1"/>
-                </a:solidFill>
-              </a:rPr>
-              <a:t>dblclick</a:t>
-            </a:r>
-            <a:r>
-              <a:rPr lang="pl-PL" sz="1400" dirty="0">
-                <a:solidFill>
-                  <a:schemeClr val="bg1"/>
-                </a:solidFill>
-              </a:rPr>
-              <a:t>(</a:t>
-            </a:r>
-            <a:r>
-              <a:rPr lang="pl-PL" sz="1400" dirty="0" err="1">
-                <a:solidFill>
-                  <a:schemeClr val="bg1"/>
-                </a:solidFill>
-              </a:rPr>
-              <a:t>fn</a:t>
-            </a:r>
-            <a:r>
-              <a:rPr lang="pl-PL" sz="1400" dirty="0">
-                <a:solidFill>
-                  <a:schemeClr val="bg1"/>
-                </a:solidFill>
-              </a:rPr>
-              <a:t>);</a:t>
-            </a:r>
-            <a:br>
-              <a:rPr lang="pl-PL" sz="1400" dirty="0">
-                <a:solidFill>
-                  <a:schemeClr val="bg1"/>
-                </a:solidFill>
-              </a:rPr>
-            </a:br>
-            <a:r>
-              <a:rPr lang="pl-PL" sz="1400" dirty="0">
-                <a:solidFill>
-                  <a:schemeClr val="bg1"/>
-                </a:solidFill>
-              </a:rPr>
-              <a:t>$("a").</a:t>
-            </a:r>
-            <a:r>
-              <a:rPr lang="pl-PL" sz="1400" dirty="0" err="1">
-                <a:solidFill>
-                  <a:schemeClr val="bg1"/>
-                </a:solidFill>
-              </a:rPr>
-              <a:t>keydown</a:t>
-            </a:r>
-            <a:r>
-              <a:rPr lang="pl-PL" sz="1400" dirty="0">
-                <a:solidFill>
-                  <a:schemeClr val="bg1"/>
-                </a:solidFill>
-              </a:rPr>
-              <a:t>(</a:t>
-            </a:r>
-            <a:r>
-              <a:rPr lang="pl-PL" sz="1400" dirty="0" err="1">
-                <a:solidFill>
-                  <a:schemeClr val="bg1"/>
-                </a:solidFill>
-              </a:rPr>
-              <a:t>fn</a:t>
-            </a:r>
-            <a:r>
-              <a:rPr lang="pl-PL" sz="1400" dirty="0">
-                <a:solidFill>
-                  <a:schemeClr val="bg1"/>
-                </a:solidFill>
-              </a:rPr>
-              <a:t>);</a:t>
-            </a:r>
-            <a:br>
-              <a:rPr lang="pl-PL" sz="1400" dirty="0">
-                <a:solidFill>
-                  <a:schemeClr val="bg1"/>
-                </a:solidFill>
-              </a:rPr>
-            </a:br>
-            <a:r>
-              <a:rPr lang="pl-PL" sz="1400" dirty="0">
-                <a:solidFill>
-                  <a:schemeClr val="bg1"/>
-                </a:solidFill>
-              </a:rPr>
-              <a:t>$("a").</a:t>
-            </a:r>
-            <a:r>
-              <a:rPr lang="pl-PL" sz="1400" dirty="0" err="1">
-                <a:solidFill>
-                  <a:schemeClr val="bg1"/>
-                </a:solidFill>
-              </a:rPr>
-              <a:t>keypress</a:t>
-            </a:r>
-            <a:r>
-              <a:rPr lang="pl-PL" sz="1400" dirty="0">
-                <a:solidFill>
-                  <a:schemeClr val="bg1"/>
-                </a:solidFill>
-              </a:rPr>
-              <a:t>(</a:t>
-            </a:r>
-            <a:r>
-              <a:rPr lang="pl-PL" sz="1400" dirty="0" err="1">
-                <a:solidFill>
-                  <a:schemeClr val="bg1"/>
-                </a:solidFill>
-              </a:rPr>
-              <a:t>fn</a:t>
-            </a:r>
-            <a:r>
-              <a:rPr lang="pl-PL" sz="1400" dirty="0">
-                <a:solidFill>
-                  <a:schemeClr val="bg1"/>
-                </a:solidFill>
-              </a:rPr>
-              <a:t>);</a:t>
-            </a:r>
-            <a:br>
-              <a:rPr lang="pl-PL" sz="1400" dirty="0">
-                <a:solidFill>
-                  <a:schemeClr val="bg1"/>
-                </a:solidFill>
-              </a:rPr>
-            </a:br>
-            <a:r>
-              <a:rPr lang="pl-PL" sz="1400" dirty="0">
-                <a:solidFill>
-                  <a:schemeClr val="bg1"/>
-                </a:solidFill>
-              </a:rPr>
-              <a:t>$("a").</a:t>
-            </a:r>
-            <a:r>
-              <a:rPr lang="pl-PL" sz="1400" dirty="0" err="1">
-                <a:solidFill>
-                  <a:schemeClr val="bg1"/>
-                </a:solidFill>
-              </a:rPr>
-              <a:t>keyup</a:t>
-            </a:r>
-            <a:r>
-              <a:rPr lang="pl-PL" sz="1400" dirty="0">
-                <a:solidFill>
-                  <a:schemeClr val="bg1"/>
-                </a:solidFill>
-              </a:rPr>
-              <a:t>(</a:t>
-            </a:r>
-            <a:r>
-              <a:rPr lang="pl-PL" sz="1400" dirty="0" err="1">
-                <a:solidFill>
-                  <a:schemeClr val="bg1"/>
-                </a:solidFill>
-              </a:rPr>
-              <a:t>fn</a:t>
-            </a:r>
-            <a:r>
-              <a:rPr lang="pl-PL" sz="1400" dirty="0">
-                <a:solidFill>
-                  <a:schemeClr val="bg1"/>
-                </a:solidFill>
-              </a:rPr>
-              <a:t>);</a:t>
-            </a:r>
-            <a:br>
-              <a:rPr lang="pl-PL" sz="1400" dirty="0">
-                <a:solidFill>
-                  <a:schemeClr val="bg1"/>
-                </a:solidFill>
-              </a:rPr>
-            </a:br>
-            <a:r>
-              <a:rPr lang="pl-PL" sz="1400" dirty="0">
-                <a:solidFill>
-                  <a:schemeClr val="bg1"/>
-                </a:solidFill>
-              </a:rPr>
-              <a:t>$("a").</a:t>
-            </a:r>
-            <a:r>
-              <a:rPr lang="pl-PL" sz="1400" dirty="0" err="1">
-                <a:solidFill>
-                  <a:schemeClr val="bg1"/>
-                </a:solidFill>
-              </a:rPr>
-              <a:t>mouseover</a:t>
-            </a:r>
-            <a:r>
-              <a:rPr lang="pl-PL" sz="1400" dirty="0">
-                <a:solidFill>
-                  <a:schemeClr val="bg1"/>
-                </a:solidFill>
-              </a:rPr>
-              <a:t>(</a:t>
-            </a:r>
-            <a:r>
-              <a:rPr lang="pl-PL" sz="1400" dirty="0" err="1">
-                <a:solidFill>
-                  <a:schemeClr val="bg1"/>
-                </a:solidFill>
-              </a:rPr>
-              <a:t>fn</a:t>
-            </a:r>
-            <a:r>
-              <a:rPr lang="pl-PL" sz="1400" dirty="0">
-                <a:solidFill>
-                  <a:schemeClr val="bg1"/>
-                </a:solidFill>
-              </a:rPr>
-              <a:t>);</a:t>
-            </a:r>
-            <a:br>
-              <a:rPr lang="pl-PL" sz="1400" dirty="0">
-                <a:solidFill>
-                  <a:schemeClr val="bg1"/>
-                </a:solidFill>
-              </a:rPr>
-            </a:br>
-            <a:r>
-              <a:rPr lang="pl-PL" sz="1400" dirty="0">
-                <a:solidFill>
-                  <a:schemeClr val="bg1"/>
-                </a:solidFill>
-              </a:rPr>
-              <a:t>$("a").</a:t>
-            </a:r>
-            <a:r>
-              <a:rPr lang="pl-PL" sz="1400" dirty="0" err="1">
-                <a:solidFill>
-                  <a:schemeClr val="bg1"/>
-                </a:solidFill>
-              </a:rPr>
-              <a:t>mousemove</a:t>
-            </a:r>
-            <a:r>
-              <a:rPr lang="pl-PL" sz="1400" dirty="0">
-                <a:solidFill>
-                  <a:schemeClr val="bg1"/>
-                </a:solidFill>
-              </a:rPr>
-              <a:t>(</a:t>
-            </a:r>
-            <a:r>
-              <a:rPr lang="pl-PL" sz="1400" dirty="0" err="1">
-                <a:solidFill>
-                  <a:schemeClr val="bg1"/>
-                </a:solidFill>
-              </a:rPr>
-              <a:t>fn</a:t>
-            </a:r>
-            <a:r>
-              <a:rPr lang="pl-PL" sz="1400" dirty="0">
-                <a:solidFill>
-                  <a:schemeClr val="bg1"/>
-                </a:solidFill>
-              </a:rPr>
-              <a:t>);</a:t>
-            </a:r>
-            <a:br>
-              <a:rPr lang="pl-PL" sz="1400" dirty="0">
-                <a:solidFill>
-                  <a:schemeClr val="bg1"/>
-                </a:solidFill>
-              </a:rPr>
-            </a:br>
-            <a:r>
-              <a:rPr lang="pl-PL" sz="1400" dirty="0">
-                <a:solidFill>
-                  <a:schemeClr val="bg1"/>
-                </a:solidFill>
-              </a:rPr>
-              <a:t>$("a").</a:t>
-            </a:r>
-            <a:r>
-              <a:rPr lang="pl-PL" sz="1400" dirty="0" err="1">
-                <a:solidFill>
-                  <a:schemeClr val="bg1"/>
-                </a:solidFill>
-              </a:rPr>
-              <a:t>mouseout</a:t>
-            </a:r>
-            <a:r>
-              <a:rPr lang="pl-PL" sz="1400" dirty="0">
-                <a:solidFill>
-                  <a:schemeClr val="bg1"/>
-                </a:solidFill>
-              </a:rPr>
-              <a:t>(</a:t>
-            </a:r>
-            <a:r>
-              <a:rPr lang="pl-PL" sz="1400" dirty="0" err="1">
-                <a:solidFill>
-                  <a:schemeClr val="bg1"/>
-                </a:solidFill>
-              </a:rPr>
-              <a:t>fn</a:t>
-            </a:r>
-            <a:r>
-              <a:rPr lang="pl-PL" sz="1400" dirty="0">
-                <a:solidFill>
-                  <a:schemeClr val="bg1"/>
-                </a:solidFill>
-              </a:rPr>
-              <a:t>);</a:t>
-            </a:r>
-            <a:br>
-              <a:rPr lang="pl-PL" sz="1400" dirty="0">
-                <a:solidFill>
-                  <a:schemeClr val="bg1"/>
-                </a:solidFill>
-              </a:rPr>
-            </a:br>
-            <a:r>
-              <a:rPr lang="pl-PL" sz="1400" dirty="0">
-                <a:solidFill>
-                  <a:schemeClr val="bg1"/>
-                </a:solidFill>
-              </a:rPr>
-              <a:t>$("a").</a:t>
-            </a:r>
-            <a:r>
-              <a:rPr lang="pl-PL" sz="1400" dirty="0" err="1">
-                <a:solidFill>
-                  <a:schemeClr val="bg1"/>
-                </a:solidFill>
-              </a:rPr>
-              <a:t>mousedown</a:t>
-            </a:r>
-            <a:r>
-              <a:rPr lang="pl-PL" sz="1400" dirty="0">
-                <a:solidFill>
-                  <a:schemeClr val="bg1"/>
-                </a:solidFill>
-              </a:rPr>
-              <a:t>(</a:t>
-            </a:r>
-            <a:r>
-              <a:rPr lang="pl-PL" sz="1400" dirty="0" err="1">
-                <a:solidFill>
-                  <a:schemeClr val="bg1"/>
-                </a:solidFill>
-              </a:rPr>
-              <a:t>fn</a:t>
-            </a:r>
-            <a:r>
-              <a:rPr lang="pl-PL" sz="1400" dirty="0">
-                <a:solidFill>
-                  <a:schemeClr val="bg1"/>
-                </a:solidFill>
-              </a:rPr>
-              <a:t>);</a:t>
-            </a:r>
-            <a:br>
-              <a:rPr lang="pl-PL" sz="1400" dirty="0">
-                <a:solidFill>
-                  <a:schemeClr val="bg1"/>
-                </a:solidFill>
-              </a:rPr>
-            </a:br>
-            <a:r>
-              <a:rPr lang="pl-PL" sz="1400" dirty="0">
-                <a:solidFill>
-                  <a:schemeClr val="bg1"/>
-                </a:solidFill>
-              </a:rPr>
-              <a:t>$("a").</a:t>
-            </a:r>
-            <a:r>
-              <a:rPr lang="pl-PL" sz="1400" dirty="0" err="1">
-                <a:solidFill>
-                  <a:schemeClr val="bg1"/>
-                </a:solidFill>
-              </a:rPr>
-              <a:t>mouseup</a:t>
-            </a:r>
-            <a:r>
-              <a:rPr lang="pl-PL" sz="1400" dirty="0">
-                <a:solidFill>
-                  <a:schemeClr val="bg1"/>
-                </a:solidFill>
-              </a:rPr>
-              <a:t>(</a:t>
-            </a:r>
-            <a:r>
-              <a:rPr lang="pl-PL" sz="1400" dirty="0" err="1">
-                <a:solidFill>
-                  <a:schemeClr val="bg1"/>
-                </a:solidFill>
-              </a:rPr>
-              <a:t>fn</a:t>
-            </a:r>
-            <a:r>
-              <a:rPr lang="pl-PL" sz="1400" dirty="0">
-                <a:solidFill>
-                  <a:schemeClr val="bg1"/>
-                </a:solidFill>
-              </a:rPr>
-              <a:t>);</a:t>
-            </a:r>
-            <a:r>
-              <a:rPr lang="pl-PL" sz="2800" dirty="0">
+              <a:rPr lang="en-US" sz="2800" dirty="0">
+                <a:solidFill>
+                  <a:schemeClr val="bg1"/>
+                </a:solidFill>
+              </a:rPr>
+            </a:br>
+            <a:r>
+              <a:rPr lang="en-US" sz="2800" dirty="0">
+                <a:solidFill>
+                  <a:schemeClr val="bg1"/>
+                </a:solidFill>
+              </a:rPr>
+              <a:t>$("div").</a:t>
+            </a:r>
+            <a:r>
+              <a:rPr lang="en-US" sz="2800" dirty="0" err="1">
+                <a:solidFill>
+                  <a:schemeClr val="bg1"/>
+                </a:solidFill>
+              </a:rPr>
+              <a:t>val</a:t>
+            </a:r>
+            <a:r>
+              <a:rPr lang="en-US" sz="2800" dirty="0">
+                <a:solidFill>
+                  <a:schemeClr val="bg1"/>
+                </a:solidFill>
+              </a:rPr>
+              <a:t>("New value");</a:t>
+            </a:r>
+            <a:br>
+              <a:rPr lang="en-US" sz="2800" dirty="0">
+                <a:solidFill>
+                  <a:schemeClr val="bg1"/>
+                </a:solidFill>
+              </a:rPr>
+            </a:br>
+            <a:r>
+              <a:rPr lang="en-US" sz="2800" dirty="0">
                 <a:solidFill>
                   <a:schemeClr val="bg1"/>
                 </a:solidFill>
@@ -5539,50 +5766,19 @@
               <a:t/>
             </a:r>
             <a:br>
-              <a:rPr lang="pl-PL" sz="2800" dirty="0">
-                <a:solidFill>
-                  <a:schemeClr val="bg1"/>
-                </a:solidFill>
-              </a:rPr>
-            </a:br>
-            <a:r>
-              <a:rPr lang="pl-PL" sz="2800" dirty="0">
-                <a:solidFill>
-                  <a:schemeClr val="bg1"/>
-                </a:solidFill>
-              </a:rPr>
-              <a:t/>
-            </a:r>
-            <a:br>
-              <a:rPr lang="pl-PL" sz="2800" dirty="0">
-                <a:solidFill>
-                  <a:schemeClr val="bg1"/>
-                </a:solidFill>
-              </a:rPr>
-            </a:br>
-            <a:r>
-              <a:rPr lang="pl-PL" sz="2800" dirty="0">
-                <a:solidFill>
-                  <a:schemeClr val="bg1"/>
-                </a:solidFill>
-              </a:rPr>
-              <a:t>$("a").off("</a:t>
-            </a:r>
-            <a:r>
-              <a:rPr lang="pl-PL" sz="2800" dirty="0" err="1">
-                <a:solidFill>
-                  <a:schemeClr val="bg1"/>
-                </a:solidFill>
-              </a:rPr>
-              <a:t>click</a:t>
-            </a:r>
-            <a:r>
-              <a:rPr lang="pl-PL" sz="2800" dirty="0">
-                <a:solidFill>
-                  <a:schemeClr val="bg1"/>
-                </a:solidFill>
-              </a:rPr>
-              <a:t>");</a:t>
+              <a:rPr lang="en-US" sz="2800" dirty="0">
+                <a:solidFill>
+                  <a:schemeClr val="bg1"/>
+                </a:solidFill>
+              </a:rPr>
+            </a:br>
+            <a:r>
+              <a:rPr lang="en-US" sz="2800" dirty="0">
+                <a:solidFill>
+                  <a:schemeClr val="bg1"/>
+                </a:solidFill>
+              </a:rPr>
+              <a:t>$("div").empty();</a:t>
             </a:r>
             <a:endParaRPr lang="pl-PL" sz="2800" dirty="0">
               <a:solidFill>
@@ -5595,7 +5791,7 @@
     </p:spTree>
     <p:extLst>
       <p:ext uri="{BB962C8B-B14F-4D97-AF65-F5344CB8AC3E}">
-        <p14:creationId xmlns:p14="http://schemas.microsoft.com/office/powerpoint/2010/main" val="300182255"/>
+        <p14:creationId xmlns:p14="http://schemas.microsoft.com/office/powerpoint/2010/main" val="1167535466"/>
       </p:ext>
     </p:extLst>
   </p:cSld>
@@ -5605,6 +5801,13 @@
   <p:transition spd="slow">
     <p:cut/>
   </p:transition>
+  <p:timing>
+    <p:tnLst>
+      <p:par>
+        <p:cTn id="1" dur="indefinite" restart="never" nodeType="tmRoot"/>
+      </p:par>
+    </p:tnLst>
+  </p:timing>
 </p:sld>
 </file>
 
@@ -5614,7 +5817,9 @@
     <p:bg>
       <p:bgPr>
         <a:solidFill>
-          <a:srgbClr val="8BC34A"/>
+          <a:schemeClr val="accent4">
+            <a:lumMod val="75000"/>
+          </a:schemeClr>
         </a:solidFill>
         <a:effectLst/>
       </p:bgPr>
@@ -5654,86 +5859,22 @@
           <a:lstStyle/>
           <a:p>
             <a:r>
-              <a:rPr lang="pl-PL" dirty="0">
-                <a:solidFill>
-                  <a:schemeClr val="bg1"/>
-                </a:solidFill>
-              </a:rPr>
-              <a:t>$("a").on("</a:t>
-            </a:r>
-            <a:r>
-              <a:rPr lang="pl-PL" dirty="0" err="1">
-                <a:solidFill>
-                  <a:schemeClr val="bg1"/>
-                </a:solidFill>
-              </a:rPr>
-              <a:t>click</a:t>
-            </a:r>
-            <a:r>
-              <a:rPr lang="pl-PL" dirty="0">
-                <a:solidFill>
-                  <a:schemeClr val="bg1"/>
-                </a:solidFill>
-              </a:rPr>
-              <a:t>", </a:t>
-            </a:r>
-            <a:r>
-              <a:rPr lang="pl-PL" dirty="0" err="1">
-                <a:solidFill>
-                  <a:schemeClr val="bg1"/>
-                </a:solidFill>
-              </a:rPr>
-              <a:t>function</a:t>
-            </a:r>
-            <a:r>
-              <a:rPr lang="pl-PL" dirty="0">
-                <a:solidFill>
-                  <a:schemeClr val="bg1"/>
-                </a:solidFill>
-              </a:rPr>
-              <a:t> </a:t>
-            </a:r>
-            <a:r>
-              <a:rPr lang="pl-PL" dirty="0" smtClean="0">
-                <a:solidFill>
-                  <a:schemeClr val="bg1"/>
-                </a:solidFill>
-              </a:rPr>
-              <a:t>(event) {</a:t>
-            </a:r>
-            <a:br>
-              <a:rPr lang="pl-PL" dirty="0" smtClean="0">
-                <a:solidFill>
-                  <a:schemeClr val="bg1"/>
-                </a:solidFill>
-              </a:rPr>
-            </a:br>
-            <a:r>
-              <a:rPr lang="pl-PL" dirty="0">
-                <a:solidFill>
-                  <a:schemeClr val="bg1"/>
-                </a:solidFill>
-              </a:rPr>
-              <a:t>	 </a:t>
-            </a:r>
-            <a:r>
-              <a:rPr lang="pl-PL" dirty="0" err="1">
-                <a:solidFill>
-                  <a:schemeClr val="bg1"/>
-                </a:solidFill>
-              </a:rPr>
-              <a:t>event.preventDefault</a:t>
-            </a:r>
-            <a:r>
-              <a:rPr lang="pl-PL" dirty="0" smtClean="0">
-                <a:solidFill>
-                  <a:schemeClr val="bg1"/>
-                </a:solidFill>
-              </a:rPr>
-              <a:t>();</a:t>
-            </a:r>
-            <a:r>
-              <a:rPr lang="pl-PL" dirty="0">
+              <a:rPr lang="pl-PL" sz="1800" dirty="0" smtClean="0">
+                <a:solidFill>
+                  <a:schemeClr val="bg1"/>
+                </a:solidFill>
+              </a:rPr>
+              <a:t>Zadanie 1</a:t>
+            </a:r>
+            <a:br>
+              <a:rPr lang="pl-PL" sz="1800" dirty="0" smtClean="0">
+                <a:solidFill>
+                  <a:schemeClr val="bg1"/>
+                </a:solidFill>
+              </a:rPr>
+            </a:br>
+            <a:r>
+              <a:rPr lang="pl-PL" sz="1800" dirty="0" smtClean="0">
                 <a:solidFill>
                   <a:schemeClr val="bg1"/>
                 </a:solidFill>
@@ -5741,21 +5882,175 @@
               <a:t/>
             </a:r>
             <a:br>
-              <a:rPr lang="pl-PL" dirty="0">
-                <a:solidFill>
-                  <a:schemeClr val="bg1"/>
-                </a:solidFill>
-              </a:rPr>
-            </a:br>
-            <a:r>
-              <a:rPr lang="pl-PL" dirty="0" smtClean="0">
-                <a:solidFill>
-                  <a:schemeClr val="bg1"/>
-                </a:solidFill>
-              </a:rPr>
-              <a:t>});</a:t>
-            </a:r>
-            <a:endParaRPr lang="pl-PL" dirty="0">
+              <a:rPr lang="pl-PL" sz="1800" dirty="0" smtClean="0">
+                <a:solidFill>
+                  <a:schemeClr val="bg1"/>
+                </a:solidFill>
+              </a:rPr>
+            </a:br>
+            <a:r>
+              <a:rPr lang="pl-PL" sz="1800" dirty="0" smtClean="0">
+                <a:solidFill>
+                  <a:schemeClr val="bg1"/>
+                </a:solidFill>
+              </a:rPr>
+              <a:t>1</a:t>
+            </a:r>
+            <a:r>
+              <a:rPr lang="pl-PL" sz="1800" dirty="0">
+                <a:solidFill>
+                  <a:schemeClr val="bg1"/>
+                </a:solidFill>
+              </a:rPr>
+              <a:t>. Wyszukaj elementy DOM przy pomocy </a:t>
+            </a:r>
+            <a:r>
+              <a:rPr lang="pl-PL" sz="1800" dirty="0" err="1">
+                <a:solidFill>
+                  <a:schemeClr val="bg1"/>
+                </a:solidFill>
+              </a:rPr>
+              <a:t>jQuery</a:t>
+            </a:r>
+            <a:r>
+              <a:rPr lang="pl-PL" sz="1800" dirty="0">
+                <a:solidFill>
+                  <a:schemeClr val="bg1"/>
+                </a:solidFill>
+              </a:rPr>
+              <a:t> - wykorzystaj różne typy selektorów</a:t>
+            </a:r>
+            <a:r>
+              <a:rPr lang="pl-PL" sz="1800" dirty="0" smtClean="0">
+                <a:solidFill>
+                  <a:schemeClr val="bg1"/>
+                </a:solidFill>
+              </a:rPr>
+              <a:t>.</a:t>
+            </a:r>
+            <a:br>
+              <a:rPr lang="pl-PL" sz="1800" dirty="0" smtClean="0">
+                <a:solidFill>
+                  <a:schemeClr val="bg1"/>
+                </a:solidFill>
+              </a:rPr>
+            </a:br>
+            <a:r>
+              <a:rPr lang="pl-PL" sz="1800" dirty="0">
+                <a:solidFill>
+                  <a:schemeClr val="bg1"/>
+                </a:solidFill>
+              </a:rPr>
+              <a:t/>
+            </a:r>
+            <a:br>
+              <a:rPr lang="pl-PL" sz="1800" dirty="0">
+                <a:solidFill>
+                  <a:schemeClr val="bg1"/>
+                </a:solidFill>
+              </a:rPr>
+            </a:br>
+            <a:r>
+              <a:rPr lang="pl-PL" sz="1800" dirty="0">
+                <a:solidFill>
+                  <a:schemeClr val="bg1"/>
+                </a:solidFill>
+              </a:rPr>
+              <a:t>2. Utwórz nowy element DOM z zawartością i wstaw go do listy komentarzy (#</a:t>
+            </a:r>
+            <a:r>
+              <a:rPr lang="pl-PL" sz="1800" dirty="0" err="1">
+                <a:solidFill>
+                  <a:schemeClr val="bg1"/>
+                </a:solidFill>
+              </a:rPr>
+              <a:t>comment</a:t>
+            </a:r>
+            <a:r>
+              <a:rPr lang="pl-PL" sz="1800" dirty="0">
+                <a:solidFill>
+                  <a:schemeClr val="bg1"/>
+                </a:solidFill>
+              </a:rPr>
+              <a:t>-list).</a:t>
+            </a:r>
+            <a:br>
+              <a:rPr lang="pl-PL" sz="1800" dirty="0">
+                <a:solidFill>
+                  <a:schemeClr val="bg1"/>
+                </a:solidFill>
+              </a:rPr>
+            </a:br>
+            <a:r>
+              <a:rPr lang="pl-PL" sz="1800" dirty="0" smtClean="0">
+                <a:solidFill>
+                  <a:schemeClr val="bg1"/>
+                </a:solidFill>
+              </a:rPr>
+              <a:t/>
+            </a:r>
+            <a:br>
+              <a:rPr lang="pl-PL" sz="1800" dirty="0" smtClean="0">
+                <a:solidFill>
+                  <a:schemeClr val="bg1"/>
+                </a:solidFill>
+              </a:rPr>
+            </a:br>
+            <a:r>
+              <a:rPr lang="pl-PL" sz="1800" dirty="0" smtClean="0">
+                <a:solidFill>
+                  <a:schemeClr val="bg1"/>
+                </a:solidFill>
+              </a:rPr>
+              <a:t>3</a:t>
+            </a:r>
+            <a:r>
+              <a:rPr lang="pl-PL" sz="1800" dirty="0">
+                <a:solidFill>
+                  <a:schemeClr val="bg1"/>
+                </a:solidFill>
+              </a:rPr>
+              <a:t>. Wyszukaj utworzony element i pobierz jego zawartość.</a:t>
+            </a:r>
+            <a:br>
+              <a:rPr lang="pl-PL" sz="1800" dirty="0">
+                <a:solidFill>
+                  <a:schemeClr val="bg1"/>
+                </a:solidFill>
+              </a:rPr>
+            </a:br>
+            <a:r>
+              <a:rPr lang="pl-PL" sz="1800" dirty="0" smtClean="0">
+                <a:solidFill>
+                  <a:schemeClr val="bg1"/>
+                </a:solidFill>
+              </a:rPr>
+              <a:t/>
+            </a:r>
+            <a:br>
+              <a:rPr lang="pl-PL" sz="1800" dirty="0" smtClean="0">
+                <a:solidFill>
+                  <a:schemeClr val="bg1"/>
+                </a:solidFill>
+              </a:rPr>
+            </a:br>
+            <a:r>
+              <a:rPr lang="pl-PL" sz="1800" dirty="0" smtClean="0">
+                <a:solidFill>
+                  <a:schemeClr val="bg1"/>
+                </a:solidFill>
+              </a:rPr>
+              <a:t>4</a:t>
+            </a:r>
+            <a:r>
+              <a:rPr lang="pl-PL" sz="1800" dirty="0">
+                <a:solidFill>
+                  <a:schemeClr val="bg1"/>
+                </a:solidFill>
+              </a:rPr>
+              <a:t>. Utwórz nowy element i wstaw go przed element utworzony w poprzednim punkcie.</a:t>
+            </a:r>
+            <a:endParaRPr lang="pl-PL" sz="1800" dirty="0">
               <a:solidFill>
                 <a:schemeClr val="bg1"/>
               </a:solidFill>
@@ -5766,7 +6061,7 @@
     </p:spTree>
     <p:extLst>
       <p:ext uri="{BB962C8B-B14F-4D97-AF65-F5344CB8AC3E}">
-        <p14:creationId xmlns:p14="http://schemas.microsoft.com/office/powerpoint/2010/main" val="608088821"/>
+        <p14:creationId xmlns:p14="http://schemas.microsoft.com/office/powerpoint/2010/main" val="3268897340"/>
       </p:ext>
     </p:extLst>
   </p:cSld>
@@ -5776,6 +6071,13 @@
   <p:transition spd="slow">
     <p:cut/>
   </p:transition>
+  <p:timing>
+    <p:tnLst>
+      <p:par>
+        <p:cTn id="1" dur="indefinite" restart="never" nodeType="tmRoot"/>
+      </p:par>
+    </p:tnLst>
+  </p:timing>
 </p:sld>
 </file>
 
@@ -5785,7 +6087,9 @@
     <p:bg>
       <p:bgPr>
         <a:solidFill>
-          <a:srgbClr val="8BC34A"/>
+          <a:schemeClr val="accent4">
+            <a:lumMod val="75000"/>
+          </a:schemeClr>
         </a:solidFill>
         <a:effectLst/>
       </p:bgPr>
@@ -5825,61 +6129,61 @@
           <a:lstStyle/>
           <a:p>
             <a:r>
-              <a:rPr lang="pl-PL" dirty="0">
-                <a:solidFill>
-                  <a:schemeClr val="bg1"/>
-                </a:solidFill>
-              </a:rPr>
-              <a:t>JSON</a:t>
-            </a:r>
-            <a:br>
-              <a:rPr lang="pl-PL" dirty="0">
-                <a:solidFill>
-                  <a:schemeClr val="bg1"/>
-                </a:solidFill>
-              </a:rPr>
-            </a:br>
-            <a:r>
-              <a:rPr lang="pl-PL" sz="2000" dirty="0">
-                <a:solidFill>
-                  <a:schemeClr val="accent3">
-                    <a:lumMod val="50000"/>
-                  </a:schemeClr>
-                </a:solidFill>
-              </a:rPr>
-              <a:t>JavaScript Object </a:t>
-            </a:r>
-            <a:r>
-              <a:rPr lang="pl-PL" sz="2000" dirty="0" err="1">
-                <a:solidFill>
-                  <a:schemeClr val="accent3">
-                    <a:lumMod val="50000"/>
-                  </a:schemeClr>
-                </a:solidFill>
-              </a:rPr>
-              <a:t>Notation</a:t>
-            </a:r>
-            <a:r>
-              <a:rPr lang="pl-PL" sz="2000" dirty="0">
-                <a:solidFill>
-                  <a:schemeClr val="accent3">
-                    <a:lumMod val="50000"/>
-                  </a:schemeClr>
+              <a:rPr lang="pl-PL" sz="1800" dirty="0" smtClean="0">
+                <a:solidFill>
+                  <a:schemeClr val="bg1"/>
+                </a:solidFill>
+              </a:rPr>
+              <a:t>Zadanie 2</a:t>
+            </a:r>
+            <a:br>
+              <a:rPr lang="pl-PL" sz="1800" dirty="0" smtClean="0">
+                <a:solidFill>
+                  <a:schemeClr val="bg1"/>
+                </a:solidFill>
+              </a:rPr>
+            </a:br>
+            <a:r>
+              <a:rPr lang="pl-PL" sz="1800" dirty="0">
+                <a:solidFill>
+                  <a:schemeClr val="bg1"/>
                 </a:solidFill>
               </a:rPr>
               <a:t/>
             </a:r>
             <a:br>
-              <a:rPr lang="pl-PL" sz="2000" dirty="0">
-                <a:solidFill>
-                  <a:schemeClr val="accent3">
-                    <a:lumMod val="50000"/>
-                  </a:schemeClr>
-                </a:solidFill>
-              </a:rPr>
-            </a:br>
-            <a:r>
-              <a:rPr lang="pl-PL" dirty="0">
+              <a:rPr lang="pl-PL" sz="1800" dirty="0">
+                <a:solidFill>
+                  <a:schemeClr val="bg1"/>
+                </a:solidFill>
+              </a:rPr>
+            </a:br>
+            <a:r>
+              <a:rPr lang="pl-PL" sz="1800" dirty="0" smtClean="0">
+                <a:solidFill>
+                  <a:schemeClr val="bg1"/>
+                </a:solidFill>
+              </a:rPr>
+              <a:t>1</a:t>
+            </a:r>
+            <a:r>
+              <a:rPr lang="pl-PL" sz="1800" dirty="0">
+                <a:solidFill>
+                  <a:schemeClr val="bg1"/>
+                </a:solidFill>
+              </a:rPr>
+              <a:t>. Utwórz nowy plik scripts.js i dodaj odwołanie do niego do pliku </a:t>
+            </a:r>
+            <a:r>
+              <a:rPr lang="pl-PL" sz="1800" dirty="0" smtClean="0">
+                <a:solidFill>
+                  <a:schemeClr val="bg1"/>
+                </a:solidFill>
+              </a:rPr>
+              <a:t>index.html.</a:t>
+            </a:r>
+            <a:r>
+              <a:rPr lang="pl-PL" sz="1800" dirty="0">
                 <a:solidFill>
                   <a:schemeClr val="bg1"/>
                 </a:solidFill>
@@ -5887,238 +6191,309 @@
               <a:t/>
             </a:r>
             <a:br>
-              <a:rPr lang="pl-PL" dirty="0">
-                <a:solidFill>
-                  <a:schemeClr val="bg1"/>
-                </a:solidFill>
-              </a:rPr>
-            </a:br>
-            <a:r>
-              <a:rPr lang="pl-PL" sz="1600" dirty="0">
-                <a:solidFill>
-                  <a:schemeClr val="bg1"/>
-                </a:solidFill>
-              </a:rPr>
-              <a:t>{</a:t>
-            </a:r>
-            <a:br>
-              <a:rPr lang="pl-PL" sz="1600" dirty="0">
-                <a:solidFill>
-                  <a:schemeClr val="bg1"/>
-                </a:solidFill>
-              </a:rPr>
-            </a:br>
-            <a:r>
-              <a:rPr lang="pl-PL" sz="1600" dirty="0">
-                <a:solidFill>
-                  <a:schemeClr val="bg1"/>
-                </a:solidFill>
-              </a:rPr>
-              <a:t>    "</a:t>
-            </a:r>
-            <a:r>
-              <a:rPr lang="pl-PL" sz="1600" dirty="0" err="1">
-                <a:solidFill>
-                  <a:schemeClr val="bg1"/>
-                </a:solidFill>
-              </a:rPr>
-              <a:t>name</a:t>
-            </a:r>
-            <a:r>
-              <a:rPr lang="pl-PL" sz="1600" dirty="0">
-                <a:solidFill>
-                  <a:schemeClr val="bg1"/>
-                </a:solidFill>
-              </a:rPr>
-              <a:t>" : "Jan Kowalski",</a:t>
-            </a:r>
-            <a:br>
-              <a:rPr lang="pl-PL" sz="1600" dirty="0">
-                <a:solidFill>
-                  <a:schemeClr val="bg1"/>
-                </a:solidFill>
-              </a:rPr>
-            </a:br>
-            <a:r>
-              <a:rPr lang="pl-PL" sz="1600" dirty="0">
-                <a:solidFill>
-                  <a:schemeClr val="bg1"/>
-                </a:solidFill>
-              </a:rPr>
-              <a:t>    "</a:t>
-            </a:r>
-            <a:r>
-              <a:rPr lang="pl-PL" sz="1600" dirty="0" err="1">
-                <a:solidFill>
-                  <a:schemeClr val="bg1"/>
-                </a:solidFill>
-              </a:rPr>
-              <a:t>address</a:t>
-            </a:r>
-            <a:r>
-              <a:rPr lang="pl-PL" sz="1600" dirty="0">
-                <a:solidFill>
-                  <a:schemeClr val="bg1"/>
-                </a:solidFill>
-              </a:rPr>
-              <a:t>" : {</a:t>
-            </a:r>
-            <a:br>
-              <a:rPr lang="pl-PL" sz="1600" dirty="0">
-                <a:solidFill>
-                  <a:schemeClr val="bg1"/>
-                </a:solidFill>
-              </a:rPr>
-            </a:br>
-            <a:r>
-              <a:rPr lang="pl-PL" sz="1600" dirty="0">
-                <a:solidFill>
-                  <a:schemeClr val="bg1"/>
-                </a:solidFill>
-              </a:rPr>
-              <a:t>        "</a:t>
-            </a:r>
-            <a:r>
-              <a:rPr lang="pl-PL" sz="1600" dirty="0" err="1">
-                <a:solidFill>
-                  <a:schemeClr val="bg1"/>
-                </a:solidFill>
-              </a:rPr>
-              <a:t>street</a:t>
-            </a:r>
-            <a:r>
-              <a:rPr lang="pl-PL" sz="1600" dirty="0">
-                <a:solidFill>
-                  <a:schemeClr val="bg1"/>
-                </a:solidFill>
-              </a:rPr>
-              <a:t>" : "</a:t>
-            </a:r>
-            <a:r>
-              <a:rPr lang="pl-PL" sz="1600" dirty="0" err="1">
-                <a:solidFill>
-                  <a:schemeClr val="bg1"/>
-                </a:solidFill>
-              </a:rPr>
-              <a:t>Dluga</a:t>
-            </a:r>
-            <a:r>
-              <a:rPr lang="pl-PL" sz="1600" dirty="0">
-                <a:solidFill>
-                  <a:schemeClr val="bg1"/>
-                </a:solidFill>
-              </a:rPr>
-              <a:t>",</a:t>
-            </a:r>
-            <a:br>
-              <a:rPr lang="pl-PL" sz="1600" dirty="0">
-                <a:solidFill>
-                  <a:schemeClr val="bg1"/>
-                </a:solidFill>
-              </a:rPr>
-            </a:br>
-            <a:r>
-              <a:rPr lang="pl-PL" sz="1600" dirty="0">
-                <a:solidFill>
-                  <a:schemeClr val="bg1"/>
-                </a:solidFill>
-              </a:rPr>
-              <a:t>        "</a:t>
-            </a:r>
-            <a:r>
-              <a:rPr lang="pl-PL" sz="1600" dirty="0" err="1">
-                <a:solidFill>
-                  <a:schemeClr val="bg1"/>
-                </a:solidFill>
-              </a:rPr>
-              <a:t>city</a:t>
-            </a:r>
-            <a:r>
-              <a:rPr lang="pl-PL" sz="1600" dirty="0">
-                <a:solidFill>
-                  <a:schemeClr val="bg1"/>
-                </a:solidFill>
-              </a:rPr>
-              <a:t>" : "</a:t>
-            </a:r>
-            <a:r>
-              <a:rPr lang="pl-PL" sz="1600" dirty="0" err="1">
-                <a:solidFill>
-                  <a:schemeClr val="bg1"/>
-                </a:solidFill>
-              </a:rPr>
-              <a:t>Wroclaw</a:t>
-            </a:r>
-            <a:r>
-              <a:rPr lang="pl-PL" sz="1600" dirty="0">
-                <a:solidFill>
-                  <a:schemeClr val="bg1"/>
-                </a:solidFill>
-              </a:rPr>
-              <a:t>"</a:t>
-            </a:r>
-            <a:br>
-              <a:rPr lang="pl-PL" sz="1600" dirty="0">
-                <a:solidFill>
-                  <a:schemeClr val="bg1"/>
-                </a:solidFill>
-              </a:rPr>
-            </a:br>
-            <a:r>
-              <a:rPr lang="pl-PL" sz="1600" dirty="0">
-                <a:solidFill>
-                  <a:schemeClr val="bg1"/>
-                </a:solidFill>
-              </a:rPr>
-              <a:t>    },</a:t>
-            </a:r>
-            <a:br>
-              <a:rPr lang="pl-PL" sz="1600" dirty="0">
-                <a:solidFill>
-                  <a:schemeClr val="bg1"/>
-                </a:solidFill>
-              </a:rPr>
-            </a:br>
-            <a:r>
-              <a:rPr lang="pl-PL" sz="1600" dirty="0">
-                <a:solidFill>
-                  <a:schemeClr val="bg1"/>
-                </a:solidFill>
-              </a:rPr>
-              <a:t>    "</a:t>
-            </a:r>
-            <a:r>
-              <a:rPr lang="pl-PL" sz="1600" dirty="0" err="1">
-                <a:solidFill>
-                  <a:schemeClr val="bg1"/>
-                </a:solidFill>
-              </a:rPr>
-              <a:t>children</a:t>
-            </a:r>
-            <a:r>
-              <a:rPr lang="pl-PL" sz="1600" dirty="0">
-                <a:solidFill>
-                  <a:schemeClr val="bg1"/>
-                </a:solidFill>
-              </a:rPr>
-              <a:t>" : ["Anna", "Kacper"]</a:t>
-            </a:r>
-            <a:br>
-              <a:rPr lang="pl-PL" sz="1600" dirty="0">
-                <a:solidFill>
-                  <a:schemeClr val="bg1"/>
-                </a:solidFill>
-              </a:rPr>
-            </a:br>
-            <a:r>
-              <a:rPr lang="pl-PL" sz="1600" dirty="0">
-                <a:solidFill>
-                  <a:schemeClr val="bg1"/>
-                </a:solidFill>
-              </a:rPr>
-              <a:t>}</a:t>
-            </a:r>
-            <a:endParaRPr lang="pl-PL" sz="1600" dirty="0">
+              <a:rPr lang="pl-PL" sz="1800" dirty="0">
+                <a:solidFill>
+                  <a:schemeClr val="bg1"/>
+                </a:solidFill>
+              </a:rPr>
+            </a:br>
+            <a:r>
+              <a:rPr lang="pl-PL" sz="1800" dirty="0" smtClean="0">
+                <a:solidFill>
+                  <a:schemeClr val="bg1"/>
+                </a:solidFill>
+              </a:rPr>
+              <a:t/>
+            </a:r>
+            <a:br>
+              <a:rPr lang="pl-PL" sz="1800" dirty="0" smtClean="0">
+                <a:solidFill>
+                  <a:schemeClr val="bg1"/>
+                </a:solidFill>
+              </a:rPr>
+            </a:br>
+            <a:r>
+              <a:rPr lang="pl-PL" sz="1800" dirty="0" smtClean="0">
+                <a:solidFill>
+                  <a:schemeClr val="bg1"/>
+                </a:solidFill>
+              </a:rPr>
+              <a:t>2</a:t>
+            </a:r>
+            <a:r>
+              <a:rPr lang="pl-PL" sz="1800" dirty="0">
+                <a:solidFill>
+                  <a:schemeClr val="bg1"/>
+                </a:solidFill>
+              </a:rPr>
+              <a:t>. Wypisz tekst "Hello </a:t>
+            </a:r>
+            <a:r>
+              <a:rPr lang="pl-PL" sz="1800" dirty="0" err="1">
+                <a:solidFill>
+                  <a:schemeClr val="bg1"/>
+                </a:solidFill>
+              </a:rPr>
+              <a:t>world</a:t>
+            </a:r>
+            <a:r>
+              <a:rPr lang="pl-PL" sz="1800" dirty="0">
+                <a:solidFill>
+                  <a:schemeClr val="bg1"/>
+                </a:solidFill>
+              </a:rPr>
+              <a:t>!" na konsolę </a:t>
+            </a:r>
+            <a:r>
+              <a:rPr lang="pl-PL" sz="1800" dirty="0" smtClean="0">
+                <a:solidFill>
+                  <a:schemeClr val="bg1"/>
+                </a:solidFill>
+              </a:rPr>
+              <a:t>przeglądarki.</a:t>
+            </a:r>
+            <a:r>
+              <a:rPr lang="pl-PL" sz="1800" dirty="0">
+                <a:solidFill>
+                  <a:schemeClr val="bg1"/>
+                </a:solidFill>
+              </a:rPr>
+              <a:t/>
+            </a:r>
+            <a:br>
+              <a:rPr lang="pl-PL" sz="1800" dirty="0">
+                <a:solidFill>
+                  <a:schemeClr val="bg1"/>
+                </a:solidFill>
+              </a:rPr>
+            </a:br>
+            <a:r>
+              <a:rPr lang="pl-PL" sz="1800" dirty="0" smtClean="0">
+                <a:solidFill>
+                  <a:schemeClr val="bg1"/>
+                </a:solidFill>
+              </a:rPr>
+              <a:t/>
+            </a:r>
+            <a:br>
+              <a:rPr lang="pl-PL" sz="1800" dirty="0" smtClean="0">
+                <a:solidFill>
+                  <a:schemeClr val="bg1"/>
+                </a:solidFill>
+              </a:rPr>
+            </a:br>
+            <a:r>
+              <a:rPr lang="pl-PL" sz="1800" dirty="0" smtClean="0">
+                <a:solidFill>
+                  <a:schemeClr val="bg1"/>
+                </a:solidFill>
+              </a:rPr>
+              <a:t>3</a:t>
+            </a:r>
+            <a:r>
+              <a:rPr lang="pl-PL" sz="1800" dirty="0">
+                <a:solidFill>
+                  <a:schemeClr val="bg1"/>
+                </a:solidFill>
+              </a:rPr>
+              <a:t>. Utwórz zmienną i przypisz do niej obiekt </a:t>
+            </a:r>
+            <a:r>
+              <a:rPr lang="pl-PL" sz="1800" dirty="0" err="1">
+                <a:solidFill>
+                  <a:schemeClr val="bg1"/>
+                </a:solidFill>
+              </a:rPr>
+              <a:t>jQuery</a:t>
+            </a:r>
+            <a:r>
+              <a:rPr lang="pl-PL" sz="1800" dirty="0">
+                <a:solidFill>
+                  <a:schemeClr val="bg1"/>
+                </a:solidFill>
+              </a:rPr>
+              <a:t> reprezentujący listę komentarzy (#</a:t>
+            </a:r>
+            <a:r>
+              <a:rPr lang="pl-PL" sz="1800" dirty="0" err="1">
+                <a:solidFill>
+                  <a:schemeClr val="bg1"/>
+                </a:solidFill>
+              </a:rPr>
+              <a:t>comment</a:t>
+            </a:r>
+            <a:r>
+              <a:rPr lang="pl-PL" sz="1800" dirty="0">
+                <a:solidFill>
+                  <a:schemeClr val="bg1"/>
+                </a:solidFill>
+              </a:rPr>
+              <a:t>-list</a:t>
+            </a:r>
+            <a:r>
+              <a:rPr lang="pl-PL" sz="1800" dirty="0" smtClean="0">
+                <a:solidFill>
+                  <a:schemeClr val="bg1"/>
+                </a:solidFill>
+              </a:rPr>
+              <a:t>).</a:t>
+            </a:r>
+            <a:r>
+              <a:rPr lang="pl-PL" sz="1800" dirty="0">
+                <a:solidFill>
+                  <a:schemeClr val="bg1"/>
+                </a:solidFill>
+              </a:rPr>
+              <a:t/>
+            </a:r>
+            <a:br>
+              <a:rPr lang="pl-PL" sz="1800" dirty="0">
+                <a:solidFill>
+                  <a:schemeClr val="bg1"/>
+                </a:solidFill>
+              </a:rPr>
+            </a:br>
+            <a:r>
+              <a:rPr lang="pl-PL" sz="1800" dirty="0" smtClean="0">
+                <a:solidFill>
+                  <a:schemeClr val="bg1"/>
+                </a:solidFill>
+              </a:rPr>
+              <a:t/>
+            </a:r>
+            <a:br>
+              <a:rPr lang="pl-PL" sz="1800" dirty="0" smtClean="0">
+                <a:solidFill>
+                  <a:schemeClr val="bg1"/>
+                </a:solidFill>
+              </a:rPr>
+            </a:br>
+            <a:r>
+              <a:rPr lang="pl-PL" sz="1800" dirty="0" smtClean="0">
+                <a:solidFill>
+                  <a:schemeClr val="bg1"/>
+                </a:solidFill>
+              </a:rPr>
+              <a:t>4</a:t>
+            </a:r>
+            <a:r>
+              <a:rPr lang="pl-PL" sz="1800" dirty="0">
+                <a:solidFill>
+                  <a:schemeClr val="bg1"/>
+                </a:solidFill>
+              </a:rPr>
+              <a:t>. Utwórz funkcję wstawiającą nowy komentarz do listy - funkcja jako parametry powinna przyjmować adres email </a:t>
+            </a:r>
+            <a:r>
+              <a:rPr lang="pl-PL" sz="1800" dirty="0" smtClean="0">
+                <a:solidFill>
+                  <a:schemeClr val="bg1"/>
+                </a:solidFill>
+              </a:rPr>
+              <a:t>oraz </a:t>
+            </a:r>
+            <a:r>
+              <a:rPr lang="pl-PL" sz="1800" dirty="0">
+                <a:solidFill>
+                  <a:schemeClr val="bg1"/>
+                </a:solidFill>
+              </a:rPr>
+              <a:t>treść </a:t>
+            </a:r>
+            <a:r>
+              <a:rPr lang="pl-PL" sz="1800" dirty="0" smtClean="0">
+                <a:solidFill>
+                  <a:schemeClr val="bg1"/>
+                </a:solidFill>
+              </a:rPr>
+              <a:t>komentarza.</a:t>
+            </a:r>
+            <a:r>
+              <a:rPr lang="pl-PL" sz="1800" dirty="0">
+                <a:solidFill>
+                  <a:schemeClr val="bg1"/>
+                </a:solidFill>
+              </a:rPr>
+              <a:t/>
+            </a:r>
+            <a:br>
+              <a:rPr lang="pl-PL" sz="1800" dirty="0">
+                <a:solidFill>
+                  <a:schemeClr val="bg1"/>
+                </a:solidFill>
+              </a:rPr>
+            </a:br>
+            <a:r>
+              <a:rPr lang="pl-PL" sz="1800" dirty="0" smtClean="0">
+                <a:solidFill>
+                  <a:schemeClr val="bg1"/>
+                </a:solidFill>
+              </a:rPr>
+              <a:t/>
+            </a:r>
+            <a:br>
+              <a:rPr lang="pl-PL" sz="1800" dirty="0" smtClean="0">
+                <a:solidFill>
+                  <a:schemeClr val="bg1"/>
+                </a:solidFill>
+              </a:rPr>
+            </a:br>
+            <a:r>
+              <a:rPr lang="pl-PL" sz="1800" dirty="0" smtClean="0">
+                <a:solidFill>
+                  <a:schemeClr val="bg1"/>
+                </a:solidFill>
+              </a:rPr>
+              <a:t>5</a:t>
+            </a:r>
+            <a:r>
+              <a:rPr lang="pl-PL" sz="1800" dirty="0">
+                <a:solidFill>
+                  <a:schemeClr val="bg1"/>
+                </a:solidFill>
+              </a:rPr>
+              <a:t>. Wywołaj utworzoną funkcję </a:t>
+            </a:r>
+            <a:r>
+              <a:rPr lang="pl-PL" sz="1800" dirty="0" smtClean="0">
+                <a:solidFill>
+                  <a:schemeClr val="bg1"/>
+                </a:solidFill>
+              </a:rPr>
+              <a:t>i </a:t>
+            </a:r>
+            <a:r>
+              <a:rPr lang="pl-PL" sz="1800" dirty="0">
+                <a:solidFill>
+                  <a:schemeClr val="bg1"/>
+                </a:solidFill>
+              </a:rPr>
+              <a:t>wstaw kilka komentarzy do listy</a:t>
+            </a:r>
+            <a:r>
+              <a:rPr lang="pl-PL" sz="1800" dirty="0" smtClean="0">
+                <a:solidFill>
+                  <a:schemeClr val="bg1"/>
+                </a:solidFill>
+              </a:rPr>
+              <a:t>.</a:t>
+            </a:r>
+            <a:r>
+              <a:rPr lang="pl-PL" sz="1800" dirty="0">
+                <a:solidFill>
+                  <a:schemeClr val="bg1"/>
+                </a:solidFill>
+              </a:rPr>
+              <a:t/>
+            </a:r>
+            <a:br>
+              <a:rPr lang="pl-PL" sz="1800" dirty="0">
+                <a:solidFill>
+                  <a:schemeClr val="bg1"/>
+                </a:solidFill>
+              </a:rPr>
+            </a:br>
+            <a:endParaRPr lang="pl-PL" sz="1800" dirty="0">
               <a:solidFill>
                 <a:schemeClr val="bg1"/>
               </a:solidFill>
@@ -6129,7 +6504,7 @@
     </p:spTree>
     <p:extLst>
       <p:ext uri="{BB962C8B-B14F-4D97-AF65-F5344CB8AC3E}">
-        <p14:creationId xmlns:p14="http://schemas.microsoft.com/office/powerpoint/2010/main" val="302060449"/>
+        <p14:creationId xmlns:p14="http://schemas.microsoft.com/office/powerpoint/2010/main" val="992712188"/>
       </p:ext>
     </p:extLst>
   </p:cSld>
@@ -6139,6 +6514,13 @@
   <p:transition spd="slow">
     <p:cut/>
   </p:transition>
+  <p:timing>
+    <p:tnLst>
+      <p:par>
+        <p:cTn id="1" dur="indefinite" restart="never" nodeType="tmRoot"/>
+      </p:par>
+    </p:tnLst>
+  </p:timing>
 </p:sld>
 </file>
 
@@ -6187,43 +6569,702 @@
           <a:bodyPr anchor="ctr"/>
           <a:lstStyle/>
           <a:p>
-            <a:pPr algn="ctr"/>
-            <a:r>
-              <a:rPr lang="pl-PL" dirty="0">
-                <a:solidFill>
-                  <a:schemeClr val="bg1"/>
-                </a:solidFill>
-              </a:rPr>
-              <a:t>$.</a:t>
-            </a:r>
-            <a:r>
-              <a:rPr lang="pl-PL" dirty="0" err="1">
-                <a:solidFill>
-                  <a:schemeClr val="bg1"/>
-                </a:solidFill>
-              </a:rPr>
-              <a:t>ajax</a:t>
-            </a:r>
-            <a:r>
-              <a:rPr lang="pl-PL" dirty="0">
-                <a:solidFill>
-                  <a:schemeClr val="bg1"/>
-                </a:solidFill>
-              </a:rPr>
-              <a:t>()</a:t>
-            </a:r>
-            <a:endParaRPr lang="pl-PL" dirty="0">
-              <a:solidFill>
-                <a:schemeClr val="bg1"/>
-              </a:solidFill>
-            </a:endParaRPr>
+            <a:r>
+              <a:rPr lang="pl-PL" sz="2800" dirty="0">
+                <a:solidFill>
+                  <a:schemeClr val="bg1"/>
+                </a:solidFill>
+              </a:rPr>
+              <a:t>$("a").on("</a:t>
+            </a:r>
+            <a:r>
+              <a:rPr lang="pl-PL" sz="2800" dirty="0" err="1">
+                <a:solidFill>
+                  <a:schemeClr val="bg1"/>
+                </a:solidFill>
+              </a:rPr>
+              <a:t>click</a:t>
+            </a:r>
+            <a:r>
+              <a:rPr lang="pl-PL" sz="2800" dirty="0">
+                <a:solidFill>
+                  <a:schemeClr val="bg1"/>
+                </a:solidFill>
+              </a:rPr>
+              <a:t>", </a:t>
+            </a:r>
+            <a:r>
+              <a:rPr lang="pl-PL" sz="2800" dirty="0" err="1">
+                <a:solidFill>
+                  <a:schemeClr val="bg1"/>
+                </a:solidFill>
+              </a:rPr>
+              <a:t>function</a:t>
+            </a:r>
+            <a:r>
+              <a:rPr lang="pl-PL" sz="2800" dirty="0">
+                <a:solidFill>
+                  <a:schemeClr val="bg1"/>
+                </a:solidFill>
+              </a:rPr>
+              <a:t> () {});</a:t>
+            </a:r>
+            <a:br>
+              <a:rPr lang="pl-PL" sz="2800" dirty="0">
+                <a:solidFill>
+                  <a:schemeClr val="bg1"/>
+                </a:solidFill>
+              </a:rPr>
+            </a:br>
+            <a:r>
+              <a:rPr lang="pl-PL" sz="2800" dirty="0">
+                <a:solidFill>
+                  <a:schemeClr val="bg1"/>
+                </a:solidFill>
+              </a:rPr>
+              <a:t/>
+            </a:r>
+            <a:br>
+              <a:rPr lang="pl-PL" sz="2800" dirty="0">
+                <a:solidFill>
+                  <a:schemeClr val="bg1"/>
+                </a:solidFill>
+              </a:rPr>
+            </a:br>
+            <a:r>
+              <a:rPr lang="pl-PL" sz="1400" dirty="0">
+                <a:solidFill>
+                  <a:schemeClr val="bg1"/>
+                </a:solidFill>
+              </a:rPr>
+              <a:t>$("a").</a:t>
+            </a:r>
+            <a:r>
+              <a:rPr lang="pl-PL" sz="1400" dirty="0" err="1">
+                <a:solidFill>
+                  <a:schemeClr val="bg1"/>
+                </a:solidFill>
+              </a:rPr>
+              <a:t>click</a:t>
+            </a:r>
+            <a:r>
+              <a:rPr lang="pl-PL" sz="1400" dirty="0">
+                <a:solidFill>
+                  <a:schemeClr val="bg1"/>
+                </a:solidFill>
+              </a:rPr>
+              <a:t>(</a:t>
+            </a:r>
+            <a:r>
+              <a:rPr lang="pl-PL" sz="1400" dirty="0" err="1">
+                <a:solidFill>
+                  <a:schemeClr val="bg1"/>
+                </a:solidFill>
+              </a:rPr>
+              <a:t>fn</a:t>
+            </a:r>
+            <a:r>
+              <a:rPr lang="pl-PL" sz="1400" dirty="0">
+                <a:solidFill>
+                  <a:schemeClr val="bg1"/>
+                </a:solidFill>
+              </a:rPr>
+              <a:t>);</a:t>
+            </a:r>
+            <a:br>
+              <a:rPr lang="pl-PL" sz="1400" dirty="0">
+                <a:solidFill>
+                  <a:schemeClr val="bg1"/>
+                </a:solidFill>
+              </a:rPr>
+            </a:br>
+            <a:r>
+              <a:rPr lang="pl-PL" sz="1400" dirty="0">
+                <a:solidFill>
+                  <a:schemeClr val="bg1"/>
+                </a:solidFill>
+              </a:rPr>
+              <a:t>$("a").</a:t>
+            </a:r>
+            <a:r>
+              <a:rPr lang="pl-PL" sz="1400" dirty="0" err="1">
+                <a:solidFill>
+                  <a:schemeClr val="bg1"/>
+                </a:solidFill>
+              </a:rPr>
+              <a:t>change</a:t>
+            </a:r>
+            <a:r>
+              <a:rPr lang="pl-PL" sz="1400" dirty="0">
+                <a:solidFill>
+                  <a:schemeClr val="bg1"/>
+                </a:solidFill>
+              </a:rPr>
+              <a:t>(</a:t>
+            </a:r>
+            <a:r>
+              <a:rPr lang="pl-PL" sz="1400" dirty="0" err="1">
+                <a:solidFill>
+                  <a:schemeClr val="bg1"/>
+                </a:solidFill>
+              </a:rPr>
+              <a:t>fn</a:t>
+            </a:r>
+            <a:r>
+              <a:rPr lang="pl-PL" sz="1400" dirty="0">
+                <a:solidFill>
+                  <a:schemeClr val="bg1"/>
+                </a:solidFill>
+              </a:rPr>
+              <a:t>);</a:t>
+            </a:r>
+            <a:br>
+              <a:rPr lang="pl-PL" sz="1400" dirty="0">
+                <a:solidFill>
+                  <a:schemeClr val="bg1"/>
+                </a:solidFill>
+              </a:rPr>
+            </a:br>
+            <a:r>
+              <a:rPr lang="pl-PL" sz="1400" dirty="0">
+                <a:solidFill>
+                  <a:schemeClr val="bg1"/>
+                </a:solidFill>
+              </a:rPr>
+              <a:t>$("a").</a:t>
+            </a:r>
+            <a:r>
+              <a:rPr lang="pl-PL" sz="1400" dirty="0" err="1">
+                <a:solidFill>
+                  <a:schemeClr val="bg1"/>
+                </a:solidFill>
+              </a:rPr>
+              <a:t>dblclick</a:t>
+            </a:r>
+            <a:r>
+              <a:rPr lang="pl-PL" sz="1400" dirty="0">
+                <a:solidFill>
+                  <a:schemeClr val="bg1"/>
+                </a:solidFill>
+              </a:rPr>
+              <a:t>(</a:t>
+            </a:r>
+            <a:r>
+              <a:rPr lang="pl-PL" sz="1400" dirty="0" err="1">
+                <a:solidFill>
+                  <a:schemeClr val="bg1"/>
+                </a:solidFill>
+              </a:rPr>
+              <a:t>fn</a:t>
+            </a:r>
+            <a:r>
+              <a:rPr lang="pl-PL" sz="1400" dirty="0">
+                <a:solidFill>
+                  <a:schemeClr val="bg1"/>
+                </a:solidFill>
+              </a:rPr>
+              <a:t>);</a:t>
+            </a:r>
+            <a:br>
+              <a:rPr lang="pl-PL" sz="1400" dirty="0">
+                <a:solidFill>
+                  <a:schemeClr val="bg1"/>
+                </a:solidFill>
+              </a:rPr>
+            </a:br>
+            <a:r>
+              <a:rPr lang="pl-PL" sz="1400" dirty="0">
+                <a:solidFill>
+                  <a:schemeClr val="bg1"/>
+                </a:solidFill>
+              </a:rPr>
+              <a:t>$("a").</a:t>
+            </a:r>
+            <a:r>
+              <a:rPr lang="pl-PL" sz="1400" dirty="0" err="1">
+                <a:solidFill>
+                  <a:schemeClr val="bg1"/>
+                </a:solidFill>
+              </a:rPr>
+              <a:t>keydown</a:t>
+            </a:r>
+            <a:r>
+              <a:rPr lang="pl-PL" sz="1400" dirty="0">
+                <a:solidFill>
+                  <a:schemeClr val="bg1"/>
+                </a:solidFill>
+              </a:rPr>
+              <a:t>(</a:t>
+            </a:r>
+            <a:r>
+              <a:rPr lang="pl-PL" sz="1400" dirty="0" err="1">
+                <a:solidFill>
+                  <a:schemeClr val="bg1"/>
+                </a:solidFill>
+              </a:rPr>
+              <a:t>fn</a:t>
+            </a:r>
+            <a:r>
+              <a:rPr lang="pl-PL" sz="1400" dirty="0">
+                <a:solidFill>
+                  <a:schemeClr val="bg1"/>
+                </a:solidFill>
+              </a:rPr>
+              <a:t>);</a:t>
+            </a:r>
+            <a:br>
+              <a:rPr lang="pl-PL" sz="1400" dirty="0">
+                <a:solidFill>
+                  <a:schemeClr val="bg1"/>
+                </a:solidFill>
+              </a:rPr>
+            </a:br>
+            <a:r>
+              <a:rPr lang="pl-PL" sz="1400" dirty="0">
+                <a:solidFill>
+                  <a:schemeClr val="bg1"/>
+                </a:solidFill>
+              </a:rPr>
+              <a:t>$("a").</a:t>
+            </a:r>
+            <a:r>
+              <a:rPr lang="pl-PL" sz="1400" dirty="0" err="1">
+                <a:solidFill>
+                  <a:schemeClr val="bg1"/>
+                </a:solidFill>
+              </a:rPr>
+              <a:t>keypress</a:t>
+            </a:r>
+            <a:r>
+              <a:rPr lang="pl-PL" sz="1400" dirty="0">
+                <a:solidFill>
+                  <a:schemeClr val="bg1"/>
+                </a:solidFill>
+              </a:rPr>
+              <a:t>(</a:t>
+            </a:r>
+            <a:r>
+              <a:rPr lang="pl-PL" sz="1400" dirty="0" err="1">
+                <a:solidFill>
+                  <a:schemeClr val="bg1"/>
+                </a:solidFill>
+              </a:rPr>
+              <a:t>fn</a:t>
+            </a:r>
+            <a:r>
+              <a:rPr lang="pl-PL" sz="1400" dirty="0">
+                <a:solidFill>
+                  <a:schemeClr val="bg1"/>
+                </a:solidFill>
+              </a:rPr>
+              <a:t>);</a:t>
+            </a:r>
+            <a:br>
+              <a:rPr lang="pl-PL" sz="1400" dirty="0">
+                <a:solidFill>
+                  <a:schemeClr val="bg1"/>
+                </a:solidFill>
+              </a:rPr>
+            </a:br>
+            <a:r>
+              <a:rPr lang="pl-PL" sz="1400" dirty="0">
+                <a:solidFill>
+                  <a:schemeClr val="bg1"/>
+                </a:solidFill>
+              </a:rPr>
+              <a:t>$("a").</a:t>
+            </a:r>
+            <a:r>
+              <a:rPr lang="pl-PL" sz="1400" dirty="0" err="1">
+                <a:solidFill>
+                  <a:schemeClr val="bg1"/>
+                </a:solidFill>
+              </a:rPr>
+              <a:t>keyup</a:t>
+            </a:r>
+            <a:r>
+              <a:rPr lang="pl-PL" sz="1400" dirty="0">
+                <a:solidFill>
+                  <a:schemeClr val="bg1"/>
+                </a:solidFill>
+              </a:rPr>
+              <a:t>(</a:t>
+            </a:r>
+            <a:r>
+              <a:rPr lang="pl-PL" sz="1400" dirty="0" err="1">
+                <a:solidFill>
+                  <a:schemeClr val="bg1"/>
+                </a:solidFill>
+              </a:rPr>
+              <a:t>fn</a:t>
+            </a:r>
+            <a:r>
+              <a:rPr lang="pl-PL" sz="1400" dirty="0">
+                <a:solidFill>
+                  <a:schemeClr val="bg1"/>
+                </a:solidFill>
+              </a:rPr>
+              <a:t>);</a:t>
+            </a:r>
+            <a:br>
+              <a:rPr lang="pl-PL" sz="1400" dirty="0">
+                <a:solidFill>
+                  <a:schemeClr val="bg1"/>
+                </a:solidFill>
+              </a:rPr>
+            </a:br>
+            <a:r>
+              <a:rPr lang="pl-PL" sz="1400" dirty="0" smtClean="0">
+                <a:solidFill>
+                  <a:schemeClr val="bg1"/>
+                </a:solidFill>
+              </a:rPr>
+              <a:t>$("</a:t>
+            </a:r>
+            <a:r>
+              <a:rPr lang="pl-PL" sz="1400" dirty="0">
+                <a:solidFill>
+                  <a:schemeClr val="bg1"/>
+                </a:solidFill>
+              </a:rPr>
+              <a:t>a").</a:t>
+            </a:r>
+            <a:r>
+              <a:rPr lang="pl-PL" sz="1400" dirty="0" err="1">
+                <a:solidFill>
+                  <a:schemeClr val="bg1"/>
+                </a:solidFill>
+              </a:rPr>
+              <a:t>mouseover</a:t>
+            </a:r>
+            <a:r>
+              <a:rPr lang="pl-PL" sz="1400" dirty="0">
+                <a:solidFill>
+                  <a:schemeClr val="bg1"/>
+                </a:solidFill>
+              </a:rPr>
+              <a:t>(</a:t>
+            </a:r>
+            <a:r>
+              <a:rPr lang="pl-PL" sz="1400" dirty="0" err="1">
+                <a:solidFill>
+                  <a:schemeClr val="bg1"/>
+                </a:solidFill>
+              </a:rPr>
+              <a:t>fn</a:t>
+            </a:r>
+            <a:r>
+              <a:rPr lang="pl-PL" sz="1400" dirty="0">
+                <a:solidFill>
+                  <a:schemeClr val="bg1"/>
+                </a:solidFill>
+              </a:rPr>
+              <a:t>);</a:t>
+            </a:r>
+            <a:br>
+              <a:rPr lang="pl-PL" sz="1400" dirty="0">
+                <a:solidFill>
+                  <a:schemeClr val="bg1"/>
+                </a:solidFill>
+              </a:rPr>
+            </a:br>
+            <a:r>
+              <a:rPr lang="pl-PL" sz="1400" dirty="0">
+                <a:solidFill>
+                  <a:schemeClr val="bg1"/>
+                </a:solidFill>
+              </a:rPr>
+              <a:t>$("a").</a:t>
+            </a:r>
+            <a:r>
+              <a:rPr lang="pl-PL" sz="1400" dirty="0" err="1">
+                <a:solidFill>
+                  <a:schemeClr val="bg1"/>
+                </a:solidFill>
+              </a:rPr>
+              <a:t>mousemove</a:t>
+            </a:r>
+            <a:r>
+              <a:rPr lang="pl-PL" sz="1400" dirty="0">
+                <a:solidFill>
+                  <a:schemeClr val="bg1"/>
+                </a:solidFill>
+              </a:rPr>
+              <a:t>(</a:t>
+            </a:r>
+            <a:r>
+              <a:rPr lang="pl-PL" sz="1400" dirty="0" err="1">
+                <a:solidFill>
+                  <a:schemeClr val="bg1"/>
+                </a:solidFill>
+              </a:rPr>
+              <a:t>fn</a:t>
+            </a:r>
+            <a:r>
+              <a:rPr lang="pl-PL" sz="1400" dirty="0">
+                <a:solidFill>
+                  <a:schemeClr val="bg1"/>
+                </a:solidFill>
+              </a:rPr>
+              <a:t>);</a:t>
+            </a:r>
+            <a:br>
+              <a:rPr lang="pl-PL" sz="1400" dirty="0">
+                <a:solidFill>
+                  <a:schemeClr val="bg1"/>
+                </a:solidFill>
+              </a:rPr>
+            </a:br>
+            <a:r>
+              <a:rPr lang="pl-PL" sz="1400" dirty="0">
+                <a:solidFill>
+                  <a:schemeClr val="bg1"/>
+                </a:solidFill>
+              </a:rPr>
+              <a:t>$("a").</a:t>
+            </a:r>
+            <a:r>
+              <a:rPr lang="pl-PL" sz="1400" dirty="0" err="1">
+                <a:solidFill>
+                  <a:schemeClr val="bg1"/>
+                </a:solidFill>
+              </a:rPr>
+              <a:t>mouseout</a:t>
+            </a:r>
+            <a:r>
+              <a:rPr lang="pl-PL" sz="1400" dirty="0">
+                <a:solidFill>
+                  <a:schemeClr val="bg1"/>
+                </a:solidFill>
+              </a:rPr>
+              <a:t>(</a:t>
+            </a:r>
+            <a:r>
+              <a:rPr lang="pl-PL" sz="1400" dirty="0" err="1">
+                <a:solidFill>
+                  <a:schemeClr val="bg1"/>
+                </a:solidFill>
+              </a:rPr>
+              <a:t>fn</a:t>
+            </a:r>
+            <a:r>
+              <a:rPr lang="pl-PL" sz="1400" dirty="0">
+                <a:solidFill>
+                  <a:schemeClr val="bg1"/>
+                </a:solidFill>
+              </a:rPr>
+              <a:t>);</a:t>
+            </a:r>
+            <a:br>
+              <a:rPr lang="pl-PL" sz="1400" dirty="0">
+                <a:solidFill>
+                  <a:schemeClr val="bg1"/>
+                </a:solidFill>
+              </a:rPr>
+            </a:br>
+            <a:r>
+              <a:rPr lang="pl-PL" sz="1400" dirty="0">
+                <a:solidFill>
+                  <a:schemeClr val="bg1"/>
+                </a:solidFill>
+              </a:rPr>
+              <a:t>$("a").</a:t>
+            </a:r>
+            <a:r>
+              <a:rPr lang="pl-PL" sz="1400" dirty="0" err="1">
+                <a:solidFill>
+                  <a:schemeClr val="bg1"/>
+                </a:solidFill>
+              </a:rPr>
+              <a:t>mousedown</a:t>
+            </a:r>
+            <a:r>
+              <a:rPr lang="pl-PL" sz="1400" dirty="0">
+                <a:solidFill>
+                  <a:schemeClr val="bg1"/>
+                </a:solidFill>
+              </a:rPr>
+              <a:t>(</a:t>
+            </a:r>
+            <a:r>
+              <a:rPr lang="pl-PL" sz="1400" dirty="0" err="1">
+                <a:solidFill>
+                  <a:schemeClr val="bg1"/>
+                </a:solidFill>
+              </a:rPr>
+              <a:t>fn</a:t>
+            </a:r>
+            <a:r>
+              <a:rPr lang="pl-PL" sz="1400" dirty="0">
+                <a:solidFill>
+                  <a:schemeClr val="bg1"/>
+                </a:solidFill>
+              </a:rPr>
+              <a:t>);</a:t>
+            </a:r>
+            <a:br>
+              <a:rPr lang="pl-PL" sz="1400" dirty="0">
+                <a:solidFill>
+                  <a:schemeClr val="bg1"/>
+                </a:solidFill>
+              </a:rPr>
+            </a:br>
+            <a:r>
+              <a:rPr lang="pl-PL" sz="1400" dirty="0">
+                <a:solidFill>
+                  <a:schemeClr val="bg1"/>
+                </a:solidFill>
+              </a:rPr>
+              <a:t>$("a").</a:t>
+            </a:r>
+            <a:r>
+              <a:rPr lang="pl-PL" sz="1400" dirty="0" err="1">
+                <a:solidFill>
+                  <a:schemeClr val="bg1"/>
+                </a:solidFill>
+              </a:rPr>
+              <a:t>mouseup</a:t>
+            </a:r>
+            <a:r>
+              <a:rPr lang="pl-PL" sz="1400" dirty="0">
+                <a:solidFill>
+                  <a:schemeClr val="bg1"/>
+                </a:solidFill>
+              </a:rPr>
+              <a:t>(</a:t>
+            </a:r>
+            <a:r>
+              <a:rPr lang="pl-PL" sz="1400" dirty="0" err="1">
+                <a:solidFill>
+                  <a:schemeClr val="bg1"/>
+                </a:solidFill>
+              </a:rPr>
+              <a:t>fn</a:t>
+            </a:r>
+            <a:r>
+              <a:rPr lang="pl-PL" sz="1400" dirty="0" smtClean="0">
+                <a:solidFill>
+                  <a:schemeClr val="bg1"/>
+                </a:solidFill>
+              </a:rPr>
+              <a:t>);</a:t>
+            </a:r>
+            <a:br>
+              <a:rPr lang="pl-PL" sz="1400" dirty="0" smtClean="0">
+                <a:solidFill>
+                  <a:schemeClr val="bg1"/>
+                </a:solidFill>
+              </a:rPr>
+            </a:br>
+            <a:r>
+              <a:rPr lang="pl-PL" sz="1400" dirty="0" smtClean="0">
+                <a:solidFill>
+                  <a:schemeClr val="bg1"/>
+                </a:solidFill>
+              </a:rPr>
+              <a:t>$(</a:t>
+            </a:r>
+            <a:r>
+              <a:rPr lang="pl-PL" sz="1400" dirty="0">
+                <a:solidFill>
+                  <a:schemeClr val="bg1"/>
+                </a:solidFill>
+              </a:rPr>
+              <a:t>"</a:t>
+            </a:r>
+            <a:r>
+              <a:rPr lang="pl-PL" sz="1400" dirty="0" smtClean="0">
+                <a:solidFill>
+                  <a:schemeClr val="bg1"/>
+                </a:solidFill>
+              </a:rPr>
+              <a:t>form").</a:t>
+            </a:r>
+            <a:r>
+              <a:rPr lang="pl-PL" sz="1400" dirty="0" err="1" smtClean="0">
+                <a:solidFill>
+                  <a:schemeClr val="bg1"/>
+                </a:solidFill>
+              </a:rPr>
+              <a:t>submit</a:t>
+            </a:r>
+            <a:r>
+              <a:rPr lang="pl-PL" sz="1400" dirty="0" smtClean="0">
+                <a:solidFill>
+                  <a:schemeClr val="bg1"/>
+                </a:solidFill>
+              </a:rPr>
+              <a:t>(</a:t>
+            </a:r>
+            <a:r>
+              <a:rPr lang="pl-PL" sz="1400" dirty="0" err="1" smtClean="0">
+                <a:solidFill>
+                  <a:schemeClr val="bg1"/>
+                </a:solidFill>
+              </a:rPr>
+              <a:t>fn</a:t>
+            </a:r>
+            <a:r>
+              <a:rPr lang="pl-PL" sz="1400" dirty="0">
+                <a:solidFill>
+                  <a:schemeClr val="bg1"/>
+                </a:solidFill>
+              </a:rPr>
+              <a:t>);</a:t>
+            </a:r>
+            <a:br>
+              <a:rPr lang="pl-PL" sz="1400" dirty="0">
+                <a:solidFill>
+                  <a:schemeClr val="bg1"/>
+                </a:solidFill>
+              </a:rPr>
+            </a:br>
+            <a:r>
+              <a:rPr lang="pl-PL" sz="2800" dirty="0">
+                <a:solidFill>
+                  <a:schemeClr val="bg1"/>
+                </a:solidFill>
+              </a:rPr>
+              <a:t/>
+            </a:r>
+            <a:br>
+              <a:rPr lang="pl-PL" sz="2800" dirty="0">
+                <a:solidFill>
+                  <a:schemeClr val="bg1"/>
+                </a:solidFill>
+              </a:rPr>
+            </a:br>
+            <a:r>
+              <a:rPr lang="pl-PL" sz="2800" dirty="0">
+                <a:solidFill>
+                  <a:schemeClr val="bg1"/>
+                </a:solidFill>
+              </a:rPr>
+              <a:t>$("a").off("</a:t>
+            </a:r>
+            <a:r>
+              <a:rPr lang="pl-PL" sz="2800" dirty="0" err="1">
+                <a:solidFill>
+                  <a:schemeClr val="bg1"/>
+                </a:solidFill>
+              </a:rPr>
+              <a:t>click</a:t>
+            </a:r>
+            <a:r>
+              <a:rPr lang="pl-PL" sz="2800" dirty="0">
+                <a:solidFill>
+                  <a:schemeClr val="bg1"/>
+                </a:solidFill>
+              </a:rPr>
+              <a:t>");</a:t>
+            </a:r>
           </a:p>
         </p:txBody>
       </p:sp>
     </p:spTree>
     <p:extLst>
       <p:ext uri="{BB962C8B-B14F-4D97-AF65-F5344CB8AC3E}">
-        <p14:creationId xmlns:p14="http://schemas.microsoft.com/office/powerpoint/2010/main" val="1445019187"/>
+        <p14:creationId xmlns:p14="http://schemas.microsoft.com/office/powerpoint/2010/main" val="300182255"/>
       </p:ext>
     </p:extLst>
   </p:cSld>
@@ -6282,171 +7323,31 @@
           <a:lstStyle/>
           <a:p>
             <a:r>
-              <a:rPr lang="pl-PL" sz="2800" dirty="0">
-                <a:solidFill>
-                  <a:schemeClr val="bg1"/>
-                </a:solidFill>
-              </a:rPr>
-              <a:t>$.</a:t>
-            </a:r>
-            <a:r>
-              <a:rPr lang="pl-PL" sz="2800" dirty="0" err="1">
-                <a:solidFill>
-                  <a:schemeClr val="bg1"/>
-                </a:solidFill>
-              </a:rPr>
-              <a:t>ajax</a:t>
-            </a:r>
-            <a:r>
-              <a:rPr lang="pl-PL" sz="2800" dirty="0">
-                <a:solidFill>
-                  <a:schemeClr val="bg1"/>
-                </a:solidFill>
-              </a:rPr>
-              <a:t>({</a:t>
-            </a:r>
-            <a:br>
-              <a:rPr lang="pl-PL" sz="2800" dirty="0">
-                <a:solidFill>
-                  <a:schemeClr val="bg1"/>
-                </a:solidFill>
-              </a:rPr>
-            </a:br>
-            <a:r>
-              <a:rPr lang="pl-PL" sz="2800" dirty="0">
-                <a:solidFill>
-                  <a:schemeClr val="bg1"/>
-                </a:solidFill>
-              </a:rPr>
-              <a:t>    url: "http://google.com",</a:t>
-            </a:r>
-            <a:br>
-              <a:rPr lang="pl-PL" sz="2800" dirty="0">
-                <a:solidFill>
-                  <a:schemeClr val="bg1"/>
-                </a:solidFill>
-              </a:rPr>
-            </a:br>
-            <a:r>
-              <a:rPr lang="pl-PL" sz="2800" dirty="0">
-                <a:solidFill>
-                  <a:schemeClr val="bg1"/>
-                </a:solidFill>
-              </a:rPr>
-              <a:t>    </a:t>
-            </a:r>
-            <a:r>
-              <a:rPr lang="pl-PL" sz="2800" dirty="0" err="1">
-                <a:solidFill>
-                  <a:schemeClr val="bg1"/>
-                </a:solidFill>
-              </a:rPr>
-              <a:t>method</a:t>
-            </a:r>
-            <a:r>
-              <a:rPr lang="pl-PL" sz="2800" dirty="0">
-                <a:solidFill>
-                  <a:schemeClr val="bg1"/>
-                </a:solidFill>
-              </a:rPr>
-              <a:t>: "</a:t>
-            </a:r>
-            <a:r>
-              <a:rPr lang="pl-PL" sz="2800" dirty="0" err="1">
-                <a:solidFill>
-                  <a:schemeClr val="bg1"/>
-                </a:solidFill>
-              </a:rPr>
-              <a:t>get</a:t>
-            </a:r>
-            <a:r>
-              <a:rPr lang="pl-PL" sz="2800" dirty="0">
-                <a:solidFill>
-                  <a:schemeClr val="bg1"/>
-                </a:solidFill>
-              </a:rPr>
-              <a:t>",</a:t>
-            </a:r>
-            <a:br>
-              <a:rPr lang="pl-PL" sz="2800" dirty="0">
-                <a:solidFill>
-                  <a:schemeClr val="bg1"/>
-                </a:solidFill>
-              </a:rPr>
-            </a:br>
-            <a:r>
-              <a:rPr lang="pl-PL" sz="2800" dirty="0">
-                <a:solidFill>
-                  <a:schemeClr val="bg1"/>
-                </a:solidFill>
-              </a:rPr>
-              <a:t>    </a:t>
-            </a:r>
-            <a:r>
-              <a:rPr lang="pl-PL" sz="2800" dirty="0" err="1">
-                <a:solidFill>
-                  <a:schemeClr val="bg1"/>
-                </a:solidFill>
-              </a:rPr>
-              <a:t>dataType</a:t>
-            </a:r>
-            <a:r>
-              <a:rPr lang="pl-PL" sz="2800" dirty="0">
-                <a:solidFill>
-                  <a:schemeClr val="bg1"/>
-                </a:solidFill>
-              </a:rPr>
-              <a:t>: "</a:t>
-            </a:r>
-            <a:r>
-              <a:rPr lang="pl-PL" sz="2800" dirty="0" err="1">
-                <a:solidFill>
-                  <a:schemeClr val="bg1"/>
-                </a:solidFill>
-              </a:rPr>
-              <a:t>json</a:t>
-            </a:r>
-            <a:r>
-              <a:rPr lang="pl-PL" sz="2800" dirty="0">
-                <a:solidFill>
-                  <a:schemeClr val="bg1"/>
-                </a:solidFill>
-              </a:rPr>
-              <a:t>",</a:t>
-            </a:r>
-            <a:br>
-              <a:rPr lang="pl-PL" sz="2800" dirty="0">
-                <a:solidFill>
-                  <a:schemeClr val="bg1"/>
-                </a:solidFill>
-              </a:rPr>
-            </a:br>
-            <a:r>
-              <a:rPr lang="pl-PL" sz="2800" dirty="0">
-                <a:solidFill>
-                  <a:schemeClr val="bg1"/>
-                </a:solidFill>
-              </a:rPr>
-              <a:t>    </a:t>
-            </a:r>
-            <a:r>
-              <a:rPr lang="pl-PL" sz="2800" dirty="0" err="1">
-                <a:solidFill>
-                  <a:schemeClr val="bg1"/>
-                </a:solidFill>
-              </a:rPr>
-              <a:t>success</a:t>
-            </a:r>
-            <a:r>
-              <a:rPr lang="pl-PL" sz="2800" dirty="0">
-                <a:solidFill>
-                  <a:schemeClr val="bg1"/>
-                </a:solidFill>
-              </a:rPr>
-              <a:t>: </a:t>
-            </a:r>
-            <a:r>
-              <a:rPr lang="pl-PL" sz="2800" dirty="0" err="1">
+              <a:rPr lang="pl-PL" dirty="0">
+                <a:solidFill>
+                  <a:schemeClr val="bg1"/>
+                </a:solidFill>
+              </a:rPr>
+              <a:t>$("a").on("</a:t>
+            </a:r>
+            <a:r>
+              <a:rPr lang="pl-PL" dirty="0" err="1">
+                <a:solidFill>
+                  <a:schemeClr val="bg1"/>
+                </a:solidFill>
+              </a:rPr>
+              <a:t>click</a:t>
+            </a:r>
+            <a:r>
+              <a:rPr lang="pl-PL" dirty="0">
+                <a:solidFill>
+                  <a:schemeClr val="bg1"/>
+                </a:solidFill>
+              </a:rPr>
+              <a:t>", </a:t>
+            </a:r>
+            <a:r>
+              <a:rPr lang="pl-PL" dirty="0" err="1">
                 <a:solidFill>
                   <a:schemeClr val="bg1"/>
                 </a:solidFill>
@@ -6454,60 +7355,76 @@
               <a:t>function</a:t>
             </a:r>
             <a:r>
-              <a:rPr lang="pl-PL" sz="2800" dirty="0">
-                <a:solidFill>
-                  <a:schemeClr val="bg1"/>
-                </a:solidFill>
-              </a:rPr>
-              <a:t> () {},</a:t>
-            </a:r>
-            <a:br>
-              <a:rPr lang="pl-PL" sz="2800" dirty="0">
-                <a:solidFill>
-                  <a:schemeClr val="bg1"/>
-                </a:solidFill>
-              </a:rPr>
-            </a:br>
-            <a:r>
-              <a:rPr lang="pl-PL" sz="2800" dirty="0">
-                <a:solidFill>
-                  <a:schemeClr val="bg1"/>
-                </a:solidFill>
-              </a:rPr>
-              <a:t>    error: </a:t>
-            </a:r>
-            <a:r>
-              <a:rPr lang="pl-PL" sz="2800" dirty="0" err="1">
-                <a:solidFill>
-                  <a:schemeClr val="bg1"/>
-                </a:solidFill>
-              </a:rPr>
-              <a:t>function</a:t>
-            </a:r>
-            <a:r>
-              <a:rPr lang="pl-PL" sz="2800" dirty="0">
-                <a:solidFill>
-                  <a:schemeClr val="bg1"/>
-                </a:solidFill>
-              </a:rPr>
-              <a:t> () {}</a:t>
-            </a:r>
-            <a:br>
-              <a:rPr lang="pl-PL" sz="2800" dirty="0">
-                <a:solidFill>
-                  <a:schemeClr val="bg1"/>
-                </a:solidFill>
-              </a:rPr>
-            </a:br>
-            <a:r>
-              <a:rPr lang="pl-PL" sz="2800" dirty="0">
+              <a:rPr lang="pl-PL" dirty="0">
+                <a:solidFill>
+                  <a:schemeClr val="bg1"/>
+                </a:solidFill>
+              </a:rPr>
+              <a:t> </a:t>
+            </a:r>
+            <a:r>
+              <a:rPr lang="pl-PL" dirty="0" smtClean="0">
+                <a:solidFill>
+                  <a:schemeClr val="bg1"/>
+                </a:solidFill>
+              </a:rPr>
+              <a:t>(event) {</a:t>
+            </a:r>
+            <a:br>
+              <a:rPr lang="pl-PL" dirty="0" smtClean="0">
+                <a:solidFill>
+                  <a:schemeClr val="bg1"/>
+                </a:solidFill>
+              </a:rPr>
+            </a:br>
+            <a:r>
+              <a:rPr lang="pl-PL" dirty="0">
+                <a:solidFill>
+                  <a:schemeClr val="bg1"/>
+                </a:solidFill>
+              </a:rPr>
+              <a:t>	 </a:t>
+            </a:r>
+            <a:r>
+              <a:rPr lang="pl-PL" dirty="0" err="1">
+                <a:solidFill>
+                  <a:schemeClr val="bg1"/>
+                </a:solidFill>
+              </a:rPr>
+              <a:t>event.preventDefault</a:t>
+            </a:r>
+            <a:r>
+              <a:rPr lang="pl-PL" dirty="0" smtClean="0">
+                <a:solidFill>
+                  <a:schemeClr val="bg1"/>
+                </a:solidFill>
+              </a:rPr>
+              <a:t>();</a:t>
+            </a:r>
+            <a:r>
+              <a:rPr lang="pl-PL" dirty="0">
+                <a:solidFill>
+                  <a:schemeClr val="bg1"/>
+                </a:solidFill>
+              </a:rPr>
+              <a:t/>
+            </a:r>
+            <a:br>
+              <a:rPr lang="pl-PL" dirty="0">
+                <a:solidFill>
+                  <a:schemeClr val="bg1"/>
+                </a:solidFill>
+              </a:rPr>
+            </a:br>
+            <a:r>
+              <a:rPr lang="pl-PL" dirty="0" smtClean="0">
                 <a:solidFill>
                   <a:schemeClr val="bg1"/>
                 </a:solidFill>
               </a:rPr>
               <a:t>});</a:t>
             </a:r>
-            <a:endParaRPr lang="pl-PL" sz="2800" dirty="0">
+            <a:endParaRPr lang="pl-PL" dirty="0">
               <a:solidFill>
                 <a:schemeClr val="bg1"/>
               </a:solidFill>
@@ -6518,7 +7435,7 @@
     </p:spTree>
     <p:extLst>
       <p:ext uri="{BB962C8B-B14F-4D97-AF65-F5344CB8AC3E}">
-        <p14:creationId xmlns:p14="http://schemas.microsoft.com/office/powerpoint/2010/main" val="2657916412"/>
+        <p14:creationId xmlns:p14="http://schemas.microsoft.com/office/powerpoint/2010/main" val="608088821"/>
       </p:ext>
     </p:extLst>
   </p:cSld>
@@ -6532,6 +7449,313 @@
 </file>
 
 <file path=ppt/slides/slide17.xml><?xml version="1.0" encoding="utf-8"?>
+<p:sld xmlns:a="http://schemas.openxmlformats.org/drawingml/2006/main" xmlns:r="http://schemas.openxmlformats.org/officeDocument/2006/relationships" xmlns:p="http://schemas.openxmlformats.org/presentationml/2006/main">
+  <p:cSld>
+    <p:bg>
+      <p:bgPr>
+        <a:solidFill>
+          <a:schemeClr val="accent4">
+            <a:lumMod val="75000"/>
+          </a:schemeClr>
+        </a:solidFill>
+        <a:effectLst/>
+      </p:bgPr>
+    </p:bg>
+    <p:spTree>
+      <p:nvGrpSpPr>
+        <p:cNvPr id="1" name="Shape 40"/>
+        <p:cNvGrpSpPr/>
+        <p:nvPr/>
+      </p:nvGrpSpPr>
+      <p:grpSpPr>
+        <a:xfrm>
+          <a:off x="0" y="0"/>
+          <a:ext cx="0" cy="0"/>
+          <a:chOff x="0" y="0"/>
+          <a:chExt cx="0" cy="0"/>
+        </a:xfrm>
+      </p:grpSpPr>
+      <p:sp>
+        <p:nvSpPr>
+          <p:cNvPr id="4" name="Tytuł 3"/>
+          <p:cNvSpPr>
+            <a:spLocks noGrp="1"/>
+          </p:cNvSpPr>
+          <p:nvPr>
+            <p:ph type="title"/>
+          </p:nvPr>
+        </p:nvSpPr>
+        <p:spPr>
+          <a:xfrm>
+            <a:off x="457200" y="205978"/>
+            <a:ext cx="8229600" cy="4742036"/>
+          </a:xfrm>
+        </p:spPr>
+        <p:txBody>
+          <a:bodyPr anchor="ctr"/>
+          <a:lstStyle/>
+          <a:p>
+            <a:r>
+              <a:rPr lang="pl-PL" sz="1800" dirty="0" smtClean="0">
+                <a:solidFill>
+                  <a:schemeClr val="bg1"/>
+                </a:solidFill>
+              </a:rPr>
+              <a:t>Zadanie 3</a:t>
+            </a:r>
+            <a:br>
+              <a:rPr lang="pl-PL" sz="1800" dirty="0" smtClean="0">
+                <a:solidFill>
+                  <a:schemeClr val="bg1"/>
+                </a:solidFill>
+              </a:rPr>
+            </a:br>
+            <a:r>
+              <a:rPr lang="pl-PL" sz="1800" dirty="0">
+                <a:solidFill>
+                  <a:schemeClr val="bg1"/>
+                </a:solidFill>
+              </a:rPr>
+              <a:t/>
+            </a:r>
+            <a:br>
+              <a:rPr lang="pl-PL" sz="1800" dirty="0">
+                <a:solidFill>
+                  <a:schemeClr val="bg1"/>
+                </a:solidFill>
+              </a:rPr>
+            </a:br>
+            <a:r>
+              <a:rPr lang="pl-PL" sz="1800" dirty="0">
+                <a:solidFill>
+                  <a:schemeClr val="bg1"/>
+                </a:solidFill>
+              </a:rPr>
+              <a:t>1. Dodaj kod HTML formularza do strony.</a:t>
+            </a:r>
+            <a:br>
+              <a:rPr lang="pl-PL" sz="1800" dirty="0">
+                <a:solidFill>
+                  <a:schemeClr val="bg1"/>
+                </a:solidFill>
+              </a:rPr>
+            </a:br>
+            <a:r>
+              <a:rPr lang="pl-PL" sz="1800" dirty="0" smtClean="0">
+                <a:solidFill>
+                  <a:schemeClr val="bg1"/>
+                </a:solidFill>
+              </a:rPr>
+              <a:t/>
+            </a:r>
+            <a:br>
+              <a:rPr lang="pl-PL" sz="1800" dirty="0" smtClean="0">
+                <a:solidFill>
+                  <a:schemeClr val="bg1"/>
+                </a:solidFill>
+              </a:rPr>
+            </a:br>
+            <a:r>
+              <a:rPr lang="pl-PL" sz="1800" dirty="0" smtClean="0">
+                <a:solidFill>
+                  <a:schemeClr val="bg1"/>
+                </a:solidFill>
+              </a:rPr>
+              <a:t>2</a:t>
+            </a:r>
+            <a:r>
+              <a:rPr lang="pl-PL" sz="1800" dirty="0">
+                <a:solidFill>
+                  <a:schemeClr val="bg1"/>
+                </a:solidFill>
+              </a:rPr>
+              <a:t>. Dodaj kolejne zmienne i przypisz do nich obiekty </a:t>
+            </a:r>
+            <a:r>
+              <a:rPr lang="pl-PL" sz="1800" dirty="0" err="1">
+                <a:solidFill>
+                  <a:schemeClr val="bg1"/>
+                </a:solidFill>
+              </a:rPr>
+              <a:t>jQuery</a:t>
+            </a:r>
+            <a:r>
+              <a:rPr lang="pl-PL" sz="1800" dirty="0">
+                <a:solidFill>
+                  <a:schemeClr val="bg1"/>
+                </a:solidFill>
+              </a:rPr>
+              <a:t> reprezentujące cały formularz, poszczególne jego pola i przycisk dodawania.</a:t>
+            </a:r>
+            <a:br>
+              <a:rPr lang="pl-PL" sz="1800" dirty="0">
+                <a:solidFill>
+                  <a:schemeClr val="bg1"/>
+                </a:solidFill>
+              </a:rPr>
+            </a:br>
+            <a:r>
+              <a:rPr lang="pl-PL" sz="1800" dirty="0" smtClean="0">
+                <a:solidFill>
+                  <a:schemeClr val="bg1"/>
+                </a:solidFill>
+              </a:rPr>
+              <a:t/>
+            </a:r>
+            <a:br>
+              <a:rPr lang="pl-PL" sz="1800" dirty="0" smtClean="0">
+                <a:solidFill>
+                  <a:schemeClr val="bg1"/>
+                </a:solidFill>
+              </a:rPr>
+            </a:br>
+            <a:r>
+              <a:rPr lang="pl-PL" sz="1800" dirty="0" smtClean="0">
+                <a:solidFill>
+                  <a:schemeClr val="bg1"/>
+                </a:solidFill>
+              </a:rPr>
+              <a:t>3</a:t>
+            </a:r>
+            <a:r>
+              <a:rPr lang="pl-PL" sz="1800" dirty="0">
+                <a:solidFill>
+                  <a:schemeClr val="bg1"/>
+                </a:solidFill>
+              </a:rPr>
+              <a:t>. Dodaj obsługę zdarzenia przyciśnięcia przycisku i wypisz na </a:t>
+            </a:r>
+            <a:r>
+              <a:rPr lang="pl-PL" sz="1800" dirty="0" smtClean="0">
+                <a:solidFill>
+                  <a:schemeClr val="bg1"/>
+                </a:solidFill>
+              </a:rPr>
+              <a:t>konsolę </a:t>
+            </a:r>
+            <a:r>
+              <a:rPr lang="pl-PL" sz="1800" dirty="0">
+                <a:solidFill>
+                  <a:schemeClr val="bg1"/>
+                </a:solidFill>
+              </a:rPr>
+              <a:t>komunikat "Klik!"</a:t>
+            </a:r>
+            <a:br>
+              <a:rPr lang="pl-PL" sz="1800" dirty="0">
+                <a:solidFill>
+                  <a:schemeClr val="bg1"/>
+                </a:solidFill>
+              </a:rPr>
+            </a:br>
+            <a:r>
+              <a:rPr lang="pl-PL" sz="1800" dirty="0" smtClean="0">
+                <a:solidFill>
+                  <a:schemeClr val="bg1"/>
+                </a:solidFill>
+              </a:rPr>
+              <a:t/>
+            </a:r>
+            <a:br>
+              <a:rPr lang="pl-PL" sz="1800" dirty="0" smtClean="0">
+                <a:solidFill>
+                  <a:schemeClr val="bg1"/>
+                </a:solidFill>
+              </a:rPr>
+            </a:br>
+            <a:r>
+              <a:rPr lang="pl-PL" sz="1800" dirty="0" smtClean="0">
+                <a:solidFill>
+                  <a:schemeClr val="bg1"/>
+                </a:solidFill>
+              </a:rPr>
+              <a:t>4</a:t>
+            </a:r>
+            <a:r>
+              <a:rPr lang="pl-PL" sz="1800" dirty="0">
+                <a:solidFill>
+                  <a:schemeClr val="bg1"/>
+                </a:solidFill>
+              </a:rPr>
+              <a:t>. Dodaj funkcję, która pozwoli na pobranie danych z formularza i wstawienie ich jako nowy komentarz do listy.</a:t>
+            </a:r>
+            <a:br>
+              <a:rPr lang="pl-PL" sz="1800" dirty="0">
+                <a:solidFill>
+                  <a:schemeClr val="bg1"/>
+                </a:solidFill>
+              </a:rPr>
+            </a:br>
+            <a:r>
+              <a:rPr lang="pl-PL" sz="1800" dirty="0" smtClean="0">
+                <a:solidFill>
+                  <a:schemeClr val="bg1"/>
+                </a:solidFill>
+              </a:rPr>
+              <a:t/>
+            </a:r>
+            <a:br>
+              <a:rPr lang="pl-PL" sz="1800" dirty="0" smtClean="0">
+                <a:solidFill>
+                  <a:schemeClr val="bg1"/>
+                </a:solidFill>
+              </a:rPr>
+            </a:br>
+            <a:r>
+              <a:rPr lang="pl-PL" sz="1800" dirty="0" smtClean="0">
+                <a:solidFill>
+                  <a:schemeClr val="bg1"/>
+                </a:solidFill>
+              </a:rPr>
+              <a:t>5</a:t>
+            </a:r>
+            <a:r>
+              <a:rPr lang="pl-PL" sz="1800" dirty="0">
+                <a:solidFill>
+                  <a:schemeClr val="bg1"/>
+                </a:solidFill>
+              </a:rPr>
+              <a:t>. Dodaj obsługę zdarzenia wysłania formularza oraz wstawiania jego zawartości jako nowego komentarza do listy (nie zapomnij o wyczyszczeniu pól formularza).</a:t>
+            </a:r>
+            <a:br>
+              <a:rPr lang="pl-PL" sz="1800" dirty="0">
+                <a:solidFill>
+                  <a:schemeClr val="bg1"/>
+                </a:solidFill>
+              </a:rPr>
+            </a:br>
+            <a:endParaRPr lang="pl-PL" sz="1800" dirty="0">
+              <a:solidFill>
+                <a:schemeClr val="bg1"/>
+              </a:solidFill>
+            </a:endParaRPr>
+          </a:p>
+        </p:txBody>
+      </p:sp>
+    </p:spTree>
+    <p:extLst>
+      <p:ext uri="{BB962C8B-B14F-4D97-AF65-F5344CB8AC3E}">
+        <p14:creationId xmlns:p14="http://schemas.microsoft.com/office/powerpoint/2010/main" val="2500606467"/>
+      </p:ext>
+    </p:extLst>
+  </p:cSld>
+  <p:clrMapOvr>
+    <a:masterClrMapping/>
+  </p:clrMapOvr>
+  <p:transition spd="slow">
+    <p:cut/>
+  </p:transition>
+  <p:timing>
+    <p:tnLst>
+      <p:par>
+        <p:cTn id="1" dur="indefinite" restart="never" nodeType="tmRoot"/>
+      </p:par>
+    </p:tnLst>
+  </p:timing>
+</p:sld>
+</file>
+
+<file path=ppt/slides/slide18.xml><?xml version="1.0" encoding="utf-8"?>
 <p:sld xmlns:a="http://schemas.openxmlformats.org/drawingml/2006/main" xmlns:r="http://schemas.openxmlformats.org/officeDocument/2006/relationships" xmlns:p="http://schemas.openxmlformats.org/presentationml/2006/main">
   <p:cSld>
     <p:bg>
@@ -6577,116 +7801,185 @@
           <a:lstStyle/>
           <a:p>
             <a:r>
-              <a:rPr lang="pl-PL" sz="2800" dirty="0">
-                <a:solidFill>
-                  <a:schemeClr val="bg1"/>
-                </a:solidFill>
-              </a:rPr>
-              <a:t>$.</a:t>
-            </a:r>
-            <a:r>
-              <a:rPr lang="pl-PL" sz="2800" dirty="0" err="1">
-                <a:solidFill>
-                  <a:schemeClr val="bg1"/>
-                </a:solidFill>
-              </a:rPr>
-              <a:t>ajax</a:t>
-            </a:r>
-            <a:r>
-              <a:rPr lang="pl-PL" sz="2800" dirty="0">
-                <a:solidFill>
-                  <a:schemeClr val="bg1"/>
-                </a:solidFill>
-              </a:rPr>
-              <a:t>({</a:t>
-            </a:r>
-            <a:br>
-              <a:rPr lang="pl-PL" sz="2800" dirty="0">
-                <a:solidFill>
-                  <a:schemeClr val="bg1"/>
-                </a:solidFill>
-              </a:rPr>
-            </a:br>
-            <a:r>
-              <a:rPr lang="pl-PL" sz="2800" dirty="0">
-                <a:solidFill>
-                  <a:schemeClr val="bg1"/>
-                </a:solidFill>
-              </a:rPr>
-              <a:t>    url: "http://google.com",</a:t>
-            </a:r>
-            <a:br>
-              <a:rPr lang="pl-PL" sz="2800" dirty="0">
-                <a:solidFill>
-                  <a:schemeClr val="bg1"/>
-                </a:solidFill>
-              </a:rPr>
-            </a:br>
-            <a:r>
-              <a:rPr lang="pl-PL" sz="2800" dirty="0">
-                <a:solidFill>
-                  <a:schemeClr val="bg1"/>
-                </a:solidFill>
-              </a:rPr>
-              <a:t>    </a:t>
-            </a:r>
-            <a:r>
-              <a:rPr lang="pl-PL" sz="2800" dirty="0" err="1">
-                <a:solidFill>
-                  <a:schemeClr val="bg1"/>
-                </a:solidFill>
-              </a:rPr>
-              <a:t>method</a:t>
-            </a:r>
-            <a:r>
-              <a:rPr lang="pl-PL" sz="2800" dirty="0">
-                <a:solidFill>
-                  <a:schemeClr val="bg1"/>
-                </a:solidFill>
-              </a:rPr>
-              <a:t>: "post",</a:t>
-            </a:r>
-            <a:br>
-              <a:rPr lang="pl-PL" sz="2800" dirty="0">
-                <a:solidFill>
-                  <a:schemeClr val="bg1"/>
-                </a:solidFill>
-              </a:rPr>
-            </a:br>
-            <a:r>
-              <a:rPr lang="pl-PL" sz="2800" dirty="0">
-                <a:solidFill>
-                  <a:schemeClr val="bg1"/>
-                </a:solidFill>
-              </a:rPr>
-              <a:t>    </a:t>
-            </a:r>
-            <a:r>
-              <a:rPr lang="pl-PL" sz="2800" dirty="0" err="1">
-                <a:solidFill>
-                  <a:schemeClr val="bg1"/>
-                </a:solidFill>
-              </a:rPr>
-              <a:t>dataType</a:t>
-            </a:r>
-            <a:r>
-              <a:rPr lang="pl-PL" sz="2800" dirty="0">
-                <a:solidFill>
-                  <a:schemeClr val="bg1"/>
-                </a:solidFill>
-              </a:rPr>
-              <a:t>: "</a:t>
-            </a:r>
-            <a:r>
-              <a:rPr lang="pl-PL" sz="2800" dirty="0" err="1">
-                <a:solidFill>
-                  <a:schemeClr val="bg1"/>
-                </a:solidFill>
-              </a:rPr>
-              <a:t>json</a:t>
-            </a:r>
-            <a:r>
-              <a:rPr lang="pl-PL" sz="2800" dirty="0">
+              <a:rPr lang="pl-PL" dirty="0">
+                <a:solidFill>
+                  <a:schemeClr val="bg1"/>
+                </a:solidFill>
+              </a:rPr>
+              <a:t>JSON</a:t>
+            </a:r>
+            <a:br>
+              <a:rPr lang="pl-PL" dirty="0">
+                <a:solidFill>
+                  <a:schemeClr val="bg1"/>
+                </a:solidFill>
+              </a:rPr>
+            </a:br>
+            <a:r>
+              <a:rPr lang="pl-PL" sz="2000" dirty="0">
+                <a:solidFill>
+                  <a:schemeClr val="accent3">
+                    <a:lumMod val="50000"/>
+                  </a:schemeClr>
+                </a:solidFill>
+              </a:rPr>
+              <a:t>JavaScript Object </a:t>
+            </a:r>
+            <a:r>
+              <a:rPr lang="pl-PL" sz="2000" dirty="0" err="1">
+                <a:solidFill>
+                  <a:schemeClr val="accent3">
+                    <a:lumMod val="50000"/>
+                  </a:schemeClr>
+                </a:solidFill>
+              </a:rPr>
+              <a:t>Notation</a:t>
+            </a:r>
+            <a:r>
+              <a:rPr lang="pl-PL" sz="2000" dirty="0">
+                <a:solidFill>
+                  <a:schemeClr val="accent3">
+                    <a:lumMod val="50000"/>
+                  </a:schemeClr>
+                </a:solidFill>
+              </a:rPr>
+              <a:t/>
+            </a:r>
+            <a:br>
+              <a:rPr lang="pl-PL" sz="2000" dirty="0">
+                <a:solidFill>
+                  <a:schemeClr val="accent3">
+                    <a:lumMod val="50000"/>
+                  </a:schemeClr>
+                </a:solidFill>
+              </a:rPr>
+            </a:br>
+            <a:r>
+              <a:rPr lang="pl-PL" dirty="0">
+                <a:solidFill>
+                  <a:schemeClr val="bg1"/>
+                </a:solidFill>
+              </a:rPr>
+              <a:t/>
+            </a:r>
+            <a:br>
+              <a:rPr lang="pl-PL" dirty="0">
+                <a:solidFill>
+                  <a:schemeClr val="bg1"/>
+                </a:solidFill>
+              </a:rPr>
+            </a:br>
+            <a:r>
+              <a:rPr lang="pl-PL" sz="1600" dirty="0">
+                <a:solidFill>
+                  <a:schemeClr val="bg1"/>
+                </a:solidFill>
+              </a:rPr>
+              <a:t>{</a:t>
+            </a:r>
+            <a:br>
+              <a:rPr lang="pl-PL" sz="1600" dirty="0">
+                <a:solidFill>
+                  <a:schemeClr val="bg1"/>
+                </a:solidFill>
+              </a:rPr>
+            </a:br>
+            <a:r>
+              <a:rPr lang="pl-PL" sz="1600" dirty="0">
+                <a:solidFill>
+                  <a:schemeClr val="bg1"/>
+                </a:solidFill>
+              </a:rPr>
+              <a:t>    "</a:t>
+            </a:r>
+            <a:r>
+              <a:rPr lang="pl-PL" sz="1600" dirty="0" err="1">
+                <a:solidFill>
+                  <a:schemeClr val="bg1"/>
+                </a:solidFill>
+              </a:rPr>
+              <a:t>name</a:t>
+            </a:r>
+            <a:r>
+              <a:rPr lang="pl-PL" sz="1600" dirty="0">
+                <a:solidFill>
+                  <a:schemeClr val="bg1"/>
+                </a:solidFill>
+              </a:rPr>
+              <a:t>" : "Jan Kowalski",</a:t>
+            </a:r>
+            <a:br>
+              <a:rPr lang="pl-PL" sz="1600" dirty="0">
+                <a:solidFill>
+                  <a:schemeClr val="bg1"/>
+                </a:solidFill>
+              </a:rPr>
+            </a:br>
+            <a:r>
+              <a:rPr lang="pl-PL" sz="1600" dirty="0">
+                <a:solidFill>
+                  <a:schemeClr val="bg1"/>
+                </a:solidFill>
+              </a:rPr>
+              <a:t>    "</a:t>
+            </a:r>
+            <a:r>
+              <a:rPr lang="pl-PL" sz="1600" dirty="0" err="1">
+                <a:solidFill>
+                  <a:schemeClr val="bg1"/>
+                </a:solidFill>
+              </a:rPr>
+              <a:t>address</a:t>
+            </a:r>
+            <a:r>
+              <a:rPr lang="pl-PL" sz="1600" dirty="0">
+                <a:solidFill>
+                  <a:schemeClr val="bg1"/>
+                </a:solidFill>
+              </a:rPr>
+              <a:t>" : {</a:t>
+            </a:r>
+            <a:br>
+              <a:rPr lang="pl-PL" sz="1600" dirty="0">
+                <a:solidFill>
+                  <a:schemeClr val="bg1"/>
+                </a:solidFill>
+              </a:rPr>
+            </a:br>
+            <a:r>
+              <a:rPr lang="pl-PL" sz="1600" dirty="0">
+                <a:solidFill>
+                  <a:schemeClr val="bg1"/>
+                </a:solidFill>
+              </a:rPr>
+              <a:t>        "</a:t>
+            </a:r>
+            <a:r>
+              <a:rPr lang="pl-PL" sz="1600" dirty="0" err="1">
+                <a:solidFill>
+                  <a:schemeClr val="bg1"/>
+                </a:solidFill>
+              </a:rPr>
+              <a:t>street</a:t>
+            </a:r>
+            <a:r>
+              <a:rPr lang="pl-PL" sz="1600" dirty="0">
+                <a:solidFill>
+                  <a:schemeClr val="bg1"/>
+                </a:solidFill>
+              </a:rPr>
+              <a:t>" : "</a:t>
+            </a:r>
+            <a:r>
+              <a:rPr lang="pl-PL" sz="1600" dirty="0" err="1">
+                <a:solidFill>
+                  <a:schemeClr val="bg1"/>
+                </a:solidFill>
+              </a:rPr>
+              <a:t>Dluga</a:t>
+            </a:r>
+            <a:r>
+              <a:rPr lang="pl-PL" sz="1600" dirty="0">
                 <a:solidFill>
                   <a:schemeClr val="bg1"/>
                 </a:solidFill>
@@ -6694,29 +7987,14 @@
               <a:t>",</a:t>
             </a:r>
             <a:br>
-              <a:rPr lang="pl-PL" sz="2800" dirty="0">
-                <a:solidFill>
-                  <a:schemeClr val="bg1"/>
-                </a:solidFill>
-              </a:rPr>
-            </a:br>
-            <a:r>
-              <a:rPr lang="pl-PL" sz="2800" dirty="0">
-                <a:solidFill>
-                  <a:schemeClr val="bg1"/>
-                </a:solidFill>
-              </a:rPr>
-              <a:t>    data: {</a:t>
-            </a:r>
-            <a:br>
-              <a:rPr lang="pl-PL" sz="2800" dirty="0">
-                <a:solidFill>
-                  <a:schemeClr val="bg1"/>
-                </a:solidFill>
-              </a:rPr>
-            </a:br>
-            <a:r>
-              <a:rPr lang="pl-PL" sz="2800" dirty="0">
+              <a:rPr lang="pl-PL" sz="1600" dirty="0">
+                <a:solidFill>
+                  <a:schemeClr val="bg1"/>
+                </a:solidFill>
+              </a:rPr>
+            </a:br>
+            <a:r>
+              <a:rPr lang="pl-PL" sz="1600" dirty="0">
                 <a:solidFill>
                   <a:schemeClr val="bg1"/>
                 </a:solidFill>
@@ -6724,30 +8002,46 @@
               <a:t>        "</a:t>
             </a:r>
             <a:r>
-              <a:rPr lang="pl-PL" sz="2800" dirty="0" err="1">
-                <a:solidFill>
-                  <a:schemeClr val="bg1"/>
-                </a:solidFill>
-              </a:rPr>
-              <a:t>name</a:t>
-            </a:r>
-            <a:r>
-              <a:rPr lang="pl-PL" sz="2800" dirty="0">
-                <a:solidFill>
-                  <a:schemeClr val="bg1"/>
-                </a:solidFill>
-              </a:rPr>
-              <a:t>" : "Jan Kowalski"</a:t>
-            </a:r>
-            <a:br>
-              <a:rPr lang="pl-PL" sz="2800" dirty="0">
-                <a:solidFill>
-                  <a:schemeClr val="bg1"/>
-                </a:solidFill>
-              </a:rPr>
-            </a:br>
-            <a:r>
-              <a:rPr lang="pl-PL" sz="2800" dirty="0">
+              <a:rPr lang="pl-PL" sz="1600" dirty="0" err="1">
+                <a:solidFill>
+                  <a:schemeClr val="bg1"/>
+                </a:solidFill>
+              </a:rPr>
+              <a:t>city</a:t>
+            </a:r>
+            <a:r>
+              <a:rPr lang="pl-PL" sz="1600" dirty="0">
+                <a:solidFill>
+                  <a:schemeClr val="bg1"/>
+                </a:solidFill>
+              </a:rPr>
+              <a:t>" : "</a:t>
+            </a:r>
+            <a:r>
+              <a:rPr lang="pl-PL" sz="1600" dirty="0" err="1">
+                <a:solidFill>
+                  <a:schemeClr val="bg1"/>
+                </a:solidFill>
+              </a:rPr>
+              <a:t>Wroclaw</a:t>
+            </a:r>
+            <a:r>
+              <a:rPr lang="pl-PL" sz="1600" dirty="0">
+                <a:solidFill>
+                  <a:schemeClr val="bg1"/>
+                </a:solidFill>
+              </a:rPr>
+              <a:t>"</a:t>
+            </a:r>
+            <a:br>
+              <a:rPr lang="pl-PL" sz="1600" dirty="0">
+                <a:solidFill>
+                  <a:schemeClr val="bg1"/>
+                </a:solidFill>
+              </a:rPr>
+            </a:br>
+            <a:r>
+              <a:rPr lang="pl-PL" sz="1600" dirty="0">
                 <a:solidFill>
                   <a:schemeClr val="bg1"/>
                 </a:solidFill>
@@ -6755,110 +8049,58 @@
               <a:t>    },</a:t>
             </a:r>
             <a:br>
-              <a:rPr lang="pl-PL" sz="2800" dirty="0">
-                <a:solidFill>
-                  <a:schemeClr val="bg1"/>
-                </a:solidFill>
-              </a:rPr>
-            </a:br>
-            <a:r>
-              <a:rPr lang="pl-PL" sz="2800" dirty="0">
-                <a:solidFill>
-                  <a:schemeClr val="bg1"/>
-                </a:solidFill>
-              </a:rPr>
-              <a:t>    </a:t>
-            </a:r>
-            <a:r>
-              <a:rPr lang="pl-PL" sz="2800" dirty="0" err="1">
-                <a:solidFill>
-                  <a:schemeClr val="bg1"/>
-                </a:solidFill>
-              </a:rPr>
-              <a:t>success</a:t>
-            </a:r>
-            <a:r>
-              <a:rPr lang="pl-PL" sz="2800" dirty="0">
-                <a:solidFill>
-                  <a:schemeClr val="bg1"/>
-                </a:solidFill>
-              </a:rPr>
-              <a:t>: </a:t>
-            </a:r>
-            <a:r>
-              <a:rPr lang="pl-PL" sz="2800" dirty="0" err="1">
-                <a:solidFill>
-                  <a:schemeClr val="bg1"/>
-                </a:solidFill>
-              </a:rPr>
-              <a:t>function</a:t>
-            </a:r>
-            <a:r>
-              <a:rPr lang="pl-PL" sz="2800" dirty="0">
-                <a:solidFill>
-                  <a:schemeClr val="bg1"/>
-                </a:solidFill>
-              </a:rPr>
-              <a:t> () {},</a:t>
-            </a:r>
-            <a:br>
-              <a:rPr lang="pl-PL" sz="2800" dirty="0">
-                <a:solidFill>
-                  <a:schemeClr val="bg1"/>
-                </a:solidFill>
-              </a:rPr>
-            </a:br>
-            <a:r>
-              <a:rPr lang="pl-PL" sz="2800" dirty="0">
-                <a:solidFill>
-                  <a:schemeClr val="bg1"/>
-                </a:solidFill>
-              </a:rPr>
-              <a:t>    error: </a:t>
-            </a:r>
-            <a:r>
-              <a:rPr lang="pl-PL" sz="2800" dirty="0" err="1">
-                <a:solidFill>
-                  <a:schemeClr val="bg1"/>
-                </a:solidFill>
-              </a:rPr>
-              <a:t>function</a:t>
-            </a:r>
-            <a:r>
-              <a:rPr lang="pl-PL" sz="2800" dirty="0">
-                <a:solidFill>
-                  <a:schemeClr val="bg1"/>
-                </a:solidFill>
-              </a:rPr>
-              <a:t> () {}</a:t>
-            </a:r>
-            <a:br>
-              <a:rPr lang="pl-PL" sz="2800" dirty="0">
-                <a:solidFill>
-                  <a:schemeClr val="bg1"/>
-                </a:solidFill>
-              </a:rPr>
-            </a:br>
-            <a:r>
-              <a:rPr lang="pl-PL" sz="2800" dirty="0">
-                <a:solidFill>
-                  <a:schemeClr val="bg1"/>
-                </a:solidFill>
-              </a:rPr>
-              <a:t>});</a:t>
-            </a:r>
-            <a:endParaRPr lang="pl-PL" sz="2800" dirty="0">
-              <a:solidFill>
-                <a:schemeClr val="bg1"/>
-              </a:solidFill>
-            </a:endParaRPr>
+              <a:rPr lang="pl-PL" sz="1600" dirty="0">
+                <a:solidFill>
+                  <a:schemeClr val="bg1"/>
+                </a:solidFill>
+              </a:rPr>
+            </a:br>
+            <a:r>
+              <a:rPr lang="pl-PL" sz="1600" dirty="0">
+                <a:solidFill>
+                  <a:schemeClr val="bg1"/>
+                </a:solidFill>
+              </a:rPr>
+              <a:t>    "</a:t>
+            </a:r>
+            <a:r>
+              <a:rPr lang="pl-PL" sz="1600" dirty="0" err="1">
+                <a:solidFill>
+                  <a:schemeClr val="bg1"/>
+                </a:solidFill>
+              </a:rPr>
+              <a:t>children</a:t>
+            </a:r>
+            <a:r>
+              <a:rPr lang="pl-PL" sz="1600" dirty="0">
+                <a:solidFill>
+                  <a:schemeClr val="bg1"/>
+                </a:solidFill>
+              </a:rPr>
+              <a:t>" : ["Anna", "Kacper"]</a:t>
+            </a:r>
+            <a:br>
+              <a:rPr lang="pl-PL" sz="1600" dirty="0">
+                <a:solidFill>
+                  <a:schemeClr val="bg1"/>
+                </a:solidFill>
+              </a:rPr>
+            </a:br>
+            <a:r>
+              <a:rPr lang="pl-PL" sz="1600" dirty="0">
+                <a:solidFill>
+                  <a:schemeClr val="bg1"/>
+                </a:solidFill>
+              </a:rPr>
+              <a:t>}</a:t>
+            </a:r>
           </a:p>
         </p:txBody>
       </p:sp>
     </p:spTree>
     <p:extLst>
       <p:ext uri="{BB962C8B-B14F-4D97-AF65-F5344CB8AC3E}">
-        <p14:creationId xmlns:p14="http://schemas.microsoft.com/office/powerpoint/2010/main" val="3964131358"/>
+        <p14:creationId xmlns:p14="http://schemas.microsoft.com/office/powerpoint/2010/main" val="302060449"/>
       </p:ext>
     </p:extLst>
   </p:cSld>
@@ -6871,12 +8113,20 @@
 </p:sld>
 </file>
 
-<file path=ppt/slides/slide18.xml><?xml version="1.0" encoding="utf-8"?>
+<file path=ppt/slides/slide19.xml><?xml version="1.0" encoding="utf-8"?>
 <p:sld xmlns:a="http://schemas.openxmlformats.org/drawingml/2006/main" xmlns:r="http://schemas.openxmlformats.org/officeDocument/2006/relationships" xmlns:p="http://schemas.openxmlformats.org/presentationml/2006/main">
   <p:cSld>
+    <p:bg>
+      <p:bgPr>
+        <a:solidFill>
+          <a:srgbClr val="8BC34A"/>
+        </a:solidFill>
+        <a:effectLst/>
+      </p:bgPr>
+    </p:bg>
     <p:spTree>
       <p:nvGrpSpPr>
-        <p:cNvPr id="1" name="Shape 168"/>
+        <p:cNvPr id="1" name="Shape 40"/>
         <p:cNvGrpSpPr/>
         <p:nvPr/>
       </p:nvGrpSpPr>
@@ -6890,7 +8140,7 @@
       </p:grpSpPr>
       <p:sp>
         <p:nvSpPr>
-          <p:cNvPr id="2" name="Tytuł 1"/>
+          <p:cNvPr id="4" name="Tytuł 3"/>
           <p:cNvSpPr>
             <a:spLocks noGrp="1"/>
           </p:cNvSpPr>
@@ -6901,170 +8151,37 @@
         <p:spPr>
           <a:xfrm>
             <a:off x="457200" y="205978"/>
-            <a:ext cx="8229600" cy="4670028"/>
+            <a:ext cx="8229600" cy="4742036"/>
           </a:xfrm>
         </p:spPr>
         <p:txBody>
           <a:bodyPr anchor="ctr"/>
           <a:lstStyle/>
           <a:p>
-            <a:pPr>
-              <a:lnSpc>
-                <a:spcPct val="150000"/>
-              </a:lnSpc>
-            </a:pPr>
-            <a:r>
-              <a:rPr lang="pl-PL" dirty="0"/>
-              <a:t>api.jquery.com</a:t>
-            </a:r>
-            <a:br>
-              <a:rPr lang="pl-PL" dirty="0"/>
-            </a:br>
-            <a:r>
-              <a:rPr lang="pl-PL" dirty="0"/>
-              <a:t>www.json.org/json-pl.html</a:t>
-            </a:r>
-            <a:br>
-              <a:rPr lang="pl-PL" dirty="0"/>
-            </a:br>
-            <a:r>
-              <a:rPr lang="pl-PL" dirty="0"/>
-              <a:t>pl.wikipedia.org/</a:t>
-            </a:r>
-            <a:r>
-              <a:rPr lang="pl-PL" dirty="0" err="1"/>
-              <a:t>wiki</a:t>
-            </a:r>
-            <a:r>
-              <a:rPr lang="pl-PL" dirty="0"/>
-              <a:t>/AJAX</a:t>
-            </a:r>
-          </a:p>
-        </p:txBody>
-      </p:sp>
-    </p:spTree>
-  </p:cSld>
-  <p:clrMapOvr>
-    <a:masterClrMapping/>
-  </p:clrMapOvr>
-  <p:transition spd="slow">
-    <p:cut/>
-  </p:transition>
-</p:sld>
-</file>
-
-<file path=ppt/slides/slide19.xml><?xml version="1.0" encoding="utf-8"?>
-<p:sld xmlns:a="http://schemas.openxmlformats.org/drawingml/2006/main" xmlns:r="http://schemas.openxmlformats.org/officeDocument/2006/relationships" xmlns:p="http://schemas.openxmlformats.org/presentationml/2006/main">
-  <p:cSld>
-    <p:spTree>
-      <p:nvGrpSpPr>
-        <p:cNvPr id="1" name="Shape 168"/>
-        <p:cNvGrpSpPr/>
-        <p:nvPr/>
-      </p:nvGrpSpPr>
-      <p:grpSpPr>
-        <a:xfrm>
-          <a:off x="0" y="0"/>
-          <a:ext cx="0" cy="0"/>
-          <a:chOff x="0" y="0"/>
-          <a:chExt cx="0" cy="0"/>
-        </a:xfrm>
-      </p:grpSpPr>
-      <p:sp>
-        <p:nvSpPr>
-          <p:cNvPr id="169" name="Shape 169"/>
-          <p:cNvSpPr txBox="1">
-            <a:spLocks noGrp="1"/>
-          </p:cNvSpPr>
-          <p:nvPr>
-            <p:ph type="ctrTitle"/>
-          </p:nvPr>
-        </p:nvSpPr>
-        <p:spPr>
-          <a:xfrm>
-            <a:off x="685800" y="1583342"/>
-            <a:ext cx="7772400" cy="1159799"/>
-          </a:xfrm>
-          <a:prstGeom prst="rect">
-            <a:avLst/>
-          </a:prstGeom>
-        </p:spPr>
-        <p:txBody>
-          <a:bodyPr lIns="91425" tIns="91425" rIns="91425" bIns="91425" anchor="b" anchorCtr="0">
-            <a:noAutofit/>
-          </a:bodyPr>
-          <a:lstStyle/>
-          <a:p>
-            <a:pPr>
-              <a:spcBef>
-                <a:spcPts val="0"/>
-              </a:spcBef>
-              <a:buNone/>
-            </a:pPr>
-            <a:r>
-              <a:rPr lang="pl-PL" dirty="0" smtClean="0"/>
-              <a:t>Dziękuję</a:t>
-            </a:r>
-            <a:endParaRPr lang="en" dirty="0"/>
-          </a:p>
-        </p:txBody>
-      </p:sp>
-      <p:sp>
-        <p:nvSpPr>
-          <p:cNvPr id="170" name="Shape 170"/>
-          <p:cNvSpPr txBox="1">
-            <a:spLocks noGrp="1"/>
-          </p:cNvSpPr>
-          <p:nvPr>
-            <p:ph type="subTitle" idx="1"/>
-          </p:nvPr>
-        </p:nvSpPr>
-        <p:spPr>
-          <a:xfrm>
-            <a:off x="685800" y="3909053"/>
-            <a:ext cx="7772400" cy="784799"/>
-          </a:xfrm>
-          <a:prstGeom prst="rect">
-            <a:avLst/>
-          </a:prstGeom>
-        </p:spPr>
-        <p:txBody>
-          <a:bodyPr lIns="91425" tIns="91425" rIns="91425" bIns="91425" anchor="t" anchorCtr="0">
-            <a:noAutofit/>
-          </a:bodyPr>
-          <a:lstStyle/>
-          <a:p>
-            <a:pPr lvl="0" algn="l" rtl="0">
-              <a:spcBef>
-                <a:spcPts val="0"/>
-              </a:spcBef>
-              <a:buClr>
-                <a:schemeClr val="dk1"/>
-              </a:buClr>
-              <a:buSzPct val="61111"/>
-              <a:buFont typeface="Arial"/>
-              <a:buNone/>
-            </a:pPr>
-            <a:r>
-              <a:rPr lang="en" sz="1800"/>
-              <a:t>Piotr Czajkowski</a:t>
-            </a:r>
-          </a:p>
-          <a:p>
-            <a:pPr lvl="0" algn="l">
-              <a:spcBef>
-                <a:spcPts val="0"/>
-              </a:spcBef>
-              <a:buClr>
-                <a:schemeClr val="dk1"/>
-              </a:buClr>
-              <a:buSzPct val="61111"/>
-              <a:buFont typeface="Arial"/>
-              <a:buNone/>
-            </a:pPr>
-            <a:r>
-              <a:rPr lang="en" sz="1800"/>
-              <a:t>piotr.czajkowski@blstream.com</a:t>
+            <a:pPr algn="ctr"/>
+            <a:r>
+              <a:rPr lang="pl-PL" dirty="0">
+                <a:solidFill>
+                  <a:schemeClr val="bg1"/>
+                </a:solidFill>
+              </a:rPr>
+              <a:t>$.</a:t>
+            </a:r>
+            <a:r>
+              <a:rPr lang="pl-PL" dirty="0" err="1">
+                <a:solidFill>
+                  <a:schemeClr val="bg1"/>
+                </a:solidFill>
+              </a:rPr>
+              <a:t>ajax</a:t>
+            </a:r>
+            <a:r>
+              <a:rPr lang="pl-PL" dirty="0">
+                <a:solidFill>
+                  <a:schemeClr val="bg1"/>
+                </a:solidFill>
+              </a:rPr>
+              <a:t>()</a:t>
             </a:r>
           </a:p>
         </p:txBody>
@@ -7072,7 +8189,7 @@
     </p:spTree>
     <p:extLst>
       <p:ext uri="{BB962C8B-B14F-4D97-AF65-F5344CB8AC3E}">
-        <p14:creationId xmlns:p14="http://schemas.microsoft.com/office/powerpoint/2010/main" val="3881457513"/>
+        <p14:creationId xmlns:p14="http://schemas.microsoft.com/office/powerpoint/2010/main" val="1445019187"/>
       </p:ext>
     </p:extLst>
   </p:cSld>
@@ -7154,10 +8271,17 @@
   <p:transition spd="slow">
     <p:cut/>
   </p:transition>
+  <p:timing>
+    <p:tnLst>
+      <p:par>
+        <p:cTn id="1" dur="indefinite" restart="never" nodeType="tmRoot"/>
+      </p:par>
+    </p:tnLst>
+  </p:timing>
 </p:sld>
 </file>
 
-<file path=ppt/slides/slide3.xml><?xml version="1.0" encoding="utf-8"?>
+<file path=ppt/slides/slide20.xml><?xml version="1.0" encoding="utf-8"?>
 <p:sld xmlns:a="http://schemas.openxmlformats.org/drawingml/2006/main" xmlns:r="http://schemas.openxmlformats.org/officeDocument/2006/relationships" xmlns:p="http://schemas.openxmlformats.org/presentationml/2006/main">
   <p:cSld>
     <p:bg>
@@ -7202,16 +8326,1296 @@
           <a:bodyPr anchor="ctr"/>
           <a:lstStyle/>
           <a:p>
-            <a:pPr algn="ctr"/>
-            <a:r>
-              <a:rPr lang="pl-PL" dirty="0">
-                <a:solidFill>
-                  <a:schemeClr val="bg1"/>
-                </a:solidFill>
-              </a:rPr>
-              <a:t>console.log("Hello!");</a:t>
-            </a:r>
-            <a:endParaRPr lang="pl-PL" dirty="0">
+            <a:r>
+              <a:rPr lang="pl-PL" sz="2800" dirty="0">
+                <a:solidFill>
+                  <a:schemeClr val="bg1"/>
+                </a:solidFill>
+              </a:rPr>
+              <a:t>$.</a:t>
+            </a:r>
+            <a:r>
+              <a:rPr lang="pl-PL" sz="2800" dirty="0" err="1">
+                <a:solidFill>
+                  <a:schemeClr val="bg1"/>
+                </a:solidFill>
+              </a:rPr>
+              <a:t>ajax</a:t>
+            </a:r>
+            <a:r>
+              <a:rPr lang="pl-PL" sz="2800" dirty="0">
+                <a:solidFill>
+                  <a:schemeClr val="bg1"/>
+                </a:solidFill>
+              </a:rPr>
+              <a:t>({</a:t>
+            </a:r>
+            <a:br>
+              <a:rPr lang="pl-PL" sz="2800" dirty="0">
+                <a:solidFill>
+                  <a:schemeClr val="bg1"/>
+                </a:solidFill>
+              </a:rPr>
+            </a:br>
+            <a:r>
+              <a:rPr lang="pl-PL" sz="2800" dirty="0">
+                <a:solidFill>
+                  <a:schemeClr val="bg1"/>
+                </a:solidFill>
+              </a:rPr>
+              <a:t>    url: "http://google.com",</a:t>
+            </a:r>
+            <a:br>
+              <a:rPr lang="pl-PL" sz="2800" dirty="0">
+                <a:solidFill>
+                  <a:schemeClr val="bg1"/>
+                </a:solidFill>
+              </a:rPr>
+            </a:br>
+            <a:r>
+              <a:rPr lang="pl-PL" sz="2800" dirty="0">
+                <a:solidFill>
+                  <a:schemeClr val="bg1"/>
+                </a:solidFill>
+              </a:rPr>
+              <a:t>    </a:t>
+            </a:r>
+            <a:r>
+              <a:rPr lang="pl-PL" sz="2800" dirty="0" err="1">
+                <a:solidFill>
+                  <a:schemeClr val="bg1"/>
+                </a:solidFill>
+              </a:rPr>
+              <a:t>method</a:t>
+            </a:r>
+            <a:r>
+              <a:rPr lang="pl-PL" sz="2800" dirty="0">
+                <a:solidFill>
+                  <a:schemeClr val="bg1"/>
+                </a:solidFill>
+              </a:rPr>
+              <a:t>: "</a:t>
+            </a:r>
+            <a:r>
+              <a:rPr lang="pl-PL" sz="2800" dirty="0" err="1">
+                <a:solidFill>
+                  <a:schemeClr val="bg1"/>
+                </a:solidFill>
+              </a:rPr>
+              <a:t>get</a:t>
+            </a:r>
+            <a:r>
+              <a:rPr lang="pl-PL" sz="2800" dirty="0">
+                <a:solidFill>
+                  <a:schemeClr val="bg1"/>
+                </a:solidFill>
+              </a:rPr>
+              <a:t>",</a:t>
+            </a:r>
+            <a:br>
+              <a:rPr lang="pl-PL" sz="2800" dirty="0">
+                <a:solidFill>
+                  <a:schemeClr val="bg1"/>
+                </a:solidFill>
+              </a:rPr>
+            </a:br>
+            <a:r>
+              <a:rPr lang="pl-PL" sz="2800" dirty="0">
+                <a:solidFill>
+                  <a:schemeClr val="bg1"/>
+                </a:solidFill>
+              </a:rPr>
+              <a:t>    </a:t>
+            </a:r>
+            <a:r>
+              <a:rPr lang="pl-PL" sz="2800" dirty="0" err="1">
+                <a:solidFill>
+                  <a:schemeClr val="bg1"/>
+                </a:solidFill>
+              </a:rPr>
+              <a:t>dataType</a:t>
+            </a:r>
+            <a:r>
+              <a:rPr lang="pl-PL" sz="2800" dirty="0">
+                <a:solidFill>
+                  <a:schemeClr val="bg1"/>
+                </a:solidFill>
+              </a:rPr>
+              <a:t>: "</a:t>
+            </a:r>
+            <a:r>
+              <a:rPr lang="pl-PL" sz="2800" dirty="0" err="1">
+                <a:solidFill>
+                  <a:schemeClr val="bg1"/>
+                </a:solidFill>
+              </a:rPr>
+              <a:t>json</a:t>
+            </a:r>
+            <a:r>
+              <a:rPr lang="pl-PL" sz="2800" dirty="0">
+                <a:solidFill>
+                  <a:schemeClr val="bg1"/>
+                </a:solidFill>
+              </a:rPr>
+              <a:t>",</a:t>
+            </a:r>
+            <a:br>
+              <a:rPr lang="pl-PL" sz="2800" dirty="0">
+                <a:solidFill>
+                  <a:schemeClr val="bg1"/>
+                </a:solidFill>
+              </a:rPr>
+            </a:br>
+            <a:r>
+              <a:rPr lang="pl-PL" sz="2800" dirty="0">
+                <a:solidFill>
+                  <a:schemeClr val="bg1"/>
+                </a:solidFill>
+              </a:rPr>
+              <a:t>    </a:t>
+            </a:r>
+            <a:r>
+              <a:rPr lang="pl-PL" sz="2800" dirty="0" err="1">
+                <a:solidFill>
+                  <a:schemeClr val="bg1"/>
+                </a:solidFill>
+              </a:rPr>
+              <a:t>success</a:t>
+            </a:r>
+            <a:r>
+              <a:rPr lang="pl-PL" sz="2800" dirty="0">
+                <a:solidFill>
+                  <a:schemeClr val="bg1"/>
+                </a:solidFill>
+              </a:rPr>
+              <a:t>: </a:t>
+            </a:r>
+            <a:r>
+              <a:rPr lang="pl-PL" sz="2800" dirty="0" err="1">
+                <a:solidFill>
+                  <a:schemeClr val="bg1"/>
+                </a:solidFill>
+              </a:rPr>
+              <a:t>function</a:t>
+            </a:r>
+            <a:r>
+              <a:rPr lang="pl-PL" sz="2800" dirty="0">
+                <a:solidFill>
+                  <a:schemeClr val="bg1"/>
+                </a:solidFill>
+              </a:rPr>
+              <a:t> () {},</a:t>
+            </a:r>
+            <a:br>
+              <a:rPr lang="pl-PL" sz="2800" dirty="0">
+                <a:solidFill>
+                  <a:schemeClr val="bg1"/>
+                </a:solidFill>
+              </a:rPr>
+            </a:br>
+            <a:r>
+              <a:rPr lang="pl-PL" sz="2800" dirty="0">
+                <a:solidFill>
+                  <a:schemeClr val="bg1"/>
+                </a:solidFill>
+              </a:rPr>
+              <a:t>    error: </a:t>
+            </a:r>
+            <a:r>
+              <a:rPr lang="pl-PL" sz="2800" dirty="0" err="1">
+                <a:solidFill>
+                  <a:schemeClr val="bg1"/>
+                </a:solidFill>
+              </a:rPr>
+              <a:t>function</a:t>
+            </a:r>
+            <a:r>
+              <a:rPr lang="pl-PL" sz="2800" dirty="0">
+                <a:solidFill>
+                  <a:schemeClr val="bg1"/>
+                </a:solidFill>
+              </a:rPr>
+              <a:t> () {}</a:t>
+            </a:r>
+            <a:br>
+              <a:rPr lang="pl-PL" sz="2800" dirty="0">
+                <a:solidFill>
+                  <a:schemeClr val="bg1"/>
+                </a:solidFill>
+              </a:rPr>
+            </a:br>
+            <a:r>
+              <a:rPr lang="pl-PL" sz="2800" dirty="0">
+                <a:solidFill>
+                  <a:schemeClr val="bg1"/>
+                </a:solidFill>
+              </a:rPr>
+              <a:t>});</a:t>
+            </a:r>
+          </a:p>
+        </p:txBody>
+      </p:sp>
+    </p:spTree>
+    <p:extLst>
+      <p:ext uri="{BB962C8B-B14F-4D97-AF65-F5344CB8AC3E}">
+        <p14:creationId xmlns:p14="http://schemas.microsoft.com/office/powerpoint/2010/main" val="2657916412"/>
+      </p:ext>
+    </p:extLst>
+  </p:cSld>
+  <p:clrMapOvr>
+    <a:masterClrMapping/>
+  </p:clrMapOvr>
+  <p:transition spd="slow">
+    <p:cut/>
+  </p:transition>
+</p:sld>
+</file>
+
+<file path=ppt/slides/slide21.xml><?xml version="1.0" encoding="utf-8"?>
+<p:sld xmlns:a="http://schemas.openxmlformats.org/drawingml/2006/main" xmlns:r="http://schemas.openxmlformats.org/officeDocument/2006/relationships" xmlns:p="http://schemas.openxmlformats.org/presentationml/2006/main">
+  <p:cSld>
+    <p:bg>
+      <p:bgPr>
+        <a:solidFill>
+          <a:srgbClr val="8BC34A"/>
+        </a:solidFill>
+        <a:effectLst/>
+      </p:bgPr>
+    </p:bg>
+    <p:spTree>
+      <p:nvGrpSpPr>
+        <p:cNvPr id="1" name="Shape 40"/>
+        <p:cNvGrpSpPr/>
+        <p:nvPr/>
+      </p:nvGrpSpPr>
+      <p:grpSpPr>
+        <a:xfrm>
+          <a:off x="0" y="0"/>
+          <a:ext cx="0" cy="0"/>
+          <a:chOff x="0" y="0"/>
+          <a:chExt cx="0" cy="0"/>
+        </a:xfrm>
+      </p:grpSpPr>
+      <p:sp>
+        <p:nvSpPr>
+          <p:cNvPr id="4" name="Tytuł 3"/>
+          <p:cNvSpPr>
+            <a:spLocks noGrp="1"/>
+          </p:cNvSpPr>
+          <p:nvPr>
+            <p:ph type="title"/>
+          </p:nvPr>
+        </p:nvSpPr>
+        <p:spPr>
+          <a:xfrm>
+            <a:off x="457200" y="205978"/>
+            <a:ext cx="8229600" cy="4742036"/>
+          </a:xfrm>
+        </p:spPr>
+        <p:txBody>
+          <a:bodyPr anchor="ctr"/>
+          <a:lstStyle/>
+          <a:p>
+            <a:r>
+              <a:rPr lang="pl-PL" sz="2800" dirty="0">
+                <a:solidFill>
+                  <a:schemeClr val="bg1"/>
+                </a:solidFill>
+              </a:rPr>
+              <a:t>$.</a:t>
+            </a:r>
+            <a:r>
+              <a:rPr lang="pl-PL" sz="2800" dirty="0" err="1">
+                <a:solidFill>
+                  <a:schemeClr val="bg1"/>
+                </a:solidFill>
+              </a:rPr>
+              <a:t>ajax</a:t>
+            </a:r>
+            <a:r>
+              <a:rPr lang="pl-PL" sz="2800" dirty="0">
+                <a:solidFill>
+                  <a:schemeClr val="bg1"/>
+                </a:solidFill>
+              </a:rPr>
+              <a:t>({</a:t>
+            </a:r>
+            <a:br>
+              <a:rPr lang="pl-PL" sz="2800" dirty="0">
+                <a:solidFill>
+                  <a:schemeClr val="bg1"/>
+                </a:solidFill>
+              </a:rPr>
+            </a:br>
+            <a:r>
+              <a:rPr lang="pl-PL" sz="2800" dirty="0">
+                <a:solidFill>
+                  <a:schemeClr val="bg1"/>
+                </a:solidFill>
+              </a:rPr>
+              <a:t>    url: "http://google.com",</a:t>
+            </a:r>
+            <a:br>
+              <a:rPr lang="pl-PL" sz="2800" dirty="0">
+                <a:solidFill>
+                  <a:schemeClr val="bg1"/>
+                </a:solidFill>
+              </a:rPr>
+            </a:br>
+            <a:r>
+              <a:rPr lang="pl-PL" sz="2800" dirty="0">
+                <a:solidFill>
+                  <a:schemeClr val="bg1"/>
+                </a:solidFill>
+              </a:rPr>
+              <a:t>    </a:t>
+            </a:r>
+            <a:r>
+              <a:rPr lang="pl-PL" sz="2800" dirty="0" err="1">
+                <a:solidFill>
+                  <a:schemeClr val="bg1"/>
+                </a:solidFill>
+              </a:rPr>
+              <a:t>method</a:t>
+            </a:r>
+            <a:r>
+              <a:rPr lang="pl-PL" sz="2800" dirty="0">
+                <a:solidFill>
+                  <a:schemeClr val="bg1"/>
+                </a:solidFill>
+              </a:rPr>
+              <a:t>: "post",</a:t>
+            </a:r>
+            <a:br>
+              <a:rPr lang="pl-PL" sz="2800" dirty="0">
+                <a:solidFill>
+                  <a:schemeClr val="bg1"/>
+                </a:solidFill>
+              </a:rPr>
+            </a:br>
+            <a:r>
+              <a:rPr lang="pl-PL" sz="2800" dirty="0">
+                <a:solidFill>
+                  <a:schemeClr val="bg1"/>
+                </a:solidFill>
+              </a:rPr>
+              <a:t>    </a:t>
+            </a:r>
+            <a:r>
+              <a:rPr lang="pl-PL" sz="2800" dirty="0" err="1">
+                <a:solidFill>
+                  <a:schemeClr val="bg1"/>
+                </a:solidFill>
+              </a:rPr>
+              <a:t>dataType</a:t>
+            </a:r>
+            <a:r>
+              <a:rPr lang="pl-PL" sz="2800" dirty="0">
+                <a:solidFill>
+                  <a:schemeClr val="bg1"/>
+                </a:solidFill>
+              </a:rPr>
+              <a:t>: "</a:t>
+            </a:r>
+            <a:r>
+              <a:rPr lang="pl-PL" sz="2800" dirty="0" err="1">
+                <a:solidFill>
+                  <a:schemeClr val="bg1"/>
+                </a:solidFill>
+              </a:rPr>
+              <a:t>json</a:t>
+            </a:r>
+            <a:r>
+              <a:rPr lang="pl-PL" sz="2800" dirty="0">
+                <a:solidFill>
+                  <a:schemeClr val="bg1"/>
+                </a:solidFill>
+              </a:rPr>
+              <a:t>",</a:t>
+            </a:r>
+            <a:br>
+              <a:rPr lang="pl-PL" sz="2800" dirty="0">
+                <a:solidFill>
+                  <a:schemeClr val="bg1"/>
+                </a:solidFill>
+              </a:rPr>
+            </a:br>
+            <a:r>
+              <a:rPr lang="pl-PL" sz="2800" dirty="0">
+                <a:solidFill>
+                  <a:schemeClr val="bg1"/>
+                </a:solidFill>
+              </a:rPr>
+              <a:t>    data: {</a:t>
+            </a:r>
+            <a:br>
+              <a:rPr lang="pl-PL" sz="2800" dirty="0">
+                <a:solidFill>
+                  <a:schemeClr val="bg1"/>
+                </a:solidFill>
+              </a:rPr>
+            </a:br>
+            <a:r>
+              <a:rPr lang="pl-PL" sz="2800" dirty="0">
+                <a:solidFill>
+                  <a:schemeClr val="bg1"/>
+                </a:solidFill>
+              </a:rPr>
+              <a:t>        "</a:t>
+            </a:r>
+            <a:r>
+              <a:rPr lang="pl-PL" sz="2800" dirty="0" err="1">
+                <a:solidFill>
+                  <a:schemeClr val="bg1"/>
+                </a:solidFill>
+              </a:rPr>
+              <a:t>name</a:t>
+            </a:r>
+            <a:r>
+              <a:rPr lang="pl-PL" sz="2800" dirty="0">
+                <a:solidFill>
+                  <a:schemeClr val="bg1"/>
+                </a:solidFill>
+              </a:rPr>
+              <a:t>" : "Jan Kowalski"</a:t>
+            </a:r>
+            <a:br>
+              <a:rPr lang="pl-PL" sz="2800" dirty="0">
+                <a:solidFill>
+                  <a:schemeClr val="bg1"/>
+                </a:solidFill>
+              </a:rPr>
+            </a:br>
+            <a:r>
+              <a:rPr lang="pl-PL" sz="2800" dirty="0">
+                <a:solidFill>
+                  <a:schemeClr val="bg1"/>
+                </a:solidFill>
+              </a:rPr>
+              <a:t>    },</a:t>
+            </a:r>
+            <a:br>
+              <a:rPr lang="pl-PL" sz="2800" dirty="0">
+                <a:solidFill>
+                  <a:schemeClr val="bg1"/>
+                </a:solidFill>
+              </a:rPr>
+            </a:br>
+            <a:r>
+              <a:rPr lang="pl-PL" sz="2800" dirty="0">
+                <a:solidFill>
+                  <a:schemeClr val="bg1"/>
+                </a:solidFill>
+              </a:rPr>
+              <a:t>    </a:t>
+            </a:r>
+            <a:r>
+              <a:rPr lang="pl-PL" sz="2800" dirty="0" err="1">
+                <a:solidFill>
+                  <a:schemeClr val="bg1"/>
+                </a:solidFill>
+              </a:rPr>
+              <a:t>success</a:t>
+            </a:r>
+            <a:r>
+              <a:rPr lang="pl-PL" sz="2800" dirty="0">
+                <a:solidFill>
+                  <a:schemeClr val="bg1"/>
+                </a:solidFill>
+              </a:rPr>
+              <a:t>: </a:t>
+            </a:r>
+            <a:r>
+              <a:rPr lang="pl-PL" sz="2800" dirty="0" err="1">
+                <a:solidFill>
+                  <a:schemeClr val="bg1"/>
+                </a:solidFill>
+              </a:rPr>
+              <a:t>function</a:t>
+            </a:r>
+            <a:r>
+              <a:rPr lang="pl-PL" sz="2800" dirty="0">
+                <a:solidFill>
+                  <a:schemeClr val="bg1"/>
+                </a:solidFill>
+              </a:rPr>
+              <a:t> () {},</a:t>
+            </a:r>
+            <a:br>
+              <a:rPr lang="pl-PL" sz="2800" dirty="0">
+                <a:solidFill>
+                  <a:schemeClr val="bg1"/>
+                </a:solidFill>
+              </a:rPr>
+            </a:br>
+            <a:r>
+              <a:rPr lang="pl-PL" sz="2800" dirty="0">
+                <a:solidFill>
+                  <a:schemeClr val="bg1"/>
+                </a:solidFill>
+              </a:rPr>
+              <a:t>    error: </a:t>
+            </a:r>
+            <a:r>
+              <a:rPr lang="pl-PL" sz="2800" dirty="0" err="1">
+                <a:solidFill>
+                  <a:schemeClr val="bg1"/>
+                </a:solidFill>
+              </a:rPr>
+              <a:t>function</a:t>
+            </a:r>
+            <a:r>
+              <a:rPr lang="pl-PL" sz="2800" dirty="0">
+                <a:solidFill>
+                  <a:schemeClr val="bg1"/>
+                </a:solidFill>
+              </a:rPr>
+              <a:t> () {}</a:t>
+            </a:r>
+            <a:br>
+              <a:rPr lang="pl-PL" sz="2800" dirty="0">
+                <a:solidFill>
+                  <a:schemeClr val="bg1"/>
+                </a:solidFill>
+              </a:rPr>
+            </a:br>
+            <a:r>
+              <a:rPr lang="pl-PL" sz="2800" dirty="0">
+                <a:solidFill>
+                  <a:schemeClr val="bg1"/>
+                </a:solidFill>
+              </a:rPr>
+              <a:t>});</a:t>
+            </a:r>
+          </a:p>
+        </p:txBody>
+      </p:sp>
+    </p:spTree>
+    <p:extLst>
+      <p:ext uri="{BB962C8B-B14F-4D97-AF65-F5344CB8AC3E}">
+        <p14:creationId xmlns:p14="http://schemas.microsoft.com/office/powerpoint/2010/main" val="3964131358"/>
+      </p:ext>
+    </p:extLst>
+  </p:cSld>
+  <p:clrMapOvr>
+    <a:masterClrMapping/>
+  </p:clrMapOvr>
+  <p:transition spd="slow">
+    <p:cut/>
+  </p:transition>
+</p:sld>
+</file>
+
+<file path=ppt/slides/slide22.xml><?xml version="1.0" encoding="utf-8"?>
+<p:sld xmlns:a="http://schemas.openxmlformats.org/drawingml/2006/main" xmlns:r="http://schemas.openxmlformats.org/officeDocument/2006/relationships" xmlns:p="http://schemas.openxmlformats.org/presentationml/2006/main">
+  <p:cSld>
+    <p:spTree>
+      <p:nvGrpSpPr>
+        <p:cNvPr id="1" name="Shape 168"/>
+        <p:cNvGrpSpPr/>
+        <p:nvPr/>
+      </p:nvGrpSpPr>
+      <p:grpSpPr>
+        <a:xfrm>
+          <a:off x="0" y="0"/>
+          <a:ext cx="0" cy="0"/>
+          <a:chOff x="0" y="0"/>
+          <a:chExt cx="0" cy="0"/>
+        </a:xfrm>
+      </p:grpSpPr>
+      <p:sp>
+        <p:nvSpPr>
+          <p:cNvPr id="2" name="Tytuł 1"/>
+          <p:cNvSpPr>
+            <a:spLocks noGrp="1"/>
+          </p:cNvSpPr>
+          <p:nvPr>
+            <p:ph type="title"/>
+          </p:nvPr>
+        </p:nvSpPr>
+        <p:spPr>
+          <a:xfrm>
+            <a:off x="457200" y="205978"/>
+            <a:ext cx="8229600" cy="4670028"/>
+          </a:xfrm>
+        </p:spPr>
+        <p:txBody>
+          <a:bodyPr anchor="ctr"/>
+          <a:lstStyle/>
+          <a:p>
+            <a:r>
+              <a:rPr lang="pl-PL" sz="2400" dirty="0"/>
+              <a:t>http://</a:t>
+            </a:r>
+            <a:r>
+              <a:rPr lang="pl-PL" sz="2400" dirty="0" smtClean="0"/>
+              <a:t>meetjs.szczecin.pl:3000/comments/&lt;&lt;name&gt;&gt;</a:t>
+            </a:r>
+            <a:r>
+              <a:rPr lang="pl-PL" sz="2400" dirty="0"/>
+              <a:t/>
+            </a:r>
+            <a:br>
+              <a:rPr lang="pl-PL" sz="2400" dirty="0"/>
+            </a:br>
+            <a:r>
+              <a:rPr lang="pl-PL" sz="2400" dirty="0" smtClean="0"/>
+              <a:t/>
+            </a:r>
+            <a:br>
+              <a:rPr lang="pl-PL" sz="2400" dirty="0" smtClean="0"/>
+            </a:br>
+            <a:r>
+              <a:rPr lang="pl-PL" sz="1800" dirty="0" smtClean="0"/>
+              <a:t>GET: </a:t>
+            </a:r>
+            <a:r>
+              <a:rPr lang="pl-PL" sz="1800" dirty="0"/>
+              <a:t/>
+            </a:r>
+            <a:br>
+              <a:rPr lang="pl-PL" sz="1800" dirty="0"/>
+            </a:br>
+            <a:r>
+              <a:rPr lang="pl-PL" sz="1800" dirty="0" smtClean="0">
+                <a:solidFill>
+                  <a:schemeClr val="accent3">
+                    <a:lumMod val="50000"/>
+                  </a:schemeClr>
+                </a:solidFill>
+              </a:rPr>
+              <a:t>[{</a:t>
+            </a:r>
+            <a:br>
+              <a:rPr lang="pl-PL" sz="1800" dirty="0" smtClean="0">
+                <a:solidFill>
+                  <a:schemeClr val="accent3">
+                    <a:lumMod val="50000"/>
+                  </a:schemeClr>
+                </a:solidFill>
+              </a:rPr>
+            </a:br>
+            <a:r>
+              <a:rPr lang="pl-PL" sz="1800" dirty="0">
+                <a:solidFill>
+                  <a:schemeClr val="accent3">
+                    <a:lumMod val="50000"/>
+                  </a:schemeClr>
+                </a:solidFill>
+              </a:rPr>
+              <a:t>	"</a:t>
+            </a:r>
+            <a:r>
+              <a:rPr lang="pl-PL" sz="1800" dirty="0" err="1">
+                <a:solidFill>
+                  <a:schemeClr val="accent3">
+                    <a:lumMod val="50000"/>
+                  </a:schemeClr>
+                </a:solidFill>
+              </a:rPr>
+              <a:t>author</a:t>
+            </a:r>
+            <a:r>
+              <a:rPr lang="pl-PL" sz="1800" dirty="0">
+                <a:solidFill>
+                  <a:schemeClr val="accent3">
+                    <a:lumMod val="50000"/>
+                  </a:schemeClr>
+                </a:solidFill>
+              </a:rPr>
+              <a:t>": "jan@test.pl",</a:t>
+            </a:r>
+            <a:br>
+              <a:rPr lang="pl-PL" sz="1800" dirty="0">
+                <a:solidFill>
+                  <a:schemeClr val="accent3">
+                    <a:lumMod val="50000"/>
+                  </a:schemeClr>
+                </a:solidFill>
+              </a:rPr>
+            </a:br>
+            <a:r>
+              <a:rPr lang="pl-PL" sz="1800" dirty="0">
+                <a:solidFill>
+                  <a:schemeClr val="accent3">
+                    <a:lumMod val="50000"/>
+                  </a:schemeClr>
+                </a:solidFill>
+              </a:rPr>
+              <a:t>	"body": "</a:t>
+            </a:r>
+            <a:r>
+              <a:rPr lang="pl-PL" sz="1800" dirty="0" err="1">
+                <a:solidFill>
+                  <a:schemeClr val="accent3">
+                    <a:lumMod val="50000"/>
+                  </a:schemeClr>
+                </a:solidFill>
+              </a:rPr>
+              <a:t>comment</a:t>
+            </a:r>
+            <a:r>
+              <a:rPr lang="pl-PL" sz="1800" dirty="0">
+                <a:solidFill>
+                  <a:schemeClr val="accent3">
+                    <a:lumMod val="50000"/>
+                  </a:schemeClr>
+                </a:solidFill>
+              </a:rPr>
+              <a:t>"</a:t>
+            </a:r>
+            <a:br>
+              <a:rPr lang="pl-PL" sz="1800" dirty="0">
+                <a:solidFill>
+                  <a:schemeClr val="accent3">
+                    <a:lumMod val="50000"/>
+                  </a:schemeClr>
+                </a:solidFill>
+              </a:rPr>
+            </a:br>
+            <a:r>
+              <a:rPr lang="pl-PL" sz="1800" dirty="0" smtClean="0">
+                <a:solidFill>
+                  <a:schemeClr val="accent3">
+                    <a:lumMod val="50000"/>
+                  </a:schemeClr>
+                </a:solidFill>
+              </a:rPr>
+              <a:t>	"</a:t>
+            </a:r>
+            <a:r>
+              <a:rPr lang="pl-PL" sz="1800" dirty="0" err="1" smtClean="0">
+                <a:solidFill>
+                  <a:schemeClr val="accent3">
+                    <a:lumMod val="50000"/>
+                  </a:schemeClr>
+                </a:solidFill>
+              </a:rPr>
+              <a:t>date</a:t>
+            </a:r>
+            <a:r>
+              <a:rPr lang="pl-PL" sz="1800" dirty="0" smtClean="0">
+                <a:solidFill>
+                  <a:schemeClr val="accent3">
+                    <a:lumMod val="50000"/>
+                  </a:schemeClr>
+                </a:solidFill>
+              </a:rPr>
+              <a:t>": "</a:t>
+            </a:r>
+            <a:r>
+              <a:rPr lang="pl-PL" sz="1800" dirty="0" err="1" smtClean="0">
+                <a:solidFill>
+                  <a:schemeClr val="accent3">
+                    <a:lumMod val="50000"/>
+                  </a:schemeClr>
+                </a:solidFill>
+              </a:rPr>
+              <a:t>Tue</a:t>
+            </a:r>
+            <a:r>
+              <a:rPr lang="pl-PL" sz="1800" dirty="0" smtClean="0">
+                <a:solidFill>
+                  <a:schemeClr val="accent3">
+                    <a:lumMod val="50000"/>
+                  </a:schemeClr>
+                </a:solidFill>
+              </a:rPr>
+              <a:t> </a:t>
+            </a:r>
+            <a:r>
+              <a:rPr lang="pl-PL" sz="1800" dirty="0" err="1" smtClean="0">
+                <a:solidFill>
+                  <a:schemeClr val="accent3">
+                    <a:lumMod val="50000"/>
+                  </a:schemeClr>
+                </a:solidFill>
+              </a:rPr>
+              <a:t>Nov</a:t>
+            </a:r>
+            <a:r>
+              <a:rPr lang="pl-PL" sz="1800" dirty="0" smtClean="0">
+                <a:solidFill>
+                  <a:schemeClr val="accent3">
+                    <a:lumMod val="50000"/>
+                  </a:schemeClr>
+                </a:solidFill>
+              </a:rPr>
+              <a:t> 10 2015 18:07:59 GMT+0000 (UTC)"</a:t>
+            </a:r>
+            <a:br>
+              <a:rPr lang="pl-PL" sz="1800" dirty="0" smtClean="0">
+                <a:solidFill>
+                  <a:schemeClr val="accent3">
+                    <a:lumMod val="50000"/>
+                  </a:schemeClr>
+                </a:solidFill>
+              </a:rPr>
+            </a:br>
+            <a:r>
+              <a:rPr lang="pl-PL" sz="1800" dirty="0" smtClean="0">
+                <a:solidFill>
+                  <a:schemeClr val="accent3">
+                    <a:lumMod val="50000"/>
+                  </a:schemeClr>
+                </a:solidFill>
+              </a:rPr>
+              <a:t>}]</a:t>
+            </a:r>
+            <a:r>
+              <a:rPr lang="pl-PL" sz="1800" dirty="0">
+                <a:solidFill>
+                  <a:schemeClr val="accent3">
+                    <a:lumMod val="50000"/>
+                  </a:schemeClr>
+                </a:solidFill>
+              </a:rPr>
+              <a:t/>
+            </a:r>
+            <a:br>
+              <a:rPr lang="pl-PL" sz="1800" dirty="0">
+                <a:solidFill>
+                  <a:schemeClr val="accent3">
+                    <a:lumMod val="50000"/>
+                  </a:schemeClr>
+                </a:solidFill>
+              </a:rPr>
+            </a:br>
+            <a:r>
+              <a:rPr lang="pl-PL" sz="1800" dirty="0"/>
+              <a:t/>
+            </a:r>
+            <a:br>
+              <a:rPr lang="pl-PL" sz="1800" dirty="0"/>
+            </a:br>
+            <a:r>
+              <a:rPr lang="pl-PL" sz="1800" dirty="0"/>
+              <a:t/>
+            </a:r>
+            <a:br>
+              <a:rPr lang="pl-PL" sz="1800" dirty="0"/>
+            </a:br>
+            <a:r>
+              <a:rPr lang="pl-PL" sz="1800" dirty="0"/>
+              <a:t>POST</a:t>
+            </a:r>
+            <a:r>
+              <a:rPr lang="pl-PL" sz="1800" dirty="0" smtClean="0"/>
+              <a:t>:</a:t>
+            </a:r>
+            <a:r>
+              <a:rPr lang="pl-PL" sz="1800" dirty="0"/>
+              <a:t/>
+            </a:r>
+            <a:br>
+              <a:rPr lang="pl-PL" sz="1800" dirty="0"/>
+            </a:br>
+            <a:r>
+              <a:rPr lang="pl-PL" sz="1800" dirty="0" smtClean="0">
+                <a:solidFill>
+                  <a:schemeClr val="accent3">
+                    <a:lumMod val="50000"/>
+                  </a:schemeClr>
+                </a:solidFill>
+              </a:rPr>
+              <a:t>{</a:t>
+            </a:r>
+            <a:br>
+              <a:rPr lang="pl-PL" sz="1800" dirty="0" smtClean="0">
+                <a:solidFill>
+                  <a:schemeClr val="accent3">
+                    <a:lumMod val="50000"/>
+                  </a:schemeClr>
+                </a:solidFill>
+              </a:rPr>
+            </a:br>
+            <a:r>
+              <a:rPr lang="pl-PL" sz="1800" dirty="0" smtClean="0">
+                <a:solidFill>
+                  <a:schemeClr val="accent3">
+                    <a:lumMod val="50000"/>
+                  </a:schemeClr>
+                </a:solidFill>
+              </a:rPr>
+              <a:t>	"</a:t>
+            </a:r>
+            <a:r>
+              <a:rPr lang="pl-PL" sz="1800" dirty="0" err="1">
+                <a:solidFill>
+                  <a:schemeClr val="accent3">
+                    <a:lumMod val="50000"/>
+                  </a:schemeClr>
+                </a:solidFill>
+              </a:rPr>
+              <a:t>author</a:t>
+            </a:r>
+            <a:r>
+              <a:rPr lang="pl-PL" sz="1800" dirty="0" smtClean="0">
+                <a:solidFill>
+                  <a:schemeClr val="accent3">
+                    <a:lumMod val="50000"/>
+                  </a:schemeClr>
+                </a:solidFill>
+              </a:rPr>
+              <a:t>": "jan@test.pl</a:t>
+            </a:r>
+            <a:r>
+              <a:rPr lang="pl-PL" sz="1800" dirty="0">
+                <a:solidFill>
+                  <a:schemeClr val="accent3">
+                    <a:lumMod val="50000"/>
+                  </a:schemeClr>
+                </a:solidFill>
+              </a:rPr>
+              <a:t>",</a:t>
+            </a:r>
+            <a:br>
+              <a:rPr lang="pl-PL" sz="1800" dirty="0">
+                <a:solidFill>
+                  <a:schemeClr val="accent3">
+                    <a:lumMod val="50000"/>
+                  </a:schemeClr>
+                </a:solidFill>
+              </a:rPr>
+            </a:br>
+            <a:r>
+              <a:rPr lang="pl-PL" sz="1800" dirty="0" smtClean="0">
+                <a:solidFill>
+                  <a:schemeClr val="accent3">
+                    <a:lumMod val="50000"/>
+                  </a:schemeClr>
+                </a:solidFill>
+              </a:rPr>
+              <a:t>	"</a:t>
+            </a:r>
+            <a:r>
+              <a:rPr lang="pl-PL" sz="1800" dirty="0">
+                <a:solidFill>
+                  <a:schemeClr val="accent3">
+                    <a:lumMod val="50000"/>
+                  </a:schemeClr>
+                </a:solidFill>
+              </a:rPr>
+              <a:t>body": </a:t>
+            </a:r>
+            <a:r>
+              <a:rPr lang="pl-PL" sz="1800" dirty="0" smtClean="0">
+                <a:solidFill>
+                  <a:schemeClr val="accent3">
+                    <a:lumMod val="50000"/>
+                  </a:schemeClr>
+                </a:solidFill>
+              </a:rPr>
+              <a:t>"</a:t>
+            </a:r>
+            <a:r>
+              <a:rPr lang="pl-PL" sz="1800" dirty="0" err="1" smtClean="0">
+                <a:solidFill>
+                  <a:schemeClr val="accent3">
+                    <a:lumMod val="50000"/>
+                  </a:schemeClr>
+                </a:solidFill>
+              </a:rPr>
+              <a:t>comment</a:t>
+            </a:r>
+            <a:r>
+              <a:rPr lang="pl-PL" sz="1800" dirty="0" smtClean="0">
+                <a:solidFill>
+                  <a:schemeClr val="accent3">
+                    <a:lumMod val="50000"/>
+                  </a:schemeClr>
+                </a:solidFill>
+              </a:rPr>
+              <a:t>"</a:t>
+            </a:r>
+            <a:r>
+              <a:rPr lang="pl-PL" sz="1800" dirty="0">
+                <a:solidFill>
+                  <a:schemeClr val="accent3">
+                    <a:lumMod val="50000"/>
+                  </a:schemeClr>
+                </a:solidFill>
+              </a:rPr>
+              <a:t/>
+            </a:r>
+            <a:br>
+              <a:rPr lang="pl-PL" sz="1800" dirty="0">
+                <a:solidFill>
+                  <a:schemeClr val="accent3">
+                    <a:lumMod val="50000"/>
+                  </a:schemeClr>
+                </a:solidFill>
+              </a:rPr>
+            </a:br>
+            <a:r>
+              <a:rPr lang="pl-PL" sz="1800" dirty="0" smtClean="0">
+                <a:solidFill>
+                  <a:schemeClr val="accent3">
+                    <a:lumMod val="50000"/>
+                  </a:schemeClr>
+                </a:solidFill>
+              </a:rPr>
+              <a:t>}</a:t>
+            </a:r>
+            <a:endParaRPr lang="pl-PL" sz="1800" dirty="0">
+              <a:solidFill>
+                <a:schemeClr val="accent3">
+                  <a:lumMod val="50000"/>
+                </a:schemeClr>
+              </a:solidFill>
+            </a:endParaRPr>
+          </a:p>
+        </p:txBody>
+      </p:sp>
+    </p:spTree>
+  </p:cSld>
+  <p:clrMapOvr>
+    <a:masterClrMapping/>
+  </p:clrMapOvr>
+  <p:transition spd="slow">
+    <p:cut/>
+  </p:transition>
+</p:sld>
+</file>
+
+<file path=ppt/slides/slide23.xml><?xml version="1.0" encoding="utf-8"?>
+<p:sld xmlns:a="http://schemas.openxmlformats.org/drawingml/2006/main" xmlns:r="http://schemas.openxmlformats.org/officeDocument/2006/relationships" xmlns:p="http://schemas.openxmlformats.org/presentationml/2006/main">
+  <p:cSld>
+    <p:bg>
+      <p:bgPr>
+        <a:solidFill>
+          <a:schemeClr val="accent4">
+            <a:lumMod val="75000"/>
+          </a:schemeClr>
+        </a:solidFill>
+        <a:effectLst/>
+      </p:bgPr>
+    </p:bg>
+    <p:spTree>
+      <p:nvGrpSpPr>
+        <p:cNvPr id="1" name="Shape 40"/>
+        <p:cNvGrpSpPr/>
+        <p:nvPr/>
+      </p:nvGrpSpPr>
+      <p:grpSpPr>
+        <a:xfrm>
+          <a:off x="0" y="0"/>
+          <a:ext cx="0" cy="0"/>
+          <a:chOff x="0" y="0"/>
+          <a:chExt cx="0" cy="0"/>
+        </a:xfrm>
+      </p:grpSpPr>
+      <p:sp>
+        <p:nvSpPr>
+          <p:cNvPr id="4" name="Tytuł 3"/>
+          <p:cNvSpPr>
+            <a:spLocks noGrp="1"/>
+          </p:cNvSpPr>
+          <p:nvPr>
+            <p:ph type="title"/>
+          </p:nvPr>
+        </p:nvSpPr>
+        <p:spPr>
+          <a:xfrm>
+            <a:off x="457200" y="205978"/>
+            <a:ext cx="8229600" cy="4742036"/>
+          </a:xfrm>
+        </p:spPr>
+        <p:txBody>
+          <a:bodyPr anchor="ctr"/>
+          <a:lstStyle/>
+          <a:p>
+            <a:r>
+              <a:rPr lang="pl-PL" sz="1800" dirty="0" smtClean="0">
+                <a:solidFill>
+                  <a:schemeClr val="bg1"/>
+                </a:solidFill>
+              </a:rPr>
+              <a:t>Zadanie 4</a:t>
+            </a:r>
+            <a:br>
+              <a:rPr lang="pl-PL" sz="1800" dirty="0" smtClean="0">
+                <a:solidFill>
+                  <a:schemeClr val="bg1"/>
+                </a:solidFill>
+              </a:rPr>
+            </a:br>
+            <a:r>
+              <a:rPr lang="pl-PL" sz="1800" dirty="0">
+                <a:solidFill>
+                  <a:schemeClr val="bg1"/>
+                </a:solidFill>
+              </a:rPr>
+              <a:t/>
+            </a:r>
+            <a:br>
+              <a:rPr lang="pl-PL" sz="1800" dirty="0">
+                <a:solidFill>
+                  <a:schemeClr val="bg1"/>
+                </a:solidFill>
+              </a:rPr>
+            </a:br>
+            <a:r>
+              <a:rPr lang="pl-PL" sz="1800" dirty="0">
+                <a:solidFill>
+                  <a:schemeClr val="bg1"/>
+                </a:solidFill>
+              </a:rPr>
+              <a:t>1. Dodaj funkcję pozwalającą na pobranie listy komentarzy z serwera.</a:t>
+            </a:r>
+            <a:br>
+              <a:rPr lang="pl-PL" sz="1800" dirty="0">
+                <a:solidFill>
+                  <a:schemeClr val="bg1"/>
+                </a:solidFill>
+              </a:rPr>
+            </a:br>
+            <a:r>
+              <a:rPr lang="pl-PL" sz="1800" dirty="0" smtClean="0">
+                <a:solidFill>
+                  <a:schemeClr val="bg1"/>
+                </a:solidFill>
+              </a:rPr>
+              <a:t/>
+            </a:r>
+            <a:br>
+              <a:rPr lang="pl-PL" sz="1800" dirty="0" smtClean="0">
+                <a:solidFill>
+                  <a:schemeClr val="bg1"/>
+                </a:solidFill>
+              </a:rPr>
+            </a:br>
+            <a:r>
+              <a:rPr lang="pl-PL" sz="1800" dirty="0" smtClean="0">
+                <a:solidFill>
+                  <a:schemeClr val="bg1"/>
+                </a:solidFill>
+              </a:rPr>
+              <a:t>2</a:t>
+            </a:r>
+            <a:r>
+              <a:rPr lang="pl-PL" sz="1800" dirty="0">
+                <a:solidFill>
+                  <a:schemeClr val="bg1"/>
+                </a:solidFill>
+              </a:rPr>
+              <a:t>. Dodaj funkcję, która wstawi pobrane komentarze do listy.</a:t>
+            </a:r>
+            <a:br>
+              <a:rPr lang="pl-PL" sz="1800" dirty="0">
+                <a:solidFill>
+                  <a:schemeClr val="bg1"/>
+                </a:solidFill>
+              </a:rPr>
+            </a:br>
+            <a:r>
+              <a:rPr lang="pl-PL" sz="1800" dirty="0" smtClean="0">
+                <a:solidFill>
+                  <a:schemeClr val="bg1"/>
+                </a:solidFill>
+              </a:rPr>
+              <a:t/>
+            </a:r>
+            <a:br>
+              <a:rPr lang="pl-PL" sz="1800" dirty="0" smtClean="0">
+                <a:solidFill>
+                  <a:schemeClr val="bg1"/>
+                </a:solidFill>
+              </a:rPr>
+            </a:br>
+            <a:r>
+              <a:rPr lang="pl-PL" sz="1800" dirty="0" smtClean="0">
+                <a:solidFill>
+                  <a:schemeClr val="bg1"/>
+                </a:solidFill>
+              </a:rPr>
+              <a:t>3</a:t>
+            </a:r>
+            <a:r>
+              <a:rPr lang="pl-PL" sz="1800" dirty="0">
+                <a:solidFill>
+                  <a:schemeClr val="bg1"/>
+                </a:solidFill>
+              </a:rPr>
+              <a:t>. Dodaj do strony przycisk "Odśwież" i zaimplementuj mechanizm przeładowywania listy komentarzy (kliknięcie przycisku powinno wyczyścić obecną listę, pobrać komentarze z serwera i dodać je do listy).</a:t>
+            </a:r>
+            <a:br>
+              <a:rPr lang="pl-PL" sz="1800" dirty="0">
+                <a:solidFill>
+                  <a:schemeClr val="bg1"/>
+                </a:solidFill>
+              </a:rPr>
+            </a:br>
+            <a:r>
+              <a:rPr lang="pl-PL" sz="1800" dirty="0" smtClean="0">
+                <a:solidFill>
+                  <a:schemeClr val="bg1"/>
+                </a:solidFill>
+              </a:rPr>
+              <a:t/>
+            </a:r>
+            <a:br>
+              <a:rPr lang="pl-PL" sz="1800" dirty="0" smtClean="0">
+                <a:solidFill>
+                  <a:schemeClr val="bg1"/>
+                </a:solidFill>
+              </a:rPr>
+            </a:br>
+            <a:r>
+              <a:rPr lang="pl-PL" sz="1800" dirty="0" smtClean="0">
+                <a:solidFill>
+                  <a:schemeClr val="bg1"/>
+                </a:solidFill>
+              </a:rPr>
+              <a:t>4</a:t>
+            </a:r>
+            <a:r>
+              <a:rPr lang="pl-PL" sz="1800" dirty="0">
+                <a:solidFill>
+                  <a:schemeClr val="bg1"/>
+                </a:solidFill>
+              </a:rPr>
+              <a:t>. Dodaj funkcję pozwalającą na zapisanie nowego komentarza na serwerze.</a:t>
+            </a:r>
+            <a:br>
+              <a:rPr lang="pl-PL" sz="1800" dirty="0">
+                <a:solidFill>
+                  <a:schemeClr val="bg1"/>
+                </a:solidFill>
+              </a:rPr>
+            </a:br>
+            <a:r>
+              <a:rPr lang="pl-PL" sz="1800" dirty="0" smtClean="0">
+                <a:solidFill>
+                  <a:schemeClr val="bg1"/>
+                </a:solidFill>
+              </a:rPr>
+              <a:t/>
+            </a:r>
+            <a:br>
+              <a:rPr lang="pl-PL" sz="1800" dirty="0" smtClean="0">
+                <a:solidFill>
+                  <a:schemeClr val="bg1"/>
+                </a:solidFill>
+              </a:rPr>
+            </a:br>
+            <a:r>
+              <a:rPr lang="pl-PL" sz="1800" dirty="0" smtClean="0">
+                <a:solidFill>
+                  <a:schemeClr val="bg1"/>
+                </a:solidFill>
+              </a:rPr>
+              <a:t>5</a:t>
+            </a:r>
+            <a:r>
+              <a:rPr lang="pl-PL" sz="1800" dirty="0">
+                <a:solidFill>
+                  <a:schemeClr val="bg1"/>
+                </a:solidFill>
+              </a:rPr>
+              <a:t>. Dodaj mechanizm pozwalający zapisanie nowego komentarza utworzonego w formularzu na stronie.</a:t>
+            </a:r>
+            <a:endParaRPr lang="pl-PL" sz="1800" dirty="0">
               <a:solidFill>
                 <a:schemeClr val="bg1"/>
               </a:solidFill>
@@ -7222,7 +9626,7 @@
     </p:spTree>
     <p:extLst>
       <p:ext uri="{BB962C8B-B14F-4D97-AF65-F5344CB8AC3E}">
-        <p14:creationId xmlns:p14="http://schemas.microsoft.com/office/powerpoint/2010/main" val="1180329095"/>
+        <p14:creationId xmlns:p14="http://schemas.microsoft.com/office/powerpoint/2010/main" val="2187727967"/>
       </p:ext>
     </p:extLst>
   </p:cSld>
@@ -7232,6 +9636,360 @@
   <p:transition spd="slow">
     <p:cut/>
   </p:transition>
+  <p:timing>
+    <p:tnLst>
+      <p:par>
+        <p:cTn id="1" dur="indefinite" restart="never" nodeType="tmRoot"/>
+      </p:par>
+    </p:tnLst>
+  </p:timing>
+</p:sld>
+</file>
+
+<file path=ppt/slides/slide24.xml><?xml version="1.0" encoding="utf-8"?>
+<p:sld xmlns:a="http://schemas.openxmlformats.org/drawingml/2006/main" xmlns:r="http://schemas.openxmlformats.org/officeDocument/2006/relationships" xmlns:p="http://schemas.openxmlformats.org/presentationml/2006/main">
+  <p:cSld>
+    <p:spTree>
+      <p:nvGrpSpPr>
+        <p:cNvPr id="1" name="Shape 168"/>
+        <p:cNvGrpSpPr/>
+        <p:nvPr/>
+      </p:nvGrpSpPr>
+      <p:grpSpPr>
+        <a:xfrm>
+          <a:off x="0" y="0"/>
+          <a:ext cx="0" cy="0"/>
+          <a:chOff x="0" y="0"/>
+          <a:chExt cx="0" cy="0"/>
+        </a:xfrm>
+      </p:grpSpPr>
+      <p:sp>
+        <p:nvSpPr>
+          <p:cNvPr id="2" name="Tytuł 1"/>
+          <p:cNvSpPr>
+            <a:spLocks noGrp="1"/>
+          </p:cNvSpPr>
+          <p:nvPr>
+            <p:ph type="title"/>
+          </p:nvPr>
+        </p:nvSpPr>
+        <p:spPr>
+          <a:xfrm>
+            <a:off x="457200" y="205978"/>
+            <a:ext cx="8229600" cy="4670028"/>
+          </a:xfrm>
+        </p:spPr>
+        <p:txBody>
+          <a:bodyPr anchor="ctr"/>
+          <a:lstStyle/>
+          <a:p>
+            <a:pPr>
+              <a:lnSpc>
+                <a:spcPct val="150000"/>
+              </a:lnSpc>
+            </a:pPr>
+            <a:r>
+              <a:rPr lang="pl-PL" dirty="0"/>
+              <a:t>api.jquery.com</a:t>
+            </a:r>
+            <a:br>
+              <a:rPr lang="pl-PL" dirty="0"/>
+            </a:br>
+            <a:r>
+              <a:rPr lang="pl-PL" dirty="0"/>
+              <a:t>www.json.org/json-pl.html</a:t>
+            </a:r>
+            <a:br>
+              <a:rPr lang="pl-PL" dirty="0"/>
+            </a:br>
+            <a:r>
+              <a:rPr lang="pl-PL" dirty="0"/>
+              <a:t>pl.wikipedia.org/</a:t>
+            </a:r>
+            <a:r>
+              <a:rPr lang="pl-PL" dirty="0" err="1"/>
+              <a:t>wiki</a:t>
+            </a:r>
+            <a:r>
+              <a:rPr lang="pl-PL" dirty="0"/>
+              <a:t>/AJAX</a:t>
+            </a:r>
+          </a:p>
+        </p:txBody>
+      </p:sp>
+    </p:spTree>
+    <p:extLst>
+      <p:ext uri="{BB962C8B-B14F-4D97-AF65-F5344CB8AC3E}">
+        <p14:creationId xmlns:p14="http://schemas.microsoft.com/office/powerpoint/2010/main" val="219135032"/>
+      </p:ext>
+    </p:extLst>
+  </p:cSld>
+  <p:clrMapOvr>
+    <a:masterClrMapping/>
+  </p:clrMapOvr>
+  <p:transition spd="slow">
+    <p:cut/>
+  </p:transition>
+</p:sld>
+</file>
+
+<file path=ppt/slides/slide25.xml><?xml version="1.0" encoding="utf-8"?>
+<p:sld xmlns:a="http://schemas.openxmlformats.org/drawingml/2006/main" xmlns:r="http://schemas.openxmlformats.org/officeDocument/2006/relationships" xmlns:p="http://schemas.openxmlformats.org/presentationml/2006/main">
+  <p:cSld>
+    <p:spTree>
+      <p:nvGrpSpPr>
+        <p:cNvPr id="1" name="Shape 168"/>
+        <p:cNvGrpSpPr/>
+        <p:nvPr/>
+      </p:nvGrpSpPr>
+      <p:grpSpPr>
+        <a:xfrm>
+          <a:off x="0" y="0"/>
+          <a:ext cx="0" cy="0"/>
+          <a:chOff x="0" y="0"/>
+          <a:chExt cx="0" cy="0"/>
+        </a:xfrm>
+      </p:grpSpPr>
+      <p:sp>
+        <p:nvSpPr>
+          <p:cNvPr id="169" name="Shape 169"/>
+          <p:cNvSpPr txBox="1">
+            <a:spLocks noGrp="1"/>
+          </p:cNvSpPr>
+          <p:nvPr>
+            <p:ph type="ctrTitle"/>
+          </p:nvPr>
+        </p:nvSpPr>
+        <p:spPr>
+          <a:xfrm>
+            <a:off x="685800" y="1583342"/>
+            <a:ext cx="7772400" cy="1159799"/>
+          </a:xfrm>
+          <a:prstGeom prst="rect">
+            <a:avLst/>
+          </a:prstGeom>
+        </p:spPr>
+        <p:txBody>
+          <a:bodyPr lIns="91425" tIns="91425" rIns="91425" bIns="91425" anchor="b" anchorCtr="0">
+            <a:noAutofit/>
+          </a:bodyPr>
+          <a:lstStyle/>
+          <a:p>
+            <a:pPr>
+              <a:spcBef>
+                <a:spcPts val="0"/>
+              </a:spcBef>
+              <a:buNone/>
+            </a:pPr>
+            <a:r>
+              <a:rPr lang="pl-PL" dirty="0" smtClean="0"/>
+              <a:t>Dziękuję</a:t>
+            </a:r>
+            <a:endParaRPr lang="en" dirty="0"/>
+          </a:p>
+        </p:txBody>
+      </p:sp>
+      <p:sp>
+        <p:nvSpPr>
+          <p:cNvPr id="170" name="Shape 170"/>
+          <p:cNvSpPr txBox="1">
+            <a:spLocks noGrp="1"/>
+          </p:cNvSpPr>
+          <p:nvPr>
+            <p:ph type="subTitle" idx="1"/>
+          </p:nvPr>
+        </p:nvSpPr>
+        <p:spPr>
+          <a:xfrm>
+            <a:off x="685800" y="3909053"/>
+            <a:ext cx="7772400" cy="784799"/>
+          </a:xfrm>
+          <a:prstGeom prst="rect">
+            <a:avLst/>
+          </a:prstGeom>
+        </p:spPr>
+        <p:txBody>
+          <a:bodyPr lIns="91425" tIns="91425" rIns="91425" bIns="91425" anchor="t" anchorCtr="0">
+            <a:noAutofit/>
+          </a:bodyPr>
+          <a:lstStyle/>
+          <a:p>
+            <a:pPr lvl="0" algn="l" rtl="0">
+              <a:spcBef>
+                <a:spcPts val="0"/>
+              </a:spcBef>
+              <a:buClr>
+                <a:schemeClr val="dk1"/>
+              </a:buClr>
+              <a:buSzPct val="61111"/>
+              <a:buFont typeface="Arial"/>
+              <a:buNone/>
+            </a:pPr>
+            <a:r>
+              <a:rPr lang="en" sz="1800"/>
+              <a:t>Piotr Czajkowski</a:t>
+            </a:r>
+          </a:p>
+          <a:p>
+            <a:pPr lvl="0" algn="l">
+              <a:spcBef>
+                <a:spcPts val="0"/>
+              </a:spcBef>
+              <a:buClr>
+                <a:schemeClr val="dk1"/>
+              </a:buClr>
+              <a:buSzPct val="61111"/>
+              <a:buFont typeface="Arial"/>
+              <a:buNone/>
+            </a:pPr>
+            <a:r>
+              <a:rPr lang="en" sz="1800"/>
+              <a:t>piotr.czajkowski@blstream.com</a:t>
+            </a:r>
+          </a:p>
+        </p:txBody>
+      </p:sp>
+    </p:spTree>
+    <p:extLst>
+      <p:ext uri="{BB962C8B-B14F-4D97-AF65-F5344CB8AC3E}">
+        <p14:creationId xmlns:p14="http://schemas.microsoft.com/office/powerpoint/2010/main" val="3881457513"/>
+      </p:ext>
+    </p:extLst>
+  </p:cSld>
+  <p:clrMapOvr>
+    <a:masterClrMapping/>
+  </p:clrMapOvr>
+  <p:transition spd="slow">
+    <p:cut/>
+  </p:transition>
+</p:sld>
+</file>
+
+<file path=ppt/slides/slide3.xml><?xml version="1.0" encoding="utf-8"?>
+<p:sld xmlns:a="http://schemas.openxmlformats.org/drawingml/2006/main" xmlns:r="http://schemas.openxmlformats.org/officeDocument/2006/relationships" xmlns:p="http://schemas.openxmlformats.org/presentationml/2006/main">
+  <p:cSld>
+    <p:spTree>
+      <p:nvGrpSpPr>
+        <p:cNvPr id="1" name="Shape 35"/>
+        <p:cNvGrpSpPr/>
+        <p:nvPr/>
+      </p:nvGrpSpPr>
+      <p:grpSpPr>
+        <a:xfrm>
+          <a:off x="0" y="0"/>
+          <a:ext cx="0" cy="0"/>
+          <a:chOff x="0" y="0"/>
+          <a:chExt cx="0" cy="0"/>
+        </a:xfrm>
+      </p:grpSpPr>
+      <p:sp>
+        <p:nvSpPr>
+          <p:cNvPr id="36" name="Shape 36"/>
+          <p:cNvSpPr txBox="1">
+            <a:spLocks noGrp="1"/>
+          </p:cNvSpPr>
+          <p:nvPr>
+            <p:ph type="title"/>
+          </p:nvPr>
+        </p:nvSpPr>
+        <p:spPr>
+          <a:xfrm>
+            <a:off x="457200" y="205959"/>
+            <a:ext cx="8229600" cy="4674600"/>
+          </a:xfrm>
+          <a:prstGeom prst="rect">
+            <a:avLst/>
+          </a:prstGeom>
+        </p:spPr>
+        <p:txBody>
+          <a:bodyPr lIns="91425" tIns="91425" rIns="91425" bIns="91425" anchor="ctr" anchorCtr="0">
+            <a:noAutofit/>
+          </a:bodyPr>
+          <a:lstStyle/>
+          <a:p>
+            <a:r>
+              <a:rPr lang="pl-PL" dirty="0"/>
+              <a:t>https://goo.gl/CU2K86</a:t>
+            </a:r>
+            <a:r>
+              <a:rPr lang="pl-PL" sz="2400" dirty="0"/>
+              <a:t/>
+            </a:r>
+            <a:br>
+              <a:rPr lang="pl-PL" sz="2400" dirty="0"/>
+            </a:br>
+            <a:r>
+              <a:rPr lang="pl-PL" sz="2400" dirty="0" smtClean="0"/>
+              <a:t/>
+            </a:r>
+            <a:br>
+              <a:rPr lang="pl-PL" sz="2400" dirty="0" smtClean="0"/>
+            </a:br>
+            <a:r>
+              <a:rPr lang="pl-PL" sz="2400" dirty="0"/>
+              <a:t/>
+            </a:r>
+            <a:br>
+              <a:rPr lang="pl-PL" sz="2400" dirty="0"/>
+            </a:br>
+            <a:r>
+              <a:rPr lang="pl-PL" sz="2400" dirty="0" smtClean="0"/>
+              <a:t>https</a:t>
+            </a:r>
+            <a:r>
+              <a:rPr lang="pl-PL" sz="2400" dirty="0"/>
+              <a:t>://raw.githubusercontent.com</a:t>
+            </a:r>
+            <a:r>
+              <a:rPr lang="pl-PL" sz="2400" dirty="0" smtClean="0"/>
+              <a:t>/</a:t>
+            </a:r>
+            <a:br>
+              <a:rPr lang="pl-PL" sz="2400" dirty="0" smtClean="0"/>
+            </a:br>
+            <a:r>
+              <a:rPr lang="pl-PL" sz="2400" dirty="0" smtClean="0"/>
+              <a:t>czajkowski/</a:t>
+            </a:r>
+            <a:r>
+              <a:rPr lang="pl-PL" sz="2400" dirty="0" err="1" smtClean="0"/>
+              <a:t>jquery_comments_template</a:t>
+            </a:r>
+            <a:r>
+              <a:rPr lang="pl-PL" sz="2400" dirty="0" smtClean="0"/>
+              <a:t>/</a:t>
+            </a:r>
+            <a:br>
+              <a:rPr lang="pl-PL" sz="2400" dirty="0" smtClean="0"/>
+            </a:br>
+            <a:r>
+              <a:rPr lang="pl-PL" sz="2400" dirty="0" smtClean="0"/>
+              <a:t>master/index.html</a:t>
+            </a:r>
+            <a:endParaRPr sz="2400" dirty="0"/>
+          </a:p>
+        </p:txBody>
+      </p:sp>
+    </p:spTree>
+    <p:extLst>
+      <p:ext uri="{BB962C8B-B14F-4D97-AF65-F5344CB8AC3E}">
+        <p14:creationId xmlns:p14="http://schemas.microsoft.com/office/powerpoint/2010/main" val="1053915690"/>
+      </p:ext>
+    </p:extLst>
+  </p:cSld>
+  <p:clrMapOvr>
+    <a:masterClrMapping/>
+  </p:clrMapOvr>
+  <p:transition spd="slow">
+    <p:cut/>
+  </p:transition>
+  <p:timing>
+    <p:tnLst>
+      <p:par>
+        <p:cTn id="1" dur="indefinite" restart="never" nodeType="tmRoot"/>
+      </p:par>
+    </p:tnLst>
+  </p:timing>
 </p:sld>
 </file>
 
@@ -7282,6 +10040,86 @@
           <a:p>
             <a:pPr algn="ctr"/>
             <a:r>
+              <a:rPr lang="pl-PL" dirty="0">
+                <a:solidFill>
+                  <a:schemeClr val="bg1"/>
+                </a:solidFill>
+              </a:rPr>
+              <a:t>console.log("Hello!");</a:t>
+            </a:r>
+          </a:p>
+        </p:txBody>
+      </p:sp>
+    </p:spTree>
+    <p:extLst>
+      <p:ext uri="{BB962C8B-B14F-4D97-AF65-F5344CB8AC3E}">
+        <p14:creationId xmlns:p14="http://schemas.microsoft.com/office/powerpoint/2010/main" val="1180329095"/>
+      </p:ext>
+    </p:extLst>
+  </p:cSld>
+  <p:clrMapOvr>
+    <a:masterClrMapping/>
+  </p:clrMapOvr>
+  <p:transition spd="slow">
+    <p:cut/>
+  </p:transition>
+  <p:timing>
+    <p:tnLst>
+      <p:par>
+        <p:cTn id="1" dur="indefinite" restart="never" nodeType="tmRoot"/>
+      </p:par>
+    </p:tnLst>
+  </p:timing>
+</p:sld>
+</file>
+
+<file path=ppt/slides/slide5.xml><?xml version="1.0" encoding="utf-8"?>
+<p:sld xmlns:a="http://schemas.openxmlformats.org/drawingml/2006/main" xmlns:r="http://schemas.openxmlformats.org/officeDocument/2006/relationships" xmlns:p="http://schemas.openxmlformats.org/presentationml/2006/main">
+  <p:cSld>
+    <p:bg>
+      <p:bgPr>
+        <a:solidFill>
+          <a:srgbClr val="8BC34A"/>
+        </a:solidFill>
+        <a:effectLst/>
+      </p:bgPr>
+    </p:bg>
+    <p:spTree>
+      <p:nvGrpSpPr>
+        <p:cNvPr id="1" name="Shape 40"/>
+        <p:cNvGrpSpPr/>
+        <p:nvPr/>
+      </p:nvGrpSpPr>
+      <p:grpSpPr>
+        <a:xfrm>
+          <a:off x="0" y="0"/>
+          <a:ext cx="0" cy="0"/>
+          <a:chOff x="0" y="0"/>
+          <a:chExt cx="0" cy="0"/>
+        </a:xfrm>
+      </p:grpSpPr>
+      <p:sp>
+        <p:nvSpPr>
+          <p:cNvPr id="4" name="Tytuł 3"/>
+          <p:cNvSpPr>
+            <a:spLocks noGrp="1"/>
+          </p:cNvSpPr>
+          <p:nvPr>
+            <p:ph type="title"/>
+          </p:nvPr>
+        </p:nvSpPr>
+        <p:spPr>
+          <a:xfrm>
+            <a:off x="457200" y="205978"/>
+            <a:ext cx="8229600" cy="4742036"/>
+          </a:xfrm>
+        </p:spPr>
+        <p:txBody>
+          <a:bodyPr anchor="ctr"/>
+          <a:lstStyle/>
+          <a:p>
+            <a:pPr algn="ctr"/>
+            <a:r>
               <a:rPr lang="pl-PL" dirty="0" err="1">
                 <a:solidFill>
                   <a:schemeClr val="bg1"/>
@@ -7467,11 +10305,6 @@
               </a:rPr>
               <a:t>="https://code.jquery.com/jquery-2.1.4.min.js"&gt;&lt;/script&gt;</a:t>
             </a:r>
-            <a:endParaRPr lang="pl-PL" sz="1400" dirty="0">
-              <a:solidFill>
-                <a:schemeClr val="bg1"/>
-              </a:solidFill>
-            </a:endParaRPr>
           </a:p>
         </p:txBody>
       </p:sp>
@@ -7483,10 +10316,17 @@
   <p:transition spd="slow">
     <p:cut/>
   </p:transition>
+  <p:timing>
+    <p:tnLst>
+      <p:par>
+        <p:cTn id="1" dur="indefinite" restart="never" nodeType="tmRoot"/>
+      </p:par>
+    </p:tnLst>
+  </p:timing>
 </p:sld>
 </file>
 
-<file path=ppt/slides/slide5.xml><?xml version="1.0" encoding="utf-8"?>
+<file path=ppt/slides/slide6.xml><?xml version="1.0" encoding="utf-8"?>
 <p:sld xmlns:a="http://schemas.openxmlformats.org/drawingml/2006/main" xmlns:r="http://schemas.openxmlformats.org/officeDocument/2006/relationships" xmlns:p="http://schemas.openxmlformats.org/presentationml/2006/main">
   <p:cSld>
     <p:bg>
@@ -7606,11 +10446,6 @@
               </a:rPr>
               <a:t>")</a:t>
             </a:r>
-            <a:endParaRPr lang="pl-PL" dirty="0">
-              <a:solidFill>
-                <a:schemeClr val="bg1"/>
-              </a:solidFill>
-            </a:endParaRPr>
           </a:p>
         </p:txBody>
       </p:sp>
@@ -7627,10 +10462,17 @@
   <p:transition spd="slow">
     <p:cut/>
   </p:transition>
+  <p:timing>
+    <p:tnLst>
+      <p:par>
+        <p:cTn id="1" dur="indefinite" restart="never" nodeType="tmRoot"/>
+      </p:par>
+    </p:tnLst>
+  </p:timing>
 </p:sld>
 </file>
 
-<file path=ppt/slides/slide6.xml><?xml version="1.0" encoding="utf-8"?>
+<file path=ppt/slides/slide7.xml><?xml version="1.0" encoding="utf-8"?>
 <p:sld xmlns:a="http://schemas.openxmlformats.org/drawingml/2006/main" xmlns:r="http://schemas.openxmlformats.org/officeDocument/2006/relationships" xmlns:p="http://schemas.openxmlformats.org/presentationml/2006/main">
   <p:cSld>
     <p:bg>
@@ -8033,10 +10875,17 @@
   <p:transition spd="slow">
     <p:cut/>
   </p:transition>
+  <p:timing>
+    <p:tnLst>
+      <p:par>
+        <p:cTn id="1" dur="indefinite" restart="never" nodeType="tmRoot"/>
+      </p:par>
+    </p:tnLst>
+  </p:timing>
 </p:sld>
 </file>
 
-<file path=ppt/slides/slide7.xml><?xml version="1.0" encoding="utf-8"?>
+<file path=ppt/slides/slide8.xml><?xml version="1.0" encoding="utf-8"?>
 <p:sld xmlns:a="http://schemas.openxmlformats.org/drawingml/2006/main" xmlns:r="http://schemas.openxmlformats.org/officeDocument/2006/relationships" xmlns:p="http://schemas.openxmlformats.org/presentationml/2006/main">
   <p:cSld>
     <p:bg>
@@ -8145,84 +10994,13 @@
   <p:transition spd="slow">
     <p:cut/>
   </p:transition>
-</p:sld>
-</file>
-
-<file path=ppt/slides/slide8.xml><?xml version="1.0" encoding="utf-8"?>
-<p:sld xmlns:a="http://schemas.openxmlformats.org/drawingml/2006/main" xmlns:r="http://schemas.openxmlformats.org/officeDocument/2006/relationships" xmlns:p="http://schemas.openxmlformats.org/presentationml/2006/main">
-  <p:cSld>
-    <p:bg>
-      <p:bgPr>
-        <a:solidFill>
-          <a:srgbClr val="8BC34A"/>
-        </a:solidFill>
-        <a:effectLst/>
-      </p:bgPr>
-    </p:bg>
-    <p:spTree>
-      <p:nvGrpSpPr>
-        <p:cNvPr id="1" name="Shape 40"/>
-        <p:cNvGrpSpPr/>
-        <p:nvPr/>
-      </p:nvGrpSpPr>
-      <p:grpSpPr>
-        <a:xfrm>
-          <a:off x="0" y="0"/>
-          <a:ext cx="0" cy="0"/>
-          <a:chOff x="0" y="0"/>
-          <a:chExt cx="0" cy="0"/>
-        </a:xfrm>
-      </p:grpSpPr>
-      <p:sp>
-        <p:nvSpPr>
-          <p:cNvPr id="4" name="Tytuł 3"/>
-          <p:cNvSpPr>
-            <a:spLocks noGrp="1"/>
-          </p:cNvSpPr>
-          <p:nvPr>
-            <p:ph type="title"/>
-          </p:nvPr>
-        </p:nvSpPr>
-        <p:spPr>
-          <a:xfrm>
-            <a:off x="457200" y="205978"/>
-            <a:ext cx="8229600" cy="4742036"/>
-          </a:xfrm>
-        </p:spPr>
-        <p:txBody>
-          <a:bodyPr anchor="ctr"/>
-          <a:lstStyle/>
-          <a:p>
-            <a:pPr algn="ctr"/>
-            <a:r>
-              <a:rPr lang="pl-PL" dirty="0">
-                <a:solidFill>
-                  <a:schemeClr val="bg1"/>
-                </a:solidFill>
-              </a:rPr>
-              <a:t>$("&lt;div&gt;");</a:t>
-            </a:r>
-            <a:endParaRPr lang="pl-PL" dirty="0">
-              <a:solidFill>
-                <a:schemeClr val="bg1"/>
-              </a:solidFill>
-            </a:endParaRPr>
-          </a:p>
-        </p:txBody>
-      </p:sp>
-    </p:spTree>
-    <p:extLst>
-      <p:ext uri="{BB962C8B-B14F-4D97-AF65-F5344CB8AC3E}">
-        <p14:creationId xmlns:p14="http://schemas.microsoft.com/office/powerpoint/2010/main" val="3531425782"/>
-      </p:ext>
-    </p:extLst>
-  </p:cSld>
-  <p:clrMapOvr>
-    <a:masterClrMapping/>
-  </p:clrMapOvr>
-  <p:transition spd="slow">
-    <p:cut/>
-  </p:transition>
+  <p:timing>
+    <p:tnLst>
+      <p:par>
+        <p:cTn id="1" dur="indefinite" restart="never" nodeType="tmRoot"/>
+      </p:par>
+    </p:tnLst>
+  </p:timing>
 </p:sld>
 </file>
 
@@ -8271,147 +11049,22 @@
           <a:bodyPr anchor="ctr"/>
           <a:lstStyle/>
           <a:p>
-            <a:r>
-              <a:rPr lang="en-US" sz="2800" dirty="0">
-                <a:solidFill>
-                  <a:schemeClr val="bg1"/>
-                </a:solidFill>
-              </a:rPr>
-              <a:t>$("div").after();</a:t>
-            </a:r>
-            <a:br>
-              <a:rPr lang="en-US" sz="2800" dirty="0">
-                <a:solidFill>
-                  <a:schemeClr val="bg1"/>
-                </a:solidFill>
-              </a:rPr>
-            </a:br>
-            <a:r>
-              <a:rPr lang="en-US" sz="2800" dirty="0">
-                <a:solidFill>
-                  <a:schemeClr val="bg1"/>
-                </a:solidFill>
-              </a:rPr>
-              <a:t>$("div").before();</a:t>
-            </a:r>
-            <a:br>
-              <a:rPr lang="en-US" sz="2800" dirty="0">
-                <a:solidFill>
-                  <a:schemeClr val="bg1"/>
-                </a:solidFill>
-              </a:rPr>
-            </a:br>
-            <a:r>
-              <a:rPr lang="en-US" sz="2800" dirty="0">
-                <a:solidFill>
-                  <a:schemeClr val="bg1"/>
-                </a:solidFill>
-              </a:rPr>
-              <a:t>$("div").append();</a:t>
-            </a:r>
-            <a:br>
-              <a:rPr lang="en-US" sz="2800" dirty="0">
-                <a:solidFill>
-                  <a:schemeClr val="bg1"/>
-                </a:solidFill>
-              </a:rPr>
-            </a:br>
-            <a:r>
-              <a:rPr lang="en-US" sz="2800" dirty="0">
-                <a:solidFill>
-                  <a:schemeClr val="bg1"/>
-                </a:solidFill>
-              </a:rPr>
-              <a:t>$("div").prepend();</a:t>
-            </a:r>
-            <a:br>
-              <a:rPr lang="en-US" sz="2800" dirty="0">
-                <a:solidFill>
-                  <a:schemeClr val="bg1"/>
-                </a:solidFill>
-              </a:rPr>
-            </a:br>
-            <a:r>
-              <a:rPr lang="en-US" sz="2800" dirty="0">
-                <a:solidFill>
-                  <a:schemeClr val="bg1"/>
-                </a:solidFill>
-              </a:rPr>
-              <a:t/>
-            </a:r>
-            <a:br>
-              <a:rPr lang="en-US" sz="2800" dirty="0">
-                <a:solidFill>
-                  <a:schemeClr val="bg1"/>
-                </a:solidFill>
-              </a:rPr>
-            </a:br>
-            <a:r>
-              <a:rPr lang="en-US" sz="2800" dirty="0">
-                <a:solidFill>
-                  <a:schemeClr val="bg1"/>
-                </a:solidFill>
-              </a:rPr>
-              <a:t>$("&lt;div&gt;").</a:t>
-            </a:r>
-            <a:r>
-              <a:rPr lang="en-US" sz="2800" dirty="0" err="1">
-                <a:solidFill>
-                  <a:schemeClr val="bg1"/>
-                </a:solidFill>
-              </a:rPr>
-              <a:t>appendTo</a:t>
-            </a:r>
-            <a:r>
-              <a:rPr lang="en-US" sz="2800" dirty="0">
-                <a:solidFill>
-                  <a:schemeClr val="bg1"/>
-                </a:solidFill>
-              </a:rPr>
-              <a:t>()</a:t>
-            </a:r>
-            <a:br>
-              <a:rPr lang="en-US" sz="2800" dirty="0">
-                <a:solidFill>
-                  <a:schemeClr val="bg1"/>
-                </a:solidFill>
-              </a:rPr>
-            </a:br>
-            <a:r>
-              <a:rPr lang="en-US" sz="2800" dirty="0">
-                <a:solidFill>
-                  <a:schemeClr val="bg1"/>
-                </a:solidFill>
-              </a:rPr>
-              <a:t/>
-            </a:r>
-            <a:br>
-              <a:rPr lang="en-US" sz="2800" dirty="0">
-                <a:solidFill>
-                  <a:schemeClr val="bg1"/>
-                </a:solidFill>
-              </a:rPr>
-            </a:br>
-            <a:r>
-              <a:rPr lang="en-US" sz="2800" dirty="0">
-                <a:solidFill>
-                  <a:schemeClr val="bg1"/>
-                </a:solidFill>
-              </a:rPr>
-              <a:t>$("div").remove();</a:t>
-            </a:r>
-            <a:endParaRPr lang="pl-PL" sz="2800" dirty="0">
-              <a:solidFill>
-                <a:schemeClr val="bg1"/>
-              </a:solidFill>
-            </a:endParaRPr>
+            <a:pPr algn="ctr"/>
+            <a:r>
+              <a:rPr lang="pl-PL" dirty="0">
+                <a:solidFill>
+                  <a:schemeClr val="bg1"/>
+                </a:solidFill>
+              </a:rPr>
+              <a:t>$("&lt;div&gt;");</a:t>
+            </a:r>
           </a:p>
         </p:txBody>
       </p:sp>
     </p:spTree>
     <p:extLst>
       <p:ext uri="{BB962C8B-B14F-4D97-AF65-F5344CB8AC3E}">
-        <p14:creationId xmlns:p14="http://schemas.microsoft.com/office/powerpoint/2010/main" val="3178401811"/>
+        <p14:creationId xmlns:p14="http://schemas.microsoft.com/office/powerpoint/2010/main" val="3531425782"/>
       </p:ext>
     </p:extLst>
   </p:cSld>
@@ -8421,6 +11074,13 @@
   <p:transition spd="slow">
     <p:cut/>
   </p:transition>
+  <p:timing>
+    <p:tnLst>
+      <p:par>
+        <p:cTn id="1" dur="indefinite" restart="never" nodeType="tmRoot"/>
+      </p:par>
+    </p:tnLst>
+  </p:timing>
 </p:sld>
 </file>
 
